--- a/doc/ROS_OpenCV.pptx
+++ b/doc/ROS_OpenCV.pptx
@@ -5,7 +5,7 @@
     <p:sldMasterId id="2147483648" r:id="rId1"/>
   </p:sldMasterIdLst>
   <p:notesMasterIdLst>
-    <p:notesMasterId r:id="rId57"/>
+    <p:notesMasterId r:id="rId59"/>
   </p:notesMasterIdLst>
   <p:sldIdLst>
     <p:sldId id="258" r:id="rId2"/>
@@ -13,56 +13,58 @@
     <p:sldId id="365" r:id="rId4"/>
     <p:sldId id="370" r:id="rId5"/>
     <p:sldId id="371" r:id="rId6"/>
-    <p:sldId id="366" r:id="rId7"/>
-    <p:sldId id="367" r:id="rId8"/>
-    <p:sldId id="372" r:id="rId9"/>
-    <p:sldId id="368" r:id="rId10"/>
-    <p:sldId id="369" r:id="rId11"/>
-    <p:sldId id="336" r:id="rId12"/>
-    <p:sldId id="323" r:id="rId13"/>
-    <p:sldId id="340" r:id="rId14"/>
-    <p:sldId id="342" r:id="rId15"/>
-    <p:sldId id="326" r:id="rId16"/>
-    <p:sldId id="373" r:id="rId17"/>
-    <p:sldId id="341" r:id="rId18"/>
-    <p:sldId id="343" r:id="rId19"/>
-    <p:sldId id="382" r:id="rId20"/>
-    <p:sldId id="389" r:id="rId21"/>
-    <p:sldId id="346" r:id="rId22"/>
-    <p:sldId id="380" r:id="rId23"/>
-    <p:sldId id="400" r:id="rId24"/>
-    <p:sldId id="402" r:id="rId25"/>
-    <p:sldId id="399" r:id="rId26"/>
-    <p:sldId id="401" r:id="rId27"/>
-    <p:sldId id="397" r:id="rId28"/>
-    <p:sldId id="398" r:id="rId29"/>
-    <p:sldId id="374" r:id="rId30"/>
+    <p:sldId id="407" r:id="rId7"/>
+    <p:sldId id="366" r:id="rId8"/>
+    <p:sldId id="367" r:id="rId9"/>
+    <p:sldId id="372" r:id="rId10"/>
+    <p:sldId id="368" r:id="rId11"/>
+    <p:sldId id="408" r:id="rId12"/>
+    <p:sldId id="369" r:id="rId13"/>
+    <p:sldId id="336" r:id="rId14"/>
+    <p:sldId id="323" r:id="rId15"/>
+    <p:sldId id="340" r:id="rId16"/>
+    <p:sldId id="342" r:id="rId17"/>
+    <p:sldId id="326" r:id="rId18"/>
+    <p:sldId id="373" r:id="rId19"/>
+    <p:sldId id="341" r:id="rId20"/>
+    <p:sldId id="343" r:id="rId21"/>
+    <p:sldId id="382" r:id="rId22"/>
+    <p:sldId id="389" r:id="rId23"/>
+    <p:sldId id="346" r:id="rId24"/>
+    <p:sldId id="380" r:id="rId25"/>
+    <p:sldId id="400" r:id="rId26"/>
+    <p:sldId id="402" r:id="rId27"/>
+    <p:sldId id="399" r:id="rId28"/>
+    <p:sldId id="401" r:id="rId29"/>
+    <p:sldId id="397" r:id="rId30"/>
     <p:sldId id="403" r:id="rId31"/>
-    <p:sldId id="376" r:id="rId32"/>
-    <p:sldId id="393" r:id="rId33"/>
-    <p:sldId id="404" r:id="rId34"/>
-    <p:sldId id="394" r:id="rId35"/>
-    <p:sldId id="375" r:id="rId36"/>
-    <p:sldId id="378" r:id="rId37"/>
-    <p:sldId id="395" r:id="rId38"/>
-    <p:sldId id="379" r:id="rId39"/>
-    <p:sldId id="356" r:id="rId40"/>
-    <p:sldId id="344" r:id="rId41"/>
-    <p:sldId id="350" r:id="rId42"/>
-    <p:sldId id="353" r:id="rId43"/>
-    <p:sldId id="387" r:id="rId44"/>
-    <p:sldId id="388" r:id="rId45"/>
-    <p:sldId id="352" r:id="rId46"/>
-    <p:sldId id="383" r:id="rId47"/>
-    <p:sldId id="386" r:id="rId48"/>
-    <p:sldId id="364" r:id="rId49"/>
-    <p:sldId id="406" r:id="rId50"/>
-    <p:sldId id="405" r:id="rId51"/>
-    <p:sldId id="357" r:id="rId52"/>
-    <p:sldId id="384" r:id="rId53"/>
-    <p:sldId id="349" r:id="rId54"/>
-    <p:sldId id="355" r:id="rId55"/>
-    <p:sldId id="358" r:id="rId56"/>
+    <p:sldId id="398" r:id="rId32"/>
+    <p:sldId id="374" r:id="rId33"/>
+    <p:sldId id="376" r:id="rId34"/>
+    <p:sldId id="393" r:id="rId35"/>
+    <p:sldId id="404" r:id="rId36"/>
+    <p:sldId id="394" r:id="rId37"/>
+    <p:sldId id="375" r:id="rId38"/>
+    <p:sldId id="378" r:id="rId39"/>
+    <p:sldId id="395" r:id="rId40"/>
+    <p:sldId id="379" r:id="rId41"/>
+    <p:sldId id="356" r:id="rId42"/>
+    <p:sldId id="344" r:id="rId43"/>
+    <p:sldId id="350" r:id="rId44"/>
+    <p:sldId id="353" r:id="rId45"/>
+    <p:sldId id="387" r:id="rId46"/>
+    <p:sldId id="388" r:id="rId47"/>
+    <p:sldId id="352" r:id="rId48"/>
+    <p:sldId id="383" r:id="rId49"/>
+    <p:sldId id="386" r:id="rId50"/>
+    <p:sldId id="364" r:id="rId51"/>
+    <p:sldId id="406" r:id="rId52"/>
+    <p:sldId id="405" r:id="rId53"/>
+    <p:sldId id="357" r:id="rId54"/>
+    <p:sldId id="384" r:id="rId55"/>
+    <p:sldId id="349" r:id="rId56"/>
+    <p:sldId id="355" r:id="rId57"/>
+    <p:sldId id="358" r:id="rId58"/>
   </p:sldIdLst>
   <p:sldSz cx="9144000" cy="6858000" type="screen4x3"/>
   <p:notesSz cx="6858000" cy="9144000"/>
@@ -262,7 +264,7 @@
           <a:p>
             <a:fld id="{26950E59-91FA-400F-9B65-5FF464248520}" type="datetimeFigureOut">
               <a:rPr lang="nl-NL" smtClean="0"/>
-              <a:t>8-1-2017</a:t>
+              <a:t>12-2-2017</a:t>
             </a:fld>
             <a:endParaRPr lang="nl-NL"/>
           </a:p>
@@ -795,7 +797,7 @@
           <a:p>
             <a:fld id="{F9E4EDA1-9C32-44EE-A88A-C35B28DC60DF}" type="datetime1">
               <a:rPr lang="nl-NL" smtClean="0"/>
-              <a:t>8-1-2017</a:t>
+              <a:t>12-2-2017</a:t>
             </a:fld>
             <a:endParaRPr lang="nl-NL"/>
           </a:p>
@@ -970,7 +972,7 @@
           <a:p>
             <a:fld id="{E8B554EA-2EBF-44ED-8219-DB7A6293D147}" type="datetime1">
               <a:rPr lang="nl-NL" smtClean="0"/>
-              <a:t>8-1-2017</a:t>
+              <a:t>12-2-2017</a:t>
             </a:fld>
             <a:endParaRPr lang="nl-NL"/>
           </a:p>
@@ -1149,7 +1151,7 @@
           <a:p>
             <a:fld id="{424B25E7-36A2-4723-8542-B9C24E39082F}" type="datetime1">
               <a:rPr lang="nl-NL" smtClean="0"/>
-              <a:t>8-1-2017</a:t>
+              <a:t>12-2-2017</a:t>
             </a:fld>
             <a:endParaRPr lang="nl-NL"/>
           </a:p>
@@ -1318,7 +1320,7 @@
           <a:p>
             <a:fld id="{A2D72730-B8C5-42EE-B2E1-B3D2153B0C85}" type="datetime1">
               <a:rPr lang="nl-NL" smtClean="0"/>
-              <a:t>8-1-2017</a:t>
+              <a:t>12-2-2017</a:t>
             </a:fld>
             <a:endParaRPr lang="nl-NL"/>
           </a:p>
@@ -1569,7 +1571,7 @@
           <a:p>
             <a:fld id="{555A407D-A775-4E41-8911-E46283B1B9EB}" type="datetime1">
               <a:rPr lang="nl-NL" smtClean="0"/>
-              <a:t>8-1-2017</a:t>
+              <a:t>12-2-2017</a:t>
             </a:fld>
             <a:endParaRPr lang="nl-NL"/>
           </a:p>
@@ -1856,7 +1858,7 @@
           <a:p>
             <a:fld id="{CABF5943-9735-4C92-AD4B-C2EEBD04CC44}" type="datetime1">
               <a:rPr lang="nl-NL" smtClean="0"/>
-              <a:t>8-1-2017</a:t>
+              <a:t>12-2-2017</a:t>
             </a:fld>
             <a:endParaRPr lang="nl-NL"/>
           </a:p>
@@ -2277,7 +2279,7 @@
           <a:p>
             <a:fld id="{0DF044FB-FDB4-4970-8FB0-4F0C736FF315}" type="datetime1">
               <a:rPr lang="nl-NL" smtClean="0"/>
-              <a:t>8-1-2017</a:t>
+              <a:t>12-2-2017</a:t>
             </a:fld>
             <a:endParaRPr lang="nl-NL"/>
           </a:p>
@@ -2394,7 +2396,7 @@
           <a:p>
             <a:fld id="{76FD22D1-8795-408B-B3EB-42B05411583C}" type="datetime1">
               <a:rPr lang="nl-NL" smtClean="0"/>
-              <a:t>8-1-2017</a:t>
+              <a:t>12-2-2017</a:t>
             </a:fld>
             <a:endParaRPr lang="nl-NL"/>
           </a:p>
@@ -2488,7 +2490,7 @@
           <a:p>
             <a:fld id="{7A7B8F64-5E52-47E1-B0D2-CAD19A9600F7}" type="datetime1">
               <a:rPr lang="nl-NL" smtClean="0"/>
-              <a:t>8-1-2017</a:t>
+              <a:t>12-2-2017</a:t>
             </a:fld>
             <a:endParaRPr lang="nl-NL"/>
           </a:p>
@@ -2764,7 +2766,7 @@
           <a:p>
             <a:fld id="{CD17FC3B-E5F0-489C-9AA4-2BC783A79509}" type="datetime1">
               <a:rPr lang="nl-NL" smtClean="0"/>
-              <a:t>8-1-2017</a:t>
+              <a:t>12-2-2017</a:t>
             </a:fld>
             <a:endParaRPr lang="nl-NL"/>
           </a:p>
@@ -3016,7 +3018,7 @@
           <a:p>
             <a:fld id="{2750CC4F-A6A7-4EC0-9CB8-B987D153BE7C}" type="datetime1">
               <a:rPr lang="nl-NL" smtClean="0"/>
-              <a:t>8-1-2017</a:t>
+              <a:t>12-2-2017</a:t>
             </a:fld>
             <a:endParaRPr lang="nl-NL"/>
           </a:p>
@@ -3228,7 +3230,7 @@
           <a:p>
             <a:fld id="{249FEA8C-C0F4-479D-B90D-87F4F7CA1E23}" type="datetime1">
               <a:rPr lang="nl-NL" smtClean="0"/>
-              <a:t>8-1-2017</a:t>
+              <a:t>12-2-2017</a:t>
             </a:fld>
             <a:endParaRPr lang="nl-NL"/>
           </a:p>
@@ -3727,37 +3729,148 @@
           <a:lstStyle/>
           <a:p>
             <a:r>
+              <a:rPr lang="nl-NL" dirty="0" smtClean="0"/>
+              <a:t>Image Processing</a:t>
+            </a:r>
+            <a:endParaRPr lang="nl-NL" dirty="0"/>
+          </a:p>
+        </p:txBody>
+      </p:sp>
+      <p:sp>
+        <p:nvSpPr>
+          <p:cNvPr id="3" name="Tijdelijke aanduiding voor inhoud 2"/>
+          <p:cNvSpPr>
+            <a:spLocks noGrp="1"/>
+          </p:cNvSpPr>
+          <p:nvPr>
+            <p:ph idx="1"/>
+          </p:nvPr>
+        </p:nvSpPr>
+        <p:spPr/>
+        <p:txBody>
+          <a:bodyPr>
+            <a:normAutofit lnSpcReduction="10000"/>
+          </a:bodyPr>
+          <a:lstStyle/>
+          <a:p>
+            <a:r>
+              <a:rPr lang="nl-NL" dirty="0" smtClean="0"/>
+              <a:t>Colorspace </a:t>
+            </a:r>
+            <a:r>
               <a:rPr lang="nl-NL" dirty="0" err="1" smtClean="0"/>
-              <a:t>Drawing</a:t>
-            </a:r>
-            <a:r>
-              <a:rPr lang="nl-NL" dirty="0" smtClean="0"/>
-              <a:t> &amp; </a:t>
-            </a:r>
+              <a:t>conversions</a:t>
+            </a:r>
+            <a:endParaRPr lang="nl-NL" dirty="0" smtClean="0"/>
+          </a:p>
+          <a:p>
             <a:r>
               <a:rPr lang="nl-NL" dirty="0" err="1"/>
-              <a:t>W</a:t>
+              <a:t>Geometric</a:t>
+            </a:r>
+            <a:r>
+              <a:rPr lang="nl-NL" dirty="0"/>
+              <a:t> </a:t>
             </a:r>
             <a:r>
               <a:rPr lang="nl-NL" dirty="0" err="1" smtClean="0"/>
-              <a:t>riting</a:t>
-            </a:r>
-            <a:r>
-              <a:rPr lang="nl-NL" dirty="0" smtClean="0"/>
-              <a:t> on images</a:t>
-            </a:r>
-            <a:endParaRPr lang="en-GB" dirty="0"/>
-          </a:p>
-        </p:txBody>
-      </p:sp>
-      <p:sp>
-        <p:nvSpPr>
-          <p:cNvPr id="3" name="Tijdelijke aanduiding voor inhoud 2"/>
-          <p:cNvSpPr>
-            <a:spLocks noGrp="1"/>
-          </p:cNvSpPr>
-          <p:nvPr>
-            <p:ph idx="1"/>
+              <a:t>Transformations</a:t>
+            </a:r>
+            <a:endParaRPr lang="nl-NL" dirty="0" smtClean="0"/>
+          </a:p>
+          <a:p>
+            <a:r>
+              <a:rPr lang="nl-NL" dirty="0" err="1" smtClean="0"/>
+              <a:t>Smoothing</a:t>
+            </a:r>
+            <a:endParaRPr lang="nl-NL" dirty="0" smtClean="0"/>
+          </a:p>
+          <a:p>
+            <a:r>
+              <a:rPr lang="nl-NL" dirty="0" err="1" smtClean="0"/>
+              <a:t>Thresholding</a:t>
+            </a:r>
+            <a:endParaRPr lang="nl-NL" dirty="0" smtClean="0"/>
+          </a:p>
+          <a:p>
+            <a:r>
+              <a:rPr lang="nl-NL" dirty="0" err="1" smtClean="0"/>
+              <a:t>Edge</a:t>
+            </a:r>
+            <a:r>
+              <a:rPr lang="nl-NL" dirty="0" smtClean="0"/>
+              <a:t> </a:t>
+            </a:r>
+            <a:r>
+              <a:rPr lang="nl-NL" dirty="0" err="1" smtClean="0"/>
+              <a:t>detection</a:t>
+            </a:r>
+            <a:endParaRPr lang="nl-NL" dirty="0" smtClean="0"/>
+          </a:p>
+          <a:p>
+            <a:r>
+              <a:rPr lang="nl-NL" dirty="0" smtClean="0"/>
+              <a:t>Contour </a:t>
+            </a:r>
+            <a:r>
+              <a:rPr lang="nl-NL" dirty="0" err="1" smtClean="0"/>
+              <a:t>detection</a:t>
+            </a:r>
+            <a:endParaRPr lang="nl-NL" dirty="0"/>
+          </a:p>
+          <a:p>
+            <a:r>
+              <a:rPr lang="nl-NL" dirty="0" err="1" smtClean="0"/>
+              <a:t>Morphological</a:t>
+            </a:r>
+            <a:r>
+              <a:rPr lang="nl-NL" dirty="0" smtClean="0"/>
+              <a:t> operations</a:t>
+            </a:r>
+          </a:p>
+          <a:p>
+            <a:r>
+              <a:rPr lang="nl-NL" dirty="0" smtClean="0"/>
+              <a:t>…..</a:t>
+            </a:r>
+            <a:r>
+              <a:rPr lang="nl-NL" dirty="0" err="1" smtClean="0"/>
+              <a:t>and</a:t>
+            </a:r>
+            <a:r>
+              <a:rPr lang="nl-NL" dirty="0" smtClean="0"/>
+              <a:t> </a:t>
+            </a:r>
+            <a:r>
+              <a:rPr lang="nl-NL" dirty="0" err="1" smtClean="0"/>
+              <a:t>much</a:t>
+            </a:r>
+            <a:r>
+              <a:rPr lang="nl-NL" dirty="0" smtClean="0"/>
+              <a:t>, </a:t>
+            </a:r>
+            <a:r>
+              <a:rPr lang="nl-NL" dirty="0" err="1" smtClean="0"/>
+              <a:t>much</a:t>
+            </a:r>
+            <a:r>
+              <a:rPr lang="nl-NL" dirty="0" smtClean="0"/>
+              <a:t> more</a:t>
+            </a:r>
+          </a:p>
+          <a:p>
+            <a:endParaRPr lang="nl-NL" dirty="0" smtClean="0"/>
+          </a:p>
+        </p:txBody>
+      </p:sp>
+      <p:sp>
+        <p:nvSpPr>
+          <p:cNvPr id="5" name="Tijdelijke aanduiding voor voettekst 4"/>
+          <p:cNvSpPr>
+            <a:spLocks noGrp="1"/>
+          </p:cNvSpPr>
+          <p:nvPr>
+            <p:ph type="ftr" sz="quarter" idx="11"/>
           </p:nvPr>
         </p:nvSpPr>
         <p:spPr/>
@@ -3766,74 +3879,12 @@
           <a:lstStyle/>
           <a:p>
             <a:r>
-              <a:rPr lang="nl-NL" dirty="0"/>
-              <a:t>c</a:t>
-            </a:r>
-            <a:r>
-              <a:rPr lang="nl-NL" dirty="0" smtClean="0"/>
-              <a:t>v2.line</a:t>
-            </a:r>
-          </a:p>
-          <a:p>
-            <a:r>
-              <a:rPr lang="nl-NL" dirty="0"/>
-              <a:t>cv2.rectangle</a:t>
-            </a:r>
-            <a:endParaRPr lang="nl-NL" dirty="0" smtClean="0"/>
-          </a:p>
-          <a:p>
-            <a:r>
-              <a:rPr lang="nl-NL" dirty="0"/>
-              <a:t>cv2.polyline</a:t>
-            </a:r>
-            <a:endParaRPr lang="nl-NL" dirty="0" smtClean="0"/>
-          </a:p>
-          <a:p>
-            <a:r>
-              <a:rPr lang="nl-NL" dirty="0"/>
-              <a:t>cv2.circle</a:t>
-            </a:r>
-            <a:endParaRPr lang="nl-NL" dirty="0" smtClean="0"/>
-          </a:p>
-          <a:p>
-            <a:r>
-              <a:rPr lang="nl-NL" dirty="0" smtClean="0"/>
-              <a:t>cv2.ellipse</a:t>
-            </a:r>
-          </a:p>
-          <a:p>
-            <a:r>
-              <a:rPr lang="nl-NL" dirty="0" smtClean="0"/>
-              <a:t>cv2.drawContours</a:t>
-            </a:r>
-          </a:p>
-          <a:p>
-            <a:r>
-              <a:rPr lang="nl-NL" dirty="0"/>
-              <a:t>cv2.putText</a:t>
-            </a:r>
-            <a:endParaRPr lang="en-GB" dirty="0"/>
-          </a:p>
-        </p:txBody>
-      </p:sp>
-      <p:sp>
-        <p:nvSpPr>
-          <p:cNvPr id="4" name="Tijdelijke aanduiding voor voettekst 3"/>
-          <p:cNvSpPr>
-            <a:spLocks noGrp="1"/>
-          </p:cNvSpPr>
-          <p:nvPr>
-            <p:ph type="ftr" sz="quarter" idx="11"/>
-          </p:nvPr>
-        </p:nvSpPr>
-        <p:spPr/>
-        <p:txBody>
-          <a:bodyPr/>
-          <a:lstStyle/>
-          <a:p>
-            <a:r>
-              <a:rPr lang="nl-NL" smtClean="0"/>
-              <a:t>OpenCV in ROS / Eric Dortmans / FHICT</a:t>
+              <a:rPr lang="nl-NL" dirty="0" err="1" smtClean="0"/>
+              <a:t>OpenCV</a:t>
+            </a:r>
+            <a:r>
+              <a:rPr lang="nl-NL" dirty="0" smtClean="0"/>
+              <a:t> in ROS / Eric Dortmans / FHICT</a:t>
             </a:r>
           </a:p>
           <a:p>
@@ -3844,7 +3895,7 @@
     </p:spTree>
     <p:extLst>
       <p:ext uri="{BB962C8B-B14F-4D97-AF65-F5344CB8AC3E}">
-        <p14:creationId xmlns:p14="http://schemas.microsoft.com/office/powerpoint/2010/main" val="21592453"/>
+        <p14:creationId xmlns:p14="http://schemas.microsoft.com/office/powerpoint/2010/main" val="1870737802"/>
       </p:ext>
     </p:extLst>
   </p:cSld>
@@ -3878,6 +3929,692 @@
           <a:chExt cx="0" cy="0"/>
         </a:xfrm>
       </p:grpSpPr>
+      <p:pic>
+        <p:nvPicPr>
+          <p:cNvPr id="4098" name="Picture 2" descr="http://www.petercorke.com/RVC/chaps/12/figs/spatial.png"/>
+          <p:cNvPicPr>
+            <a:picLocks noChangeAspect="1" noChangeArrowheads="1"/>
+          </p:cNvPicPr>
+          <p:nvPr/>
+        </p:nvPicPr>
+        <p:blipFill>
+          <a:blip r:embed="rId2">
+            <a:extLst>
+              <a:ext uri="{28A0092B-C50C-407E-A947-70E740481C1C}">
+                <a14:useLocalDpi xmlns:a14="http://schemas.microsoft.com/office/drawing/2010/main" val="0"/>
+              </a:ext>
+            </a:extLst>
+          </a:blip>
+          <a:srcRect/>
+          <a:stretch>
+            <a:fillRect/>
+          </a:stretch>
+        </p:blipFill>
+        <p:spPr bwMode="auto">
+          <a:xfrm>
+            <a:off x="1691680" y="2258092"/>
+            <a:ext cx="5285322" cy="2707864"/>
+          </a:xfrm>
+          <a:prstGeom prst="rect">
+            <a:avLst/>
+          </a:prstGeom>
+          <a:noFill/>
+          <a:extLst>
+            <a:ext uri="{909E8E84-426E-40DD-AFC4-6F175D3DCCD1}">
+              <a14:hiddenFill xmlns:a14="http://schemas.microsoft.com/office/drawing/2010/main">
+                <a:solidFill>
+                  <a:srgbClr val="FFFFFF"/>
+                </a:solidFill>
+              </a14:hiddenFill>
+            </a:ext>
+          </a:extLst>
+        </p:spPr>
+      </p:pic>
+      <p:sp>
+        <p:nvSpPr>
+          <p:cNvPr id="3" name="Titel 2"/>
+          <p:cNvSpPr>
+            <a:spLocks noGrp="1"/>
+          </p:cNvSpPr>
+          <p:nvPr>
+            <p:ph type="title"/>
+          </p:nvPr>
+        </p:nvSpPr>
+        <p:spPr/>
+        <p:txBody>
+          <a:bodyPr/>
+          <a:lstStyle/>
+          <a:p>
+            <a:r>
+              <a:rPr lang="nl-NL" dirty="0" smtClean="0"/>
+              <a:t>Image </a:t>
+            </a:r>
+            <a:r>
+              <a:rPr lang="nl-NL" dirty="0" smtClean="0"/>
+              <a:t>Processing</a:t>
+            </a:r>
+            <a:endParaRPr lang="nl-NL" dirty="0"/>
+          </a:p>
+        </p:txBody>
+      </p:sp>
+      <p:sp>
+        <p:nvSpPr>
+          <p:cNvPr id="6" name="Tijdelijke aanduiding voor inhoud 5"/>
+          <p:cNvSpPr>
+            <a:spLocks noGrp="1"/>
+          </p:cNvSpPr>
+          <p:nvPr>
+            <p:ph idx="1"/>
+          </p:nvPr>
+        </p:nvSpPr>
+        <p:spPr/>
+        <p:txBody>
+          <a:bodyPr/>
+          <a:lstStyle/>
+          <a:p>
+            <a:r>
+              <a:rPr lang="nl-NL" dirty="0" err="1" smtClean="0"/>
+              <a:t>Convolution</a:t>
+            </a:r>
+            <a:r>
+              <a:rPr lang="nl-NL" dirty="0" smtClean="0"/>
+              <a:t> (2D, </a:t>
+            </a:r>
+            <a:r>
+              <a:rPr lang="nl-NL" dirty="0" err="1" smtClean="0"/>
+              <a:t>spatial</a:t>
+            </a:r>
+            <a:r>
+              <a:rPr lang="nl-NL" dirty="0" smtClean="0"/>
+              <a:t>): </a:t>
+            </a:r>
+            <a:r>
+              <a:rPr lang="nl-NL" i="1" dirty="0" err="1" smtClean="0"/>
+              <a:t>Kernel</a:t>
+            </a:r>
+            <a:r>
+              <a:rPr lang="nl-NL" i="1" dirty="0" smtClean="0"/>
+              <a:t>      Image</a:t>
+            </a:r>
+            <a:endParaRPr lang="nl-NL" i="1" dirty="0"/>
+          </a:p>
+        </p:txBody>
+      </p:sp>
+      <p:sp>
+        <p:nvSpPr>
+          <p:cNvPr id="5" name="Tijdelijke aanduiding voor dianummer 4"/>
+          <p:cNvSpPr>
+            <a:spLocks noGrp="1"/>
+          </p:cNvSpPr>
+          <p:nvPr>
+            <p:ph type="sldNum" sz="quarter" idx="12"/>
+          </p:nvPr>
+        </p:nvSpPr>
+        <p:spPr/>
+        <p:txBody>
+          <a:bodyPr/>
+          <a:lstStyle/>
+          <a:p>
+            <a:fld id="{C85D0BE5-989C-42F0-AC7D-F26A05BBD271}" type="slidenum">
+              <a:rPr lang="nl-NL" smtClean="0"/>
+              <a:t>11</a:t>
+            </a:fld>
+            <a:endParaRPr lang="nl-NL"/>
+          </a:p>
+        </p:txBody>
+      </p:sp>
+      <p:grpSp>
+        <p:nvGrpSpPr>
+          <p:cNvPr id="10" name="Groep 9"/>
+          <p:cNvGrpSpPr/>
+          <p:nvPr/>
+        </p:nvGrpSpPr>
+        <p:grpSpPr>
+          <a:xfrm>
+            <a:off x="611560" y="4818640"/>
+            <a:ext cx="4680520" cy="1435889"/>
+            <a:chOff x="1043608" y="2144283"/>
+            <a:chExt cx="4680520" cy="1435889"/>
+          </a:xfrm>
+        </p:grpSpPr>
+        <p:pic>
+          <p:nvPicPr>
+            <p:cNvPr id="16" name="Picture 3"/>
+            <p:cNvPicPr>
+              <a:picLocks noChangeAspect="1" noChangeArrowheads="1"/>
+            </p:cNvPicPr>
+            <p:nvPr/>
+          </p:nvPicPr>
+          <p:blipFill>
+            <a:blip r:embed="rId3">
+              <a:extLst>
+                <a:ext uri="{28A0092B-C50C-407E-A947-70E740481C1C}">
+                  <a14:useLocalDpi xmlns:a14="http://schemas.microsoft.com/office/drawing/2010/main" val="0"/>
+                </a:ext>
+              </a:extLst>
+            </a:blip>
+            <a:srcRect/>
+            <a:stretch>
+              <a:fillRect/>
+            </a:stretch>
+          </p:blipFill>
+          <p:spPr bwMode="auto">
+            <a:xfrm>
+              <a:off x="3650704" y="2144283"/>
+              <a:ext cx="2073424" cy="1435889"/>
+            </a:xfrm>
+            <a:prstGeom prst="rect">
+              <a:avLst/>
+            </a:prstGeom>
+            <a:noFill/>
+            <a:ln>
+              <a:noFill/>
+            </a:ln>
+            <a:effectLst/>
+            <a:extLst>
+              <a:ext uri="{909E8E84-426E-40DD-AFC4-6F175D3DCCD1}">
+                <a14:hiddenFill xmlns:a14="http://schemas.microsoft.com/office/drawing/2010/main">
+                  <a:solidFill>
+                    <a:schemeClr val="accent1"/>
+                  </a:solidFill>
+                </a14:hiddenFill>
+              </a:ext>
+              <a:ext uri="{91240B29-F687-4F45-9708-019B960494DF}">
+                <a14:hiddenLine xmlns:a14="http://schemas.microsoft.com/office/drawing/2010/main" w="9525">
+                  <a:solidFill>
+                    <a:schemeClr val="tx1"/>
+                  </a:solidFill>
+                  <a:miter lim="800000"/>
+                  <a:headEnd/>
+                  <a:tailEnd/>
+                </a14:hiddenLine>
+              </a:ext>
+              <a:ext uri="{AF507438-7753-43E0-B8FC-AC1667EBCBE1}">
+                <a14:hiddenEffects xmlns:a14="http://schemas.microsoft.com/office/drawing/2010/main">
+                  <a:effectLst>
+                    <a:outerShdw dist="35921" dir="2700000" algn="ctr" rotWithShape="0">
+                      <a:schemeClr val="bg2"/>
+                    </a:outerShdw>
+                  </a:effectLst>
+                </a14:hiddenEffects>
+              </a:ext>
+            </a:extLst>
+          </p:spPr>
+        </p:pic>
+        <p:sp>
+          <p:nvSpPr>
+            <p:cNvPr id="2" name="Tekstvak 1"/>
+            <p:cNvSpPr txBox="1"/>
+            <p:nvPr/>
+          </p:nvSpPr>
+          <p:spPr>
+            <a:xfrm>
+              <a:off x="1043608" y="2579236"/>
+              <a:ext cx="2632452" cy="369332"/>
+            </a:xfrm>
+            <a:prstGeom prst="rect">
+              <a:avLst/>
+            </a:prstGeom>
+            <a:noFill/>
+          </p:spPr>
+          <p:txBody>
+            <a:bodyPr wrap="none" rtlCol="0">
+              <a:spAutoFit/>
+            </a:bodyPr>
+            <a:lstStyle/>
+            <a:p>
+              <a:r>
+                <a:rPr lang="nl-NL" dirty="0" err="1" smtClean="0">
+                  <a:latin typeface="Times New Roman" pitchFamily="18" charset="0"/>
+                  <a:cs typeface="Times New Roman" pitchFamily="18" charset="0"/>
+                </a:rPr>
+                <a:t>Example</a:t>
+              </a:r>
+              <a:r>
+                <a:rPr lang="nl-NL" dirty="0" smtClean="0">
+                  <a:latin typeface="Times New Roman" pitchFamily="18" charset="0"/>
+                  <a:cs typeface="Times New Roman" pitchFamily="18" charset="0"/>
+                </a:rPr>
+                <a:t>: </a:t>
+              </a:r>
+              <a:r>
+                <a:rPr lang="nl-NL" i="1" dirty="0" err="1" smtClean="0">
+                  <a:latin typeface="Times New Roman" pitchFamily="18" charset="0"/>
+                  <a:cs typeface="Times New Roman" pitchFamily="18" charset="0"/>
+                </a:rPr>
+                <a:t>Gaussian</a:t>
+              </a:r>
+              <a:r>
+                <a:rPr lang="nl-NL" i="1" dirty="0" smtClean="0">
+                  <a:latin typeface="Times New Roman" pitchFamily="18" charset="0"/>
+                  <a:cs typeface="Times New Roman" pitchFamily="18" charset="0"/>
+                </a:rPr>
+                <a:t> </a:t>
+              </a:r>
+              <a:r>
+                <a:rPr lang="nl-NL" i="1" dirty="0" err="1">
+                  <a:latin typeface="Times New Roman" pitchFamily="18" charset="0"/>
+                  <a:cs typeface="Times New Roman" pitchFamily="18" charset="0"/>
+                </a:rPr>
+                <a:t>k</a:t>
+              </a:r>
+              <a:r>
+                <a:rPr lang="nl-NL" sz="1600" i="1" dirty="0" err="1" smtClean="0"/>
+                <a:t>ernel</a:t>
+              </a:r>
+              <a:r>
+                <a:rPr lang="nl-NL" sz="1600" dirty="0" smtClean="0"/>
+                <a:t>:</a:t>
+              </a:r>
+              <a:endParaRPr lang="nl-NL" sz="1600" dirty="0"/>
+            </a:p>
+          </p:txBody>
+        </p:sp>
+      </p:grpSp>
+      <p:sp>
+        <p:nvSpPr>
+          <p:cNvPr id="12" name="Tijdelijke aanduiding voor voettekst 4"/>
+          <p:cNvSpPr>
+            <a:spLocks noGrp="1"/>
+          </p:cNvSpPr>
+          <p:nvPr>
+            <p:ph type="ftr" sz="quarter" idx="11"/>
+          </p:nvPr>
+        </p:nvSpPr>
+        <p:spPr>
+          <a:xfrm>
+            <a:off x="3124200" y="6356350"/>
+            <a:ext cx="2895600" cy="365125"/>
+          </a:xfrm>
+        </p:spPr>
+        <p:txBody>
+          <a:bodyPr/>
+          <a:lstStyle/>
+          <a:p>
+            <a:r>
+              <a:rPr lang="nl-NL" dirty="0" err="1" smtClean="0"/>
+              <a:t>OpenCV</a:t>
+            </a:r>
+            <a:r>
+              <a:rPr lang="nl-NL" dirty="0" smtClean="0"/>
+              <a:t> in ROS / Eric Dortmans / FHICT</a:t>
+            </a:r>
+          </a:p>
+          <a:p>
+            <a:endParaRPr lang="nl-NL" dirty="0"/>
+          </a:p>
+        </p:txBody>
+      </p:sp>
+      <mc:AlternateContent xmlns:mc="http://schemas.openxmlformats.org/markup-compatibility/2006" xmlns:a14="http://schemas.microsoft.com/office/drawing/2010/main">
+        <mc:Choice Requires="a14">
+          <p:sp>
+            <p:nvSpPr>
+              <p:cNvPr id="15" name="Tekstvak 14"/>
+              <p:cNvSpPr txBox="1"/>
+              <p:nvPr/>
+            </p:nvSpPr>
+            <p:spPr>
+              <a:xfrm>
+                <a:off x="6172471" y="1671191"/>
+                <a:ext cx="559769" cy="461665"/>
+              </a:xfrm>
+              <a:prstGeom prst="rect">
+                <a:avLst/>
+              </a:prstGeom>
+              <a:noFill/>
+            </p:spPr>
+            <p:txBody>
+              <a:bodyPr wrap="none" rtlCol="0">
+                <a:spAutoFit/>
+              </a:bodyPr>
+              <a:lstStyle/>
+              <a:p>
+                <a:pPr/>
+                <a14:m>
+                  <m:oMathPara xmlns:m="http://schemas.openxmlformats.org/officeDocument/2006/math">
+                    <m:oMathParaPr>
+                      <m:jc m:val="centerGroup"/>
+                    </m:oMathParaPr>
+                    <m:oMath xmlns:m="http://schemas.openxmlformats.org/officeDocument/2006/math">
+                      <m:r>
+                        <a:rPr lang="nl-NL" sz="2400" b="0" i="1" smtClean="0">
+                          <a:latin typeface="Cambria Math"/>
+                        </a:rPr>
+                        <m:t>⊗</m:t>
+                      </m:r>
+                    </m:oMath>
+                  </m:oMathPara>
+                </a14:m>
+                <a:endParaRPr lang="nl-NL" dirty="0"/>
+              </a:p>
+            </p:txBody>
+          </p:sp>
+        </mc:Choice>
+        <mc:Fallback xmlns="">
+          <p:sp>
+            <p:nvSpPr>
+              <p:cNvPr id="15" name="Tekstvak 14"/>
+              <p:cNvSpPr txBox="1">
+                <a:spLocks noRot="1" noChangeAspect="1" noMove="1" noResize="1" noEditPoints="1" noAdjustHandles="1" noChangeArrowheads="1" noChangeShapeType="1" noTextEdit="1"/>
+              </p:cNvSpPr>
+              <p:nvPr/>
+            </p:nvSpPr>
+            <p:spPr>
+              <a:xfrm>
+                <a:off x="6172471" y="1671191"/>
+                <a:ext cx="559769" cy="461665"/>
+              </a:xfrm>
+              <a:prstGeom prst="rect">
+                <a:avLst/>
+              </a:prstGeom>
+              <a:blipFill rotWithShape="0">
+                <a:blip r:embed="rId4"/>
+                <a:stretch>
+                  <a:fillRect l="-1099" r="-1099" b="-9211"/>
+                </a:stretch>
+              </a:blipFill>
+            </p:spPr>
+            <p:txBody>
+              <a:bodyPr/>
+              <a:lstStyle/>
+              <a:p>
+                <a:r>
+                  <a:rPr lang="nl-NL">
+                    <a:noFill/>
+                  </a:rPr>
+                  <a:t> </a:t>
+                </a:r>
+              </a:p>
+            </p:txBody>
+          </p:sp>
+        </mc:Fallback>
+      </mc:AlternateContent>
+      <p:sp>
+        <p:nvSpPr>
+          <p:cNvPr id="4" name="Rechthoek 3"/>
+          <p:cNvSpPr/>
+          <p:nvPr/>
+        </p:nvSpPr>
+        <p:spPr>
+          <a:xfrm>
+            <a:off x="5436096" y="5253593"/>
+            <a:ext cx="3497368" cy="369332"/>
+          </a:xfrm>
+          <a:prstGeom prst="rect">
+            <a:avLst/>
+          </a:prstGeom>
+        </p:spPr>
+        <p:txBody>
+          <a:bodyPr wrap="none">
+            <a:spAutoFit/>
+          </a:bodyPr>
+          <a:lstStyle/>
+          <a:p>
+            <a:r>
+              <a:rPr lang="nl-NL" dirty="0">
+                <a:hlinkClick r:id="rId5"/>
+              </a:rPr>
+              <a:t>http://setosa.io/ev/image-kernels</a:t>
+            </a:r>
+            <a:r>
+              <a:rPr lang="nl-NL" dirty="0" smtClean="0">
+                <a:hlinkClick r:id="rId5"/>
+              </a:rPr>
+              <a:t>/</a:t>
+            </a:r>
+            <a:r>
+              <a:rPr lang="nl-NL" dirty="0" smtClean="0"/>
+              <a:t> </a:t>
+            </a:r>
+            <a:endParaRPr lang="nl-NL" dirty="0"/>
+          </a:p>
+        </p:txBody>
+      </p:sp>
+      <p:sp>
+        <p:nvSpPr>
+          <p:cNvPr id="7" name="Rechthoek 6"/>
+          <p:cNvSpPr/>
+          <p:nvPr/>
+        </p:nvSpPr>
+        <p:spPr>
+          <a:xfrm>
+            <a:off x="5436096" y="5603337"/>
+            <a:ext cx="3353352" cy="646331"/>
+          </a:xfrm>
+          <a:prstGeom prst="rect">
+            <a:avLst/>
+          </a:prstGeom>
+        </p:spPr>
+        <p:txBody>
+          <a:bodyPr wrap="square">
+            <a:spAutoFit/>
+          </a:bodyPr>
+          <a:lstStyle/>
+          <a:p>
+            <a:r>
+              <a:rPr lang="nl-NL" dirty="0">
+                <a:hlinkClick r:id="rId6"/>
+              </a:rPr>
+              <a:t>http://aishack.in/tutorials/image-convolution-examples</a:t>
+            </a:r>
+            <a:r>
+              <a:rPr lang="nl-NL" dirty="0" smtClean="0">
+                <a:hlinkClick r:id="rId6"/>
+              </a:rPr>
+              <a:t>/</a:t>
+            </a:r>
+            <a:r>
+              <a:rPr lang="nl-NL" dirty="0" smtClean="0"/>
+              <a:t> </a:t>
+            </a:r>
+            <a:endParaRPr lang="nl-NL" dirty="0"/>
+          </a:p>
+        </p:txBody>
+      </p:sp>
+    </p:spTree>
+    <p:extLst>
+      <p:ext uri="{BB962C8B-B14F-4D97-AF65-F5344CB8AC3E}">
+        <p14:creationId xmlns:p14="http://schemas.microsoft.com/office/powerpoint/2010/main" val="2076460266"/>
+      </p:ext>
+    </p:extLst>
+  </p:cSld>
+  <p:clrMapOvr>
+    <a:masterClrMapping/>
+  </p:clrMapOvr>
+  <p:timing>
+    <p:tnLst>
+      <p:par>
+        <p:cTn id="1" dur="indefinite" restart="never" nodeType="tmRoot"/>
+      </p:par>
+    </p:tnLst>
+  </p:timing>
+</p:sld>
+</file>
+
+<file path=ppt/slides/slide12.xml><?xml version="1.0" encoding="utf-8"?>
+<p:sld xmlns:a="http://schemas.openxmlformats.org/drawingml/2006/main" xmlns:r="http://schemas.openxmlformats.org/officeDocument/2006/relationships" xmlns:p="http://schemas.openxmlformats.org/presentationml/2006/main">
+  <p:cSld>
+    <p:spTree>
+      <p:nvGrpSpPr>
+        <p:cNvPr id="1" name=""/>
+        <p:cNvGrpSpPr/>
+        <p:nvPr/>
+      </p:nvGrpSpPr>
+      <p:grpSpPr>
+        <a:xfrm>
+          <a:off x="0" y="0"/>
+          <a:ext cx="0" cy="0"/>
+          <a:chOff x="0" y="0"/>
+          <a:chExt cx="0" cy="0"/>
+        </a:xfrm>
+      </p:grpSpPr>
+      <p:sp>
+        <p:nvSpPr>
+          <p:cNvPr id="2" name="Titel 1"/>
+          <p:cNvSpPr>
+            <a:spLocks noGrp="1"/>
+          </p:cNvSpPr>
+          <p:nvPr>
+            <p:ph type="title"/>
+          </p:nvPr>
+        </p:nvSpPr>
+        <p:spPr/>
+        <p:txBody>
+          <a:bodyPr/>
+          <a:lstStyle/>
+          <a:p>
+            <a:r>
+              <a:rPr lang="nl-NL" dirty="0" err="1" smtClean="0"/>
+              <a:t>Drawing</a:t>
+            </a:r>
+            <a:r>
+              <a:rPr lang="nl-NL" dirty="0" smtClean="0"/>
+              <a:t> &amp; </a:t>
+            </a:r>
+            <a:r>
+              <a:rPr lang="nl-NL" dirty="0" err="1"/>
+              <a:t>W</a:t>
+            </a:r>
+            <a:r>
+              <a:rPr lang="nl-NL" dirty="0" err="1" smtClean="0"/>
+              <a:t>riting</a:t>
+            </a:r>
+            <a:r>
+              <a:rPr lang="nl-NL" dirty="0" smtClean="0"/>
+              <a:t> on images</a:t>
+            </a:r>
+            <a:endParaRPr lang="en-GB" dirty="0"/>
+          </a:p>
+        </p:txBody>
+      </p:sp>
+      <p:sp>
+        <p:nvSpPr>
+          <p:cNvPr id="3" name="Tijdelijke aanduiding voor inhoud 2"/>
+          <p:cNvSpPr>
+            <a:spLocks noGrp="1"/>
+          </p:cNvSpPr>
+          <p:nvPr>
+            <p:ph idx="1"/>
+          </p:nvPr>
+        </p:nvSpPr>
+        <p:spPr/>
+        <p:txBody>
+          <a:bodyPr/>
+          <a:lstStyle/>
+          <a:p>
+            <a:r>
+              <a:rPr lang="nl-NL" dirty="0"/>
+              <a:t>c</a:t>
+            </a:r>
+            <a:r>
+              <a:rPr lang="nl-NL" dirty="0" smtClean="0"/>
+              <a:t>v2.line</a:t>
+            </a:r>
+          </a:p>
+          <a:p>
+            <a:r>
+              <a:rPr lang="nl-NL" dirty="0"/>
+              <a:t>cv2.rectangle</a:t>
+            </a:r>
+            <a:endParaRPr lang="nl-NL" dirty="0" smtClean="0"/>
+          </a:p>
+          <a:p>
+            <a:r>
+              <a:rPr lang="nl-NL" dirty="0"/>
+              <a:t>cv2.polyline</a:t>
+            </a:r>
+            <a:endParaRPr lang="nl-NL" dirty="0" smtClean="0"/>
+          </a:p>
+          <a:p>
+            <a:r>
+              <a:rPr lang="nl-NL" dirty="0"/>
+              <a:t>cv2.circle</a:t>
+            </a:r>
+            <a:endParaRPr lang="nl-NL" dirty="0" smtClean="0"/>
+          </a:p>
+          <a:p>
+            <a:r>
+              <a:rPr lang="nl-NL" dirty="0" smtClean="0"/>
+              <a:t>cv2.ellipse</a:t>
+            </a:r>
+          </a:p>
+          <a:p>
+            <a:r>
+              <a:rPr lang="nl-NL" dirty="0" smtClean="0"/>
+              <a:t>cv2.drawContours</a:t>
+            </a:r>
+          </a:p>
+          <a:p>
+            <a:r>
+              <a:rPr lang="nl-NL" dirty="0"/>
+              <a:t>cv2.putText</a:t>
+            </a:r>
+            <a:endParaRPr lang="en-GB" dirty="0"/>
+          </a:p>
+        </p:txBody>
+      </p:sp>
+      <p:sp>
+        <p:nvSpPr>
+          <p:cNvPr id="4" name="Tijdelijke aanduiding voor voettekst 3"/>
+          <p:cNvSpPr>
+            <a:spLocks noGrp="1"/>
+          </p:cNvSpPr>
+          <p:nvPr>
+            <p:ph type="ftr" sz="quarter" idx="11"/>
+          </p:nvPr>
+        </p:nvSpPr>
+        <p:spPr/>
+        <p:txBody>
+          <a:bodyPr/>
+          <a:lstStyle/>
+          <a:p>
+            <a:r>
+              <a:rPr lang="nl-NL" smtClean="0"/>
+              <a:t>OpenCV in ROS / Eric Dortmans / FHICT</a:t>
+            </a:r>
+          </a:p>
+          <a:p>
+            <a:endParaRPr lang="nl-NL" dirty="0"/>
+          </a:p>
+        </p:txBody>
+      </p:sp>
+    </p:spTree>
+    <p:extLst>
+      <p:ext uri="{BB962C8B-B14F-4D97-AF65-F5344CB8AC3E}">
+        <p14:creationId xmlns:p14="http://schemas.microsoft.com/office/powerpoint/2010/main" val="21592453"/>
+      </p:ext>
+    </p:extLst>
+  </p:cSld>
+  <p:clrMapOvr>
+    <a:masterClrMapping/>
+  </p:clrMapOvr>
+  <p:timing>
+    <p:tnLst>
+      <p:par>
+        <p:cTn id="1" dur="indefinite" restart="never" nodeType="tmRoot"/>
+      </p:par>
+    </p:tnLst>
+  </p:timing>
+</p:sld>
+</file>
+
+<file path=ppt/slides/slide13.xml><?xml version="1.0" encoding="utf-8"?>
+<p:sld xmlns:a="http://schemas.openxmlformats.org/drawingml/2006/main" xmlns:r="http://schemas.openxmlformats.org/officeDocument/2006/relationships" xmlns:p="http://schemas.openxmlformats.org/presentationml/2006/main">
+  <p:cSld>
+    <p:spTree>
+      <p:nvGrpSpPr>
+        <p:cNvPr id="1" name=""/>
+        <p:cNvGrpSpPr/>
+        <p:nvPr/>
+      </p:nvGrpSpPr>
+      <p:grpSpPr>
+        <a:xfrm>
+          <a:off x="0" y="0"/>
+          <a:ext cx="0" cy="0"/>
+          <a:chOff x="0" y="0"/>
+          <a:chExt cx="0" cy="0"/>
+        </a:xfrm>
+      </p:grpSpPr>
       <p:sp>
         <p:nvSpPr>
           <p:cNvPr id="5" name="Titel 4"/>
@@ -3967,7 +4704,7 @@
 </p:sld>
 </file>
 
-<file path=ppt/slides/slide12.xml><?xml version="1.0" encoding="utf-8"?>
+<file path=ppt/slides/slide14.xml><?xml version="1.0" encoding="utf-8"?>
 <p:sld xmlns:a="http://schemas.openxmlformats.org/drawingml/2006/main" xmlns:r="http://schemas.openxmlformats.org/officeDocument/2006/relationships" xmlns:p="http://schemas.openxmlformats.org/presentationml/2006/main">
   <p:cSld>
     <p:spTree>
@@ -4693,7 +5430,7 @@
 </p:sld>
 </file>
 
-<file path=ppt/slides/slide13.xml><?xml version="1.0" encoding="utf-8"?>
+<file path=ppt/slides/slide15.xml><?xml version="1.0" encoding="utf-8"?>
 <p:sld xmlns:a="http://schemas.openxmlformats.org/drawingml/2006/main" xmlns:r="http://schemas.openxmlformats.org/officeDocument/2006/relationships" xmlns:p="http://schemas.openxmlformats.org/presentationml/2006/main">
   <p:cSld>
     <p:spTree>
@@ -5209,7 +5946,7 @@
 </p:sld>
 </file>
 
-<file path=ppt/slides/slide14.xml><?xml version="1.0" encoding="utf-8"?>
+<file path=ppt/slides/slide16.xml><?xml version="1.0" encoding="utf-8"?>
 <p:sld xmlns:a="http://schemas.openxmlformats.org/drawingml/2006/main" xmlns:r="http://schemas.openxmlformats.org/officeDocument/2006/relationships" xmlns:p="http://schemas.openxmlformats.org/presentationml/2006/main">
   <p:cSld>
     <p:spTree>
@@ -5773,7 +6510,7 @@
 </p:sld>
 </file>
 
-<file path=ppt/slides/slide15.xml><?xml version="1.0" encoding="utf-8"?>
+<file path=ppt/slides/slide17.xml><?xml version="1.0" encoding="utf-8"?>
 <p:sld xmlns:a="http://schemas.openxmlformats.org/drawingml/2006/main" xmlns:r="http://schemas.openxmlformats.org/officeDocument/2006/relationships" xmlns:p="http://schemas.openxmlformats.org/presentationml/2006/main">
   <p:cSld>
     <p:spTree>
@@ -5999,7 +6736,7 @@
 </p:sld>
 </file>
 
-<file path=ppt/slides/slide16.xml><?xml version="1.0" encoding="utf-8"?>
+<file path=ppt/slides/slide18.xml><?xml version="1.0" encoding="utf-8"?>
 <p:sld xmlns:a="http://schemas.openxmlformats.org/drawingml/2006/main" xmlns:r="http://schemas.openxmlformats.org/officeDocument/2006/relationships" xmlns:p="http://schemas.openxmlformats.org/presentationml/2006/main">
   <p:cSld>
     <p:spTree>
@@ -6543,7 +7280,7 @@
 </p:sld>
 </file>
 
-<file path=ppt/slides/slide17.xml><?xml version="1.0" encoding="utf-8"?>
+<file path=ppt/slides/slide19.xml><?xml version="1.0" encoding="utf-8"?>
 <p:sld xmlns:a="http://schemas.openxmlformats.org/drawingml/2006/main" xmlns:r="http://schemas.openxmlformats.org/officeDocument/2006/relationships" xmlns:p="http://schemas.openxmlformats.org/presentationml/2006/main">
   <p:cSld>
     <p:spTree>
@@ -7628,7 +8365,209 @@
 </p:sld>
 </file>
 
-<file path=ppt/slides/slide18.xml><?xml version="1.0" encoding="utf-8"?>
+<file path=ppt/slides/slide2.xml><?xml version="1.0" encoding="utf-8"?>
+<p:sld xmlns:a="http://schemas.openxmlformats.org/drawingml/2006/main" xmlns:r="http://schemas.openxmlformats.org/officeDocument/2006/relationships" xmlns:p="http://schemas.openxmlformats.org/presentationml/2006/main">
+  <p:cSld>
+    <p:spTree>
+      <p:nvGrpSpPr>
+        <p:cNvPr id="1" name=""/>
+        <p:cNvGrpSpPr/>
+        <p:nvPr/>
+      </p:nvGrpSpPr>
+      <p:grpSpPr>
+        <a:xfrm>
+          <a:off x="0" y="0"/>
+          <a:ext cx="0" cy="0"/>
+          <a:chOff x="0" y="0"/>
+          <a:chExt cx="0" cy="0"/>
+        </a:xfrm>
+      </p:grpSpPr>
+      <p:sp>
+        <p:nvSpPr>
+          <p:cNvPr id="2" name="Titel 1"/>
+          <p:cNvSpPr>
+            <a:spLocks noGrp="1"/>
+          </p:cNvSpPr>
+          <p:nvPr>
+            <p:ph type="title"/>
+          </p:nvPr>
+        </p:nvSpPr>
+        <p:spPr/>
+        <p:txBody>
+          <a:bodyPr/>
+          <a:lstStyle/>
+          <a:p>
+            <a:r>
+              <a:rPr lang="nl-NL" dirty="0" smtClean="0"/>
+              <a:t>Contents</a:t>
+            </a:r>
+            <a:endParaRPr lang="nl-NL" dirty="0"/>
+          </a:p>
+        </p:txBody>
+      </p:sp>
+      <p:sp>
+        <p:nvSpPr>
+          <p:cNvPr id="3" name="Tijdelijke aanduiding voor inhoud 2"/>
+          <p:cNvSpPr>
+            <a:spLocks noGrp="1"/>
+          </p:cNvSpPr>
+          <p:nvPr>
+            <p:ph idx="1"/>
+          </p:nvPr>
+        </p:nvSpPr>
+        <p:spPr/>
+        <p:txBody>
+          <a:bodyPr>
+            <a:normAutofit fontScale="85000" lnSpcReduction="20000"/>
+          </a:bodyPr>
+          <a:lstStyle/>
+          <a:p>
+            <a:r>
+              <a:rPr lang="nl-NL" dirty="0" err="1" smtClean="0"/>
+              <a:t>OpenCV</a:t>
+            </a:r>
+            <a:endParaRPr lang="nl-NL" dirty="0" smtClean="0"/>
+          </a:p>
+          <a:p>
+            <a:endParaRPr lang="nl-NL" dirty="0"/>
+          </a:p>
+          <a:p>
+            <a:r>
+              <a:rPr lang="nl-NL" dirty="0" err="1" smtClean="0"/>
+              <a:t>OpenCV</a:t>
+            </a:r>
+            <a:r>
+              <a:rPr lang="nl-NL" dirty="0" smtClean="0"/>
+              <a:t> &amp; ROS</a:t>
+            </a:r>
+          </a:p>
+          <a:p>
+            <a:pPr lvl="1"/>
+            <a:endParaRPr lang="nl-NL" dirty="0" smtClean="0"/>
+          </a:p>
+          <a:p>
+            <a:r>
+              <a:rPr lang="nl-NL" dirty="0" smtClean="0"/>
+              <a:t>Object </a:t>
+            </a:r>
+            <a:r>
+              <a:rPr lang="nl-NL" dirty="0" err="1" smtClean="0"/>
+              <a:t>detection</a:t>
+            </a:r>
+            <a:endParaRPr lang="nl-NL" dirty="0" smtClean="0"/>
+          </a:p>
+          <a:p>
+            <a:pPr lvl="1"/>
+            <a:endParaRPr lang="nl-NL" dirty="0" smtClean="0"/>
+          </a:p>
+          <a:p>
+            <a:r>
+              <a:rPr lang="nl-NL" dirty="0"/>
+              <a:t>Camera </a:t>
+            </a:r>
+            <a:r>
+              <a:rPr lang="nl-NL" dirty="0" err="1" smtClean="0"/>
+              <a:t>calibration</a:t>
+            </a:r>
+            <a:endParaRPr lang="nl-NL" dirty="0" smtClean="0"/>
+          </a:p>
+          <a:p>
+            <a:endParaRPr lang="nl-NL" dirty="0" smtClean="0"/>
+          </a:p>
+          <a:p>
+            <a:r>
+              <a:rPr lang="nl-NL" dirty="0" smtClean="0"/>
+              <a:t>Camera </a:t>
+            </a:r>
+            <a:r>
+              <a:rPr lang="nl-NL" dirty="0" err="1" smtClean="0"/>
+              <a:t>perspective</a:t>
+            </a:r>
+            <a:r>
+              <a:rPr lang="nl-NL" dirty="0" smtClean="0"/>
+              <a:t> </a:t>
+            </a:r>
+            <a:r>
+              <a:rPr lang="nl-NL" dirty="0" err="1" smtClean="0"/>
+              <a:t>correction</a:t>
+            </a:r>
+            <a:endParaRPr lang="nl-NL" dirty="0" smtClean="0"/>
+          </a:p>
+          <a:p>
+            <a:pPr lvl="1"/>
+            <a:endParaRPr lang="nl-NL" dirty="0" smtClean="0"/>
+          </a:p>
+          <a:p>
+            <a:r>
+              <a:rPr lang="nl-NL" dirty="0" smtClean="0"/>
+              <a:t>Pose &amp; </a:t>
+            </a:r>
+            <a:r>
+              <a:rPr lang="nl-NL" dirty="0" err="1"/>
+              <a:t>s</a:t>
+            </a:r>
+            <a:r>
+              <a:rPr lang="nl-NL" dirty="0" err="1" smtClean="0"/>
+              <a:t>ize</a:t>
+            </a:r>
+            <a:r>
+              <a:rPr lang="nl-NL" dirty="0" smtClean="0"/>
+              <a:t> </a:t>
+            </a:r>
+            <a:r>
+              <a:rPr lang="nl-NL" dirty="0" err="1" smtClean="0"/>
+              <a:t>estimation</a:t>
+            </a:r>
+            <a:endParaRPr lang="nl-NL" dirty="0" smtClean="0"/>
+          </a:p>
+        </p:txBody>
+      </p:sp>
+      <p:sp>
+        <p:nvSpPr>
+          <p:cNvPr id="5" name="Tijdelijke aanduiding voor voettekst 4"/>
+          <p:cNvSpPr>
+            <a:spLocks noGrp="1"/>
+          </p:cNvSpPr>
+          <p:nvPr>
+            <p:ph type="ftr" sz="quarter" idx="11"/>
+          </p:nvPr>
+        </p:nvSpPr>
+        <p:spPr/>
+        <p:txBody>
+          <a:bodyPr/>
+          <a:lstStyle/>
+          <a:p>
+            <a:r>
+              <a:rPr lang="nl-NL" smtClean="0"/>
+              <a:t>OpenCV in ROS / Eric Dortmans / FHICT</a:t>
+            </a:r>
+          </a:p>
+          <a:p>
+            <a:endParaRPr lang="nl-NL" dirty="0"/>
+          </a:p>
+        </p:txBody>
+      </p:sp>
+    </p:spTree>
+    <p:extLst>
+      <p:ext uri="{BB962C8B-B14F-4D97-AF65-F5344CB8AC3E}">
+        <p14:creationId xmlns:p14="http://schemas.microsoft.com/office/powerpoint/2010/main" val="913436338"/>
+      </p:ext>
+    </p:extLst>
+  </p:cSld>
+  <p:clrMapOvr>
+    <a:masterClrMapping/>
+  </p:clrMapOvr>
+  <p:timing>
+    <p:tnLst>
+      <p:par>
+        <p:cTn id="1" dur="indefinite" restart="never" nodeType="tmRoot"/>
+      </p:par>
+    </p:tnLst>
+  </p:timing>
+</p:sld>
+</file>
+
+<file path=ppt/slides/slide20.xml><?xml version="1.0" encoding="utf-8"?>
 <p:sld xmlns:a="http://schemas.openxmlformats.org/drawingml/2006/main" xmlns:r="http://schemas.openxmlformats.org/officeDocument/2006/relationships" xmlns:p="http://schemas.openxmlformats.org/presentationml/2006/main">
   <p:cSld>
     <p:spTree>
@@ -7750,7 +8689,7 @@
 </p:sld>
 </file>
 
-<file path=ppt/slides/slide19.xml><?xml version="1.0" encoding="utf-8"?>
+<file path=ppt/slides/slide21.xml><?xml version="1.0" encoding="utf-8"?>
 <p:sld xmlns:a="http://schemas.openxmlformats.org/drawingml/2006/main" xmlns:r="http://schemas.openxmlformats.org/officeDocument/2006/relationships" xmlns:p="http://schemas.openxmlformats.org/presentationml/2006/main">
   <p:cSld>
     <p:spTree>
@@ -8046,209 +8985,7 @@
 </p:sld>
 </file>
 
-<file path=ppt/slides/slide2.xml><?xml version="1.0" encoding="utf-8"?>
-<p:sld xmlns:a="http://schemas.openxmlformats.org/drawingml/2006/main" xmlns:r="http://schemas.openxmlformats.org/officeDocument/2006/relationships" xmlns:p="http://schemas.openxmlformats.org/presentationml/2006/main">
-  <p:cSld>
-    <p:spTree>
-      <p:nvGrpSpPr>
-        <p:cNvPr id="1" name=""/>
-        <p:cNvGrpSpPr/>
-        <p:nvPr/>
-      </p:nvGrpSpPr>
-      <p:grpSpPr>
-        <a:xfrm>
-          <a:off x="0" y="0"/>
-          <a:ext cx="0" cy="0"/>
-          <a:chOff x="0" y="0"/>
-          <a:chExt cx="0" cy="0"/>
-        </a:xfrm>
-      </p:grpSpPr>
-      <p:sp>
-        <p:nvSpPr>
-          <p:cNvPr id="2" name="Titel 1"/>
-          <p:cNvSpPr>
-            <a:spLocks noGrp="1"/>
-          </p:cNvSpPr>
-          <p:nvPr>
-            <p:ph type="title"/>
-          </p:nvPr>
-        </p:nvSpPr>
-        <p:spPr/>
-        <p:txBody>
-          <a:bodyPr/>
-          <a:lstStyle/>
-          <a:p>
-            <a:r>
-              <a:rPr lang="nl-NL" dirty="0" smtClean="0"/>
-              <a:t>Contents</a:t>
-            </a:r>
-            <a:endParaRPr lang="nl-NL" dirty="0"/>
-          </a:p>
-        </p:txBody>
-      </p:sp>
-      <p:sp>
-        <p:nvSpPr>
-          <p:cNvPr id="3" name="Tijdelijke aanduiding voor inhoud 2"/>
-          <p:cNvSpPr>
-            <a:spLocks noGrp="1"/>
-          </p:cNvSpPr>
-          <p:nvPr>
-            <p:ph idx="1"/>
-          </p:nvPr>
-        </p:nvSpPr>
-        <p:spPr/>
-        <p:txBody>
-          <a:bodyPr>
-            <a:normAutofit fontScale="85000" lnSpcReduction="20000"/>
-          </a:bodyPr>
-          <a:lstStyle/>
-          <a:p>
-            <a:r>
-              <a:rPr lang="nl-NL" dirty="0" err="1" smtClean="0"/>
-              <a:t>OpenCV</a:t>
-            </a:r>
-            <a:endParaRPr lang="nl-NL" dirty="0" smtClean="0"/>
-          </a:p>
-          <a:p>
-            <a:endParaRPr lang="nl-NL" dirty="0"/>
-          </a:p>
-          <a:p>
-            <a:r>
-              <a:rPr lang="nl-NL" dirty="0" err="1" smtClean="0"/>
-              <a:t>OpenCV</a:t>
-            </a:r>
-            <a:r>
-              <a:rPr lang="nl-NL" dirty="0" smtClean="0"/>
-              <a:t> &amp; ROS</a:t>
-            </a:r>
-          </a:p>
-          <a:p>
-            <a:pPr lvl="1"/>
-            <a:endParaRPr lang="nl-NL" dirty="0" smtClean="0"/>
-          </a:p>
-          <a:p>
-            <a:r>
-              <a:rPr lang="nl-NL" dirty="0" smtClean="0"/>
-              <a:t>Object </a:t>
-            </a:r>
-            <a:r>
-              <a:rPr lang="nl-NL" dirty="0" err="1" smtClean="0"/>
-              <a:t>detection</a:t>
-            </a:r>
-            <a:endParaRPr lang="nl-NL" dirty="0" smtClean="0"/>
-          </a:p>
-          <a:p>
-            <a:pPr lvl="1"/>
-            <a:endParaRPr lang="nl-NL" dirty="0" smtClean="0"/>
-          </a:p>
-          <a:p>
-            <a:r>
-              <a:rPr lang="nl-NL" dirty="0"/>
-              <a:t>Camera </a:t>
-            </a:r>
-            <a:r>
-              <a:rPr lang="nl-NL" dirty="0" err="1" smtClean="0"/>
-              <a:t>calibration</a:t>
-            </a:r>
-            <a:endParaRPr lang="nl-NL" dirty="0" smtClean="0"/>
-          </a:p>
-          <a:p>
-            <a:endParaRPr lang="nl-NL" dirty="0" smtClean="0"/>
-          </a:p>
-          <a:p>
-            <a:r>
-              <a:rPr lang="nl-NL" dirty="0" smtClean="0"/>
-              <a:t>Camera </a:t>
-            </a:r>
-            <a:r>
-              <a:rPr lang="nl-NL" dirty="0" err="1" smtClean="0"/>
-              <a:t>perspective</a:t>
-            </a:r>
-            <a:r>
-              <a:rPr lang="nl-NL" dirty="0" smtClean="0"/>
-              <a:t> </a:t>
-            </a:r>
-            <a:r>
-              <a:rPr lang="nl-NL" dirty="0" err="1" smtClean="0"/>
-              <a:t>correction</a:t>
-            </a:r>
-            <a:endParaRPr lang="nl-NL" dirty="0" smtClean="0"/>
-          </a:p>
-          <a:p>
-            <a:pPr lvl="1"/>
-            <a:endParaRPr lang="nl-NL" dirty="0" smtClean="0"/>
-          </a:p>
-          <a:p>
-            <a:r>
-              <a:rPr lang="nl-NL" dirty="0" smtClean="0"/>
-              <a:t>Pose &amp; </a:t>
-            </a:r>
-            <a:r>
-              <a:rPr lang="nl-NL" dirty="0" err="1"/>
-              <a:t>s</a:t>
-            </a:r>
-            <a:r>
-              <a:rPr lang="nl-NL" dirty="0" err="1" smtClean="0"/>
-              <a:t>ize</a:t>
-            </a:r>
-            <a:r>
-              <a:rPr lang="nl-NL" dirty="0" smtClean="0"/>
-              <a:t> </a:t>
-            </a:r>
-            <a:r>
-              <a:rPr lang="nl-NL" dirty="0" err="1" smtClean="0"/>
-              <a:t>estimation</a:t>
-            </a:r>
-            <a:endParaRPr lang="nl-NL" dirty="0" smtClean="0"/>
-          </a:p>
-        </p:txBody>
-      </p:sp>
-      <p:sp>
-        <p:nvSpPr>
-          <p:cNvPr id="5" name="Tijdelijke aanduiding voor voettekst 4"/>
-          <p:cNvSpPr>
-            <a:spLocks noGrp="1"/>
-          </p:cNvSpPr>
-          <p:nvPr>
-            <p:ph type="ftr" sz="quarter" idx="11"/>
-          </p:nvPr>
-        </p:nvSpPr>
-        <p:spPr/>
-        <p:txBody>
-          <a:bodyPr/>
-          <a:lstStyle/>
-          <a:p>
-            <a:r>
-              <a:rPr lang="nl-NL" smtClean="0"/>
-              <a:t>OpenCV in ROS / Eric Dortmans / FHICT</a:t>
-            </a:r>
-          </a:p>
-          <a:p>
-            <a:endParaRPr lang="nl-NL" dirty="0"/>
-          </a:p>
-        </p:txBody>
-      </p:sp>
-    </p:spTree>
-    <p:extLst>
-      <p:ext uri="{BB962C8B-B14F-4D97-AF65-F5344CB8AC3E}">
-        <p14:creationId xmlns:p14="http://schemas.microsoft.com/office/powerpoint/2010/main" val="913436338"/>
-      </p:ext>
-    </p:extLst>
-  </p:cSld>
-  <p:clrMapOvr>
-    <a:masterClrMapping/>
-  </p:clrMapOvr>
-  <p:timing>
-    <p:tnLst>
-      <p:par>
-        <p:cTn id="1" dur="indefinite" restart="never" nodeType="tmRoot"/>
-      </p:par>
-    </p:tnLst>
-  </p:timing>
-</p:sld>
-</file>
-
-<file path=ppt/slides/slide20.xml><?xml version="1.0" encoding="utf-8"?>
+<file path=ppt/slides/slide22.xml><?xml version="1.0" encoding="utf-8"?>
 <p:sld xmlns:a="http://schemas.openxmlformats.org/drawingml/2006/main" xmlns:r="http://schemas.openxmlformats.org/officeDocument/2006/relationships" xmlns:p="http://schemas.openxmlformats.org/presentationml/2006/main">
   <p:cSld>
     <p:spTree>
@@ -8404,7 +9141,7 @@
 </p:sld>
 </file>
 
-<file path=ppt/slides/slide21.xml><?xml version="1.0" encoding="utf-8"?>
+<file path=ppt/slides/slide23.xml><?xml version="1.0" encoding="utf-8"?>
 <p:sld xmlns:a="http://schemas.openxmlformats.org/drawingml/2006/main" xmlns:r="http://schemas.openxmlformats.org/officeDocument/2006/relationships" xmlns:p="http://schemas.openxmlformats.org/presentationml/2006/main">
   <p:cSld>
     <p:spTree>
@@ -9476,7 +10213,7 @@
 </p:sld>
 </file>
 
-<file path=ppt/slides/slide22.xml><?xml version="1.0" encoding="utf-8"?>
+<file path=ppt/slides/slide24.xml><?xml version="1.0" encoding="utf-8"?>
 <p:sld xmlns:a="http://schemas.openxmlformats.org/drawingml/2006/main" xmlns:r="http://schemas.openxmlformats.org/officeDocument/2006/relationships" xmlns:p="http://schemas.openxmlformats.org/presentationml/2006/main">
   <p:cSld>
     <p:spTree>
@@ -9663,7 +10400,7 @@
 </p:sld>
 </file>
 
-<file path=ppt/slides/slide23.xml><?xml version="1.0" encoding="utf-8"?>
+<file path=ppt/slides/slide25.xml><?xml version="1.0" encoding="utf-8"?>
 <p:sld xmlns:a="http://schemas.openxmlformats.org/drawingml/2006/main" xmlns:r="http://schemas.openxmlformats.org/officeDocument/2006/relationships" xmlns:p="http://schemas.openxmlformats.org/presentationml/2006/main">
   <p:cSld>
     <p:spTree>
@@ -9847,7 +10584,7 @@
 </p:sld>
 </file>
 
-<file path=ppt/slides/slide24.xml><?xml version="1.0" encoding="utf-8"?>
+<file path=ppt/slides/slide26.xml><?xml version="1.0" encoding="utf-8"?>
 <p:sld xmlns:a="http://schemas.openxmlformats.org/drawingml/2006/main" xmlns:r="http://schemas.openxmlformats.org/officeDocument/2006/relationships" xmlns:p="http://schemas.openxmlformats.org/presentationml/2006/main">
   <p:cSld>
     <p:spTree>
@@ -10024,7 +10761,7 @@
 </p:sld>
 </file>
 
-<file path=ppt/slides/slide25.xml><?xml version="1.0" encoding="utf-8"?>
+<file path=ppt/slides/slide27.xml><?xml version="1.0" encoding="utf-8"?>
 <p:sld xmlns:a="http://schemas.openxmlformats.org/drawingml/2006/main" xmlns:r="http://schemas.openxmlformats.org/officeDocument/2006/relationships" xmlns:p="http://schemas.openxmlformats.org/presentationml/2006/main">
   <p:cSld>
     <p:spTree>
@@ -10471,7 +11208,7 @@
         </p:blipFill>
         <p:spPr>
           <a:xfrm>
-            <a:off x="787446" y="3419381"/>
+            <a:off x="819316" y="3049503"/>
             <a:ext cx="1952196" cy="1952196"/>
           </a:xfrm>
           <a:prstGeom prst="rect">
@@ -10534,6 +11271,990 @@
           </a:p>
         </p:txBody>
       </p:sp>
+      <p:sp>
+        <p:nvSpPr>
+          <p:cNvPr id="8" name="Vrije vorm 7"/>
+          <p:cNvSpPr/>
+          <p:nvPr/>
+        </p:nvSpPr>
+        <p:spPr>
+          <a:xfrm>
+            <a:off x="1174711" y="5085006"/>
+            <a:ext cx="1357259" cy="1539240"/>
+          </a:xfrm>
+          <a:custGeom>
+            <a:avLst/>
+            <a:gdLst>
+              <a:gd name="connsiteX0" fmla="*/ 747659 w 1357259"/>
+              <a:gd name="connsiteY0" fmla="*/ 205740 h 1539240"/>
+              <a:gd name="connsiteX1" fmla="*/ 488579 w 1357259"/>
+              <a:gd name="connsiteY1" fmla="*/ 213360 h 1539240"/>
+              <a:gd name="connsiteX2" fmla="*/ 397139 w 1357259"/>
+              <a:gd name="connsiteY2" fmla="*/ 228600 h 1539240"/>
+              <a:gd name="connsiteX3" fmla="*/ 374279 w 1357259"/>
+              <a:gd name="connsiteY3" fmla="*/ 236220 h 1539240"/>
+              <a:gd name="connsiteX4" fmla="*/ 336179 w 1357259"/>
+              <a:gd name="connsiteY4" fmla="*/ 243840 h 1539240"/>
+              <a:gd name="connsiteX5" fmla="*/ 267599 w 1357259"/>
+              <a:gd name="connsiteY5" fmla="*/ 289560 h 1539240"/>
+              <a:gd name="connsiteX6" fmla="*/ 244739 w 1357259"/>
+              <a:gd name="connsiteY6" fmla="*/ 304800 h 1539240"/>
+              <a:gd name="connsiteX7" fmla="*/ 221879 w 1357259"/>
+              <a:gd name="connsiteY7" fmla="*/ 327660 h 1539240"/>
+              <a:gd name="connsiteX8" fmla="*/ 176159 w 1357259"/>
+              <a:gd name="connsiteY8" fmla="*/ 335280 h 1539240"/>
+              <a:gd name="connsiteX9" fmla="*/ 122819 w 1357259"/>
+              <a:gd name="connsiteY9" fmla="*/ 403860 h 1539240"/>
+              <a:gd name="connsiteX10" fmla="*/ 107579 w 1357259"/>
+              <a:gd name="connsiteY10" fmla="*/ 426720 h 1539240"/>
+              <a:gd name="connsiteX11" fmla="*/ 92339 w 1357259"/>
+              <a:gd name="connsiteY11" fmla="*/ 449580 h 1539240"/>
+              <a:gd name="connsiteX12" fmla="*/ 77099 w 1357259"/>
+              <a:gd name="connsiteY12" fmla="*/ 502920 h 1539240"/>
+              <a:gd name="connsiteX13" fmla="*/ 46619 w 1357259"/>
+              <a:gd name="connsiteY13" fmla="*/ 548640 h 1539240"/>
+              <a:gd name="connsiteX14" fmla="*/ 31379 w 1357259"/>
+              <a:gd name="connsiteY14" fmla="*/ 571500 h 1539240"/>
+              <a:gd name="connsiteX15" fmla="*/ 23759 w 1357259"/>
+              <a:gd name="connsiteY15" fmla="*/ 601980 h 1539240"/>
+              <a:gd name="connsiteX16" fmla="*/ 16139 w 1357259"/>
+              <a:gd name="connsiteY16" fmla="*/ 647700 h 1539240"/>
+              <a:gd name="connsiteX17" fmla="*/ 8519 w 1357259"/>
+              <a:gd name="connsiteY17" fmla="*/ 670560 h 1539240"/>
+              <a:gd name="connsiteX18" fmla="*/ 8519 w 1357259"/>
+              <a:gd name="connsiteY18" fmla="*/ 883920 h 1539240"/>
+              <a:gd name="connsiteX19" fmla="*/ 16139 w 1357259"/>
+              <a:gd name="connsiteY19" fmla="*/ 906780 h 1539240"/>
+              <a:gd name="connsiteX20" fmla="*/ 31379 w 1357259"/>
+              <a:gd name="connsiteY20" fmla="*/ 998220 h 1539240"/>
+              <a:gd name="connsiteX21" fmla="*/ 46619 w 1357259"/>
+              <a:gd name="connsiteY21" fmla="*/ 1021080 h 1539240"/>
+              <a:gd name="connsiteX22" fmla="*/ 61859 w 1357259"/>
+              <a:gd name="connsiteY22" fmla="*/ 1066800 h 1539240"/>
+              <a:gd name="connsiteX23" fmla="*/ 69479 w 1357259"/>
+              <a:gd name="connsiteY23" fmla="*/ 1089660 h 1539240"/>
+              <a:gd name="connsiteX24" fmla="*/ 77099 w 1357259"/>
+              <a:gd name="connsiteY24" fmla="*/ 1188720 h 1539240"/>
+              <a:gd name="connsiteX25" fmla="*/ 92339 w 1357259"/>
+              <a:gd name="connsiteY25" fmla="*/ 1211580 h 1539240"/>
+              <a:gd name="connsiteX26" fmla="*/ 99959 w 1357259"/>
+              <a:gd name="connsiteY26" fmla="*/ 1234440 h 1539240"/>
+              <a:gd name="connsiteX27" fmla="*/ 115199 w 1357259"/>
+              <a:gd name="connsiteY27" fmla="*/ 1257300 h 1539240"/>
+              <a:gd name="connsiteX28" fmla="*/ 153299 w 1357259"/>
+              <a:gd name="connsiteY28" fmla="*/ 1325880 h 1539240"/>
+              <a:gd name="connsiteX29" fmla="*/ 199019 w 1357259"/>
+              <a:gd name="connsiteY29" fmla="*/ 1371600 h 1539240"/>
+              <a:gd name="connsiteX30" fmla="*/ 214259 w 1357259"/>
+              <a:gd name="connsiteY30" fmla="*/ 1394460 h 1539240"/>
+              <a:gd name="connsiteX31" fmla="*/ 282839 w 1357259"/>
+              <a:gd name="connsiteY31" fmla="*/ 1440180 h 1539240"/>
+              <a:gd name="connsiteX32" fmla="*/ 336179 w 1357259"/>
+              <a:gd name="connsiteY32" fmla="*/ 1478280 h 1539240"/>
+              <a:gd name="connsiteX33" fmla="*/ 389519 w 1357259"/>
+              <a:gd name="connsiteY33" fmla="*/ 1501140 h 1539240"/>
+              <a:gd name="connsiteX34" fmla="*/ 412379 w 1357259"/>
+              <a:gd name="connsiteY34" fmla="*/ 1524000 h 1539240"/>
+              <a:gd name="connsiteX35" fmla="*/ 458099 w 1357259"/>
+              <a:gd name="connsiteY35" fmla="*/ 1539240 h 1539240"/>
+              <a:gd name="connsiteX36" fmla="*/ 839099 w 1357259"/>
+              <a:gd name="connsiteY36" fmla="*/ 1531620 h 1539240"/>
+              <a:gd name="connsiteX37" fmla="*/ 877199 w 1357259"/>
+              <a:gd name="connsiteY37" fmla="*/ 1524000 h 1539240"/>
+              <a:gd name="connsiteX38" fmla="*/ 922919 w 1357259"/>
+              <a:gd name="connsiteY38" fmla="*/ 1508760 h 1539240"/>
+              <a:gd name="connsiteX39" fmla="*/ 930539 w 1357259"/>
+              <a:gd name="connsiteY39" fmla="*/ 1485900 h 1539240"/>
+              <a:gd name="connsiteX40" fmla="*/ 953399 w 1357259"/>
+              <a:gd name="connsiteY40" fmla="*/ 1470660 h 1539240"/>
+              <a:gd name="connsiteX41" fmla="*/ 907679 w 1357259"/>
+              <a:gd name="connsiteY41" fmla="*/ 1501140 h 1539240"/>
+              <a:gd name="connsiteX42" fmla="*/ 976259 w 1357259"/>
+              <a:gd name="connsiteY42" fmla="*/ 1478280 h 1539240"/>
+              <a:gd name="connsiteX43" fmla="*/ 999119 w 1357259"/>
+              <a:gd name="connsiteY43" fmla="*/ 1470660 h 1539240"/>
+              <a:gd name="connsiteX44" fmla="*/ 1052459 w 1357259"/>
+              <a:gd name="connsiteY44" fmla="*/ 1440180 h 1539240"/>
+              <a:gd name="connsiteX45" fmla="*/ 1075319 w 1357259"/>
+              <a:gd name="connsiteY45" fmla="*/ 1394460 h 1539240"/>
+              <a:gd name="connsiteX46" fmla="*/ 1090559 w 1357259"/>
+              <a:gd name="connsiteY46" fmla="*/ 1363980 h 1539240"/>
+              <a:gd name="connsiteX47" fmla="*/ 1113419 w 1357259"/>
+              <a:gd name="connsiteY47" fmla="*/ 1348740 h 1539240"/>
+              <a:gd name="connsiteX48" fmla="*/ 1128659 w 1357259"/>
+              <a:gd name="connsiteY48" fmla="*/ 1325880 h 1539240"/>
+              <a:gd name="connsiteX49" fmla="*/ 1151519 w 1357259"/>
+              <a:gd name="connsiteY49" fmla="*/ 1310640 h 1539240"/>
+              <a:gd name="connsiteX50" fmla="*/ 1181999 w 1357259"/>
+              <a:gd name="connsiteY50" fmla="*/ 1264920 h 1539240"/>
+              <a:gd name="connsiteX51" fmla="*/ 1220099 w 1357259"/>
+              <a:gd name="connsiteY51" fmla="*/ 1219200 h 1539240"/>
+              <a:gd name="connsiteX52" fmla="*/ 1227719 w 1357259"/>
+              <a:gd name="connsiteY52" fmla="*/ 1188720 h 1539240"/>
+              <a:gd name="connsiteX53" fmla="*/ 1242959 w 1357259"/>
+              <a:gd name="connsiteY53" fmla="*/ 1165860 h 1539240"/>
+              <a:gd name="connsiteX54" fmla="*/ 1250579 w 1357259"/>
+              <a:gd name="connsiteY54" fmla="*/ 1127760 h 1539240"/>
+              <a:gd name="connsiteX55" fmla="*/ 1265819 w 1357259"/>
+              <a:gd name="connsiteY55" fmla="*/ 1104900 h 1539240"/>
+              <a:gd name="connsiteX56" fmla="*/ 1273439 w 1357259"/>
+              <a:gd name="connsiteY56" fmla="*/ 1082040 h 1539240"/>
+              <a:gd name="connsiteX57" fmla="*/ 1288679 w 1357259"/>
+              <a:gd name="connsiteY57" fmla="*/ 1059180 h 1539240"/>
+              <a:gd name="connsiteX58" fmla="*/ 1303919 w 1357259"/>
+              <a:gd name="connsiteY58" fmla="*/ 1013460 h 1539240"/>
+              <a:gd name="connsiteX59" fmla="*/ 1311539 w 1357259"/>
+              <a:gd name="connsiteY59" fmla="*/ 990600 h 1539240"/>
+              <a:gd name="connsiteX60" fmla="*/ 1319159 w 1357259"/>
+              <a:gd name="connsiteY60" fmla="*/ 952500 h 1539240"/>
+              <a:gd name="connsiteX61" fmla="*/ 1334399 w 1357259"/>
+              <a:gd name="connsiteY61" fmla="*/ 906780 h 1539240"/>
+              <a:gd name="connsiteX62" fmla="*/ 1342019 w 1357259"/>
+              <a:gd name="connsiteY62" fmla="*/ 883920 h 1539240"/>
+              <a:gd name="connsiteX63" fmla="*/ 1357259 w 1357259"/>
+              <a:gd name="connsiteY63" fmla="*/ 815340 h 1539240"/>
+              <a:gd name="connsiteX64" fmla="*/ 1342019 w 1357259"/>
+              <a:gd name="connsiteY64" fmla="*/ 609600 h 1539240"/>
+              <a:gd name="connsiteX65" fmla="*/ 1326779 w 1357259"/>
+              <a:gd name="connsiteY65" fmla="*/ 563880 h 1539240"/>
+              <a:gd name="connsiteX66" fmla="*/ 1319159 w 1357259"/>
+              <a:gd name="connsiteY66" fmla="*/ 541020 h 1539240"/>
+              <a:gd name="connsiteX67" fmla="*/ 1288679 w 1357259"/>
+              <a:gd name="connsiteY67" fmla="*/ 495300 h 1539240"/>
+              <a:gd name="connsiteX68" fmla="*/ 1273439 w 1357259"/>
+              <a:gd name="connsiteY68" fmla="*/ 472440 h 1539240"/>
+              <a:gd name="connsiteX69" fmla="*/ 1258199 w 1357259"/>
+              <a:gd name="connsiteY69" fmla="*/ 449580 h 1539240"/>
+              <a:gd name="connsiteX70" fmla="*/ 1212479 w 1357259"/>
+              <a:gd name="connsiteY70" fmla="*/ 419100 h 1539240"/>
+              <a:gd name="connsiteX71" fmla="*/ 1189619 w 1357259"/>
+              <a:gd name="connsiteY71" fmla="*/ 411480 h 1539240"/>
+              <a:gd name="connsiteX72" fmla="*/ 1143899 w 1357259"/>
+              <a:gd name="connsiteY72" fmla="*/ 381000 h 1539240"/>
+              <a:gd name="connsiteX73" fmla="*/ 1136279 w 1357259"/>
+              <a:gd name="connsiteY73" fmla="*/ 358140 h 1539240"/>
+              <a:gd name="connsiteX74" fmla="*/ 1090559 w 1357259"/>
+              <a:gd name="connsiteY74" fmla="*/ 335280 h 1539240"/>
+              <a:gd name="connsiteX75" fmla="*/ 1044839 w 1357259"/>
+              <a:gd name="connsiteY75" fmla="*/ 312420 h 1539240"/>
+              <a:gd name="connsiteX76" fmla="*/ 1029599 w 1357259"/>
+              <a:gd name="connsiteY76" fmla="*/ 289560 h 1539240"/>
+              <a:gd name="connsiteX77" fmla="*/ 999119 w 1357259"/>
+              <a:gd name="connsiteY77" fmla="*/ 281940 h 1539240"/>
+              <a:gd name="connsiteX78" fmla="*/ 976259 w 1357259"/>
+              <a:gd name="connsiteY78" fmla="*/ 274320 h 1539240"/>
+              <a:gd name="connsiteX79" fmla="*/ 930539 w 1357259"/>
+              <a:gd name="connsiteY79" fmla="*/ 266700 h 1539240"/>
+              <a:gd name="connsiteX80" fmla="*/ 839099 w 1357259"/>
+              <a:gd name="connsiteY80" fmla="*/ 243840 h 1539240"/>
+              <a:gd name="connsiteX81" fmla="*/ 823859 w 1357259"/>
+              <a:gd name="connsiteY81" fmla="*/ 220980 h 1539240"/>
+              <a:gd name="connsiteX82" fmla="*/ 846719 w 1357259"/>
+              <a:gd name="connsiteY82" fmla="*/ 175260 h 1539240"/>
+              <a:gd name="connsiteX83" fmla="*/ 869579 w 1357259"/>
+              <a:gd name="connsiteY83" fmla="*/ 167640 h 1539240"/>
+              <a:gd name="connsiteX84" fmla="*/ 884819 w 1357259"/>
+              <a:gd name="connsiteY84" fmla="*/ 144780 h 1539240"/>
+              <a:gd name="connsiteX85" fmla="*/ 907679 w 1357259"/>
+              <a:gd name="connsiteY85" fmla="*/ 121920 h 1539240"/>
+              <a:gd name="connsiteX86" fmla="*/ 938159 w 1357259"/>
+              <a:gd name="connsiteY86" fmla="*/ 76200 h 1539240"/>
+              <a:gd name="connsiteX87" fmla="*/ 907679 w 1357259"/>
+              <a:gd name="connsiteY87" fmla="*/ 0 h 1539240"/>
+              <a:gd name="connsiteX88" fmla="*/ 884819 w 1357259"/>
+              <a:gd name="connsiteY88" fmla="*/ 15240 h 1539240"/>
+              <a:gd name="connsiteX89" fmla="*/ 877199 w 1357259"/>
+              <a:gd name="connsiteY89" fmla="*/ 38100 h 1539240"/>
+              <a:gd name="connsiteX90" fmla="*/ 839099 w 1357259"/>
+              <a:gd name="connsiteY90" fmla="*/ 91440 h 1539240"/>
+              <a:gd name="connsiteX91" fmla="*/ 831479 w 1357259"/>
+              <a:gd name="connsiteY91" fmla="*/ 114300 h 1539240"/>
+              <a:gd name="connsiteX92" fmla="*/ 823859 w 1357259"/>
+              <a:gd name="connsiteY92" fmla="*/ 152400 h 1539240"/>
+              <a:gd name="connsiteX93" fmla="*/ 770519 w 1357259"/>
+              <a:gd name="connsiteY93" fmla="*/ 182880 h 1539240"/>
+              <a:gd name="connsiteX94" fmla="*/ 747659 w 1357259"/>
+              <a:gd name="connsiteY94" fmla="*/ 205740 h 1539240"/>
+            </a:gdLst>
+            <a:ahLst/>
+            <a:cxnLst>
+              <a:cxn ang="0">
+                <a:pos x="connsiteX0" y="connsiteY0"/>
+              </a:cxn>
+              <a:cxn ang="0">
+                <a:pos x="connsiteX1" y="connsiteY1"/>
+              </a:cxn>
+              <a:cxn ang="0">
+                <a:pos x="connsiteX2" y="connsiteY2"/>
+              </a:cxn>
+              <a:cxn ang="0">
+                <a:pos x="connsiteX3" y="connsiteY3"/>
+              </a:cxn>
+              <a:cxn ang="0">
+                <a:pos x="connsiteX4" y="connsiteY4"/>
+              </a:cxn>
+              <a:cxn ang="0">
+                <a:pos x="connsiteX5" y="connsiteY5"/>
+              </a:cxn>
+              <a:cxn ang="0">
+                <a:pos x="connsiteX6" y="connsiteY6"/>
+              </a:cxn>
+              <a:cxn ang="0">
+                <a:pos x="connsiteX7" y="connsiteY7"/>
+              </a:cxn>
+              <a:cxn ang="0">
+                <a:pos x="connsiteX8" y="connsiteY8"/>
+              </a:cxn>
+              <a:cxn ang="0">
+                <a:pos x="connsiteX9" y="connsiteY9"/>
+              </a:cxn>
+              <a:cxn ang="0">
+                <a:pos x="connsiteX10" y="connsiteY10"/>
+              </a:cxn>
+              <a:cxn ang="0">
+                <a:pos x="connsiteX11" y="connsiteY11"/>
+              </a:cxn>
+              <a:cxn ang="0">
+                <a:pos x="connsiteX12" y="connsiteY12"/>
+              </a:cxn>
+              <a:cxn ang="0">
+                <a:pos x="connsiteX13" y="connsiteY13"/>
+              </a:cxn>
+              <a:cxn ang="0">
+                <a:pos x="connsiteX14" y="connsiteY14"/>
+              </a:cxn>
+              <a:cxn ang="0">
+                <a:pos x="connsiteX15" y="connsiteY15"/>
+              </a:cxn>
+              <a:cxn ang="0">
+                <a:pos x="connsiteX16" y="connsiteY16"/>
+              </a:cxn>
+              <a:cxn ang="0">
+                <a:pos x="connsiteX17" y="connsiteY17"/>
+              </a:cxn>
+              <a:cxn ang="0">
+                <a:pos x="connsiteX18" y="connsiteY18"/>
+              </a:cxn>
+              <a:cxn ang="0">
+                <a:pos x="connsiteX19" y="connsiteY19"/>
+              </a:cxn>
+              <a:cxn ang="0">
+                <a:pos x="connsiteX20" y="connsiteY20"/>
+              </a:cxn>
+              <a:cxn ang="0">
+                <a:pos x="connsiteX21" y="connsiteY21"/>
+              </a:cxn>
+              <a:cxn ang="0">
+                <a:pos x="connsiteX22" y="connsiteY22"/>
+              </a:cxn>
+              <a:cxn ang="0">
+                <a:pos x="connsiteX23" y="connsiteY23"/>
+              </a:cxn>
+              <a:cxn ang="0">
+                <a:pos x="connsiteX24" y="connsiteY24"/>
+              </a:cxn>
+              <a:cxn ang="0">
+                <a:pos x="connsiteX25" y="connsiteY25"/>
+              </a:cxn>
+              <a:cxn ang="0">
+                <a:pos x="connsiteX26" y="connsiteY26"/>
+              </a:cxn>
+              <a:cxn ang="0">
+                <a:pos x="connsiteX27" y="connsiteY27"/>
+              </a:cxn>
+              <a:cxn ang="0">
+                <a:pos x="connsiteX28" y="connsiteY28"/>
+              </a:cxn>
+              <a:cxn ang="0">
+                <a:pos x="connsiteX29" y="connsiteY29"/>
+              </a:cxn>
+              <a:cxn ang="0">
+                <a:pos x="connsiteX30" y="connsiteY30"/>
+              </a:cxn>
+              <a:cxn ang="0">
+                <a:pos x="connsiteX31" y="connsiteY31"/>
+              </a:cxn>
+              <a:cxn ang="0">
+                <a:pos x="connsiteX32" y="connsiteY32"/>
+              </a:cxn>
+              <a:cxn ang="0">
+                <a:pos x="connsiteX33" y="connsiteY33"/>
+              </a:cxn>
+              <a:cxn ang="0">
+                <a:pos x="connsiteX34" y="connsiteY34"/>
+              </a:cxn>
+              <a:cxn ang="0">
+                <a:pos x="connsiteX35" y="connsiteY35"/>
+              </a:cxn>
+              <a:cxn ang="0">
+                <a:pos x="connsiteX36" y="connsiteY36"/>
+              </a:cxn>
+              <a:cxn ang="0">
+                <a:pos x="connsiteX37" y="connsiteY37"/>
+              </a:cxn>
+              <a:cxn ang="0">
+                <a:pos x="connsiteX38" y="connsiteY38"/>
+              </a:cxn>
+              <a:cxn ang="0">
+                <a:pos x="connsiteX39" y="connsiteY39"/>
+              </a:cxn>
+              <a:cxn ang="0">
+                <a:pos x="connsiteX40" y="connsiteY40"/>
+              </a:cxn>
+              <a:cxn ang="0">
+                <a:pos x="connsiteX41" y="connsiteY41"/>
+              </a:cxn>
+              <a:cxn ang="0">
+                <a:pos x="connsiteX42" y="connsiteY42"/>
+              </a:cxn>
+              <a:cxn ang="0">
+                <a:pos x="connsiteX43" y="connsiteY43"/>
+              </a:cxn>
+              <a:cxn ang="0">
+                <a:pos x="connsiteX44" y="connsiteY44"/>
+              </a:cxn>
+              <a:cxn ang="0">
+                <a:pos x="connsiteX45" y="connsiteY45"/>
+              </a:cxn>
+              <a:cxn ang="0">
+                <a:pos x="connsiteX46" y="connsiteY46"/>
+              </a:cxn>
+              <a:cxn ang="0">
+                <a:pos x="connsiteX47" y="connsiteY47"/>
+              </a:cxn>
+              <a:cxn ang="0">
+                <a:pos x="connsiteX48" y="connsiteY48"/>
+              </a:cxn>
+              <a:cxn ang="0">
+                <a:pos x="connsiteX49" y="connsiteY49"/>
+              </a:cxn>
+              <a:cxn ang="0">
+                <a:pos x="connsiteX50" y="connsiteY50"/>
+              </a:cxn>
+              <a:cxn ang="0">
+                <a:pos x="connsiteX51" y="connsiteY51"/>
+              </a:cxn>
+              <a:cxn ang="0">
+                <a:pos x="connsiteX52" y="connsiteY52"/>
+              </a:cxn>
+              <a:cxn ang="0">
+                <a:pos x="connsiteX53" y="connsiteY53"/>
+              </a:cxn>
+              <a:cxn ang="0">
+                <a:pos x="connsiteX54" y="connsiteY54"/>
+              </a:cxn>
+              <a:cxn ang="0">
+                <a:pos x="connsiteX55" y="connsiteY55"/>
+              </a:cxn>
+              <a:cxn ang="0">
+                <a:pos x="connsiteX56" y="connsiteY56"/>
+              </a:cxn>
+              <a:cxn ang="0">
+                <a:pos x="connsiteX57" y="connsiteY57"/>
+              </a:cxn>
+              <a:cxn ang="0">
+                <a:pos x="connsiteX58" y="connsiteY58"/>
+              </a:cxn>
+              <a:cxn ang="0">
+                <a:pos x="connsiteX59" y="connsiteY59"/>
+              </a:cxn>
+              <a:cxn ang="0">
+                <a:pos x="connsiteX60" y="connsiteY60"/>
+              </a:cxn>
+              <a:cxn ang="0">
+                <a:pos x="connsiteX61" y="connsiteY61"/>
+              </a:cxn>
+              <a:cxn ang="0">
+                <a:pos x="connsiteX62" y="connsiteY62"/>
+              </a:cxn>
+              <a:cxn ang="0">
+                <a:pos x="connsiteX63" y="connsiteY63"/>
+              </a:cxn>
+              <a:cxn ang="0">
+                <a:pos x="connsiteX64" y="connsiteY64"/>
+              </a:cxn>
+              <a:cxn ang="0">
+                <a:pos x="connsiteX65" y="connsiteY65"/>
+              </a:cxn>
+              <a:cxn ang="0">
+                <a:pos x="connsiteX66" y="connsiteY66"/>
+              </a:cxn>
+              <a:cxn ang="0">
+                <a:pos x="connsiteX67" y="connsiteY67"/>
+              </a:cxn>
+              <a:cxn ang="0">
+                <a:pos x="connsiteX68" y="connsiteY68"/>
+              </a:cxn>
+              <a:cxn ang="0">
+                <a:pos x="connsiteX69" y="connsiteY69"/>
+              </a:cxn>
+              <a:cxn ang="0">
+                <a:pos x="connsiteX70" y="connsiteY70"/>
+              </a:cxn>
+              <a:cxn ang="0">
+                <a:pos x="connsiteX71" y="connsiteY71"/>
+              </a:cxn>
+              <a:cxn ang="0">
+                <a:pos x="connsiteX72" y="connsiteY72"/>
+              </a:cxn>
+              <a:cxn ang="0">
+                <a:pos x="connsiteX73" y="connsiteY73"/>
+              </a:cxn>
+              <a:cxn ang="0">
+                <a:pos x="connsiteX74" y="connsiteY74"/>
+              </a:cxn>
+              <a:cxn ang="0">
+                <a:pos x="connsiteX75" y="connsiteY75"/>
+              </a:cxn>
+              <a:cxn ang="0">
+                <a:pos x="connsiteX76" y="connsiteY76"/>
+              </a:cxn>
+              <a:cxn ang="0">
+                <a:pos x="connsiteX77" y="connsiteY77"/>
+              </a:cxn>
+              <a:cxn ang="0">
+                <a:pos x="connsiteX78" y="connsiteY78"/>
+              </a:cxn>
+              <a:cxn ang="0">
+                <a:pos x="connsiteX79" y="connsiteY79"/>
+              </a:cxn>
+              <a:cxn ang="0">
+                <a:pos x="connsiteX80" y="connsiteY80"/>
+              </a:cxn>
+              <a:cxn ang="0">
+                <a:pos x="connsiteX81" y="connsiteY81"/>
+              </a:cxn>
+              <a:cxn ang="0">
+                <a:pos x="connsiteX82" y="connsiteY82"/>
+              </a:cxn>
+              <a:cxn ang="0">
+                <a:pos x="connsiteX83" y="connsiteY83"/>
+              </a:cxn>
+              <a:cxn ang="0">
+                <a:pos x="connsiteX84" y="connsiteY84"/>
+              </a:cxn>
+              <a:cxn ang="0">
+                <a:pos x="connsiteX85" y="connsiteY85"/>
+              </a:cxn>
+              <a:cxn ang="0">
+                <a:pos x="connsiteX86" y="connsiteY86"/>
+              </a:cxn>
+              <a:cxn ang="0">
+                <a:pos x="connsiteX87" y="connsiteY87"/>
+              </a:cxn>
+              <a:cxn ang="0">
+                <a:pos x="connsiteX88" y="connsiteY88"/>
+              </a:cxn>
+              <a:cxn ang="0">
+                <a:pos x="connsiteX89" y="connsiteY89"/>
+              </a:cxn>
+              <a:cxn ang="0">
+                <a:pos x="connsiteX90" y="connsiteY90"/>
+              </a:cxn>
+              <a:cxn ang="0">
+                <a:pos x="connsiteX91" y="connsiteY91"/>
+              </a:cxn>
+              <a:cxn ang="0">
+                <a:pos x="connsiteX92" y="connsiteY92"/>
+              </a:cxn>
+              <a:cxn ang="0">
+                <a:pos x="connsiteX93" y="connsiteY93"/>
+              </a:cxn>
+              <a:cxn ang="0">
+                <a:pos x="connsiteX94" y="connsiteY94"/>
+              </a:cxn>
+            </a:cxnLst>
+            <a:rect l="l" t="t" r="r" b="b"/>
+            <a:pathLst>
+              <a:path w="1357259" h="1539240">
+                <a:moveTo>
+                  <a:pt x="747659" y="205740"/>
+                </a:moveTo>
+                <a:cubicBezTo>
+                  <a:pt x="700669" y="210820"/>
+                  <a:pt x="574879" y="209250"/>
+                  <a:pt x="488579" y="213360"/>
+                </a:cubicBezTo>
+                <a:cubicBezTo>
+                  <a:pt x="455184" y="214950"/>
+                  <a:pt x="428074" y="219761"/>
+                  <a:pt x="397139" y="228600"/>
+                </a:cubicBezTo>
+                <a:cubicBezTo>
+                  <a:pt x="389416" y="230807"/>
+                  <a:pt x="382071" y="234272"/>
+                  <a:pt x="374279" y="236220"/>
+                </a:cubicBezTo>
+                <a:cubicBezTo>
+                  <a:pt x="361714" y="239361"/>
+                  <a:pt x="348879" y="241300"/>
+                  <a:pt x="336179" y="243840"/>
+                </a:cubicBezTo>
+                <a:lnTo>
+                  <a:pt x="267599" y="289560"/>
+                </a:lnTo>
+                <a:cubicBezTo>
+                  <a:pt x="259979" y="294640"/>
+                  <a:pt x="251215" y="298324"/>
+                  <a:pt x="244739" y="304800"/>
+                </a:cubicBezTo>
+                <a:cubicBezTo>
+                  <a:pt x="237119" y="312420"/>
+                  <a:pt x="231727" y="323283"/>
+                  <a:pt x="221879" y="327660"/>
+                </a:cubicBezTo>
+                <a:cubicBezTo>
+                  <a:pt x="207760" y="333935"/>
+                  <a:pt x="191399" y="332740"/>
+                  <a:pt x="176159" y="335280"/>
+                </a:cubicBezTo>
+                <a:cubicBezTo>
+                  <a:pt x="140347" y="371092"/>
+                  <a:pt x="159277" y="349174"/>
+                  <a:pt x="122819" y="403860"/>
+                </a:cubicBezTo>
+                <a:lnTo>
+                  <a:pt x="107579" y="426720"/>
+                </a:lnTo>
+                <a:lnTo>
+                  <a:pt x="92339" y="449580"/>
+                </a:lnTo>
+                <a:cubicBezTo>
+                  <a:pt x="90545" y="456754"/>
+                  <a:pt x="82068" y="493976"/>
+                  <a:pt x="77099" y="502920"/>
+                </a:cubicBezTo>
+                <a:cubicBezTo>
+                  <a:pt x="68204" y="518931"/>
+                  <a:pt x="56779" y="533400"/>
+                  <a:pt x="46619" y="548640"/>
+                </a:cubicBezTo>
+                <a:lnTo>
+                  <a:pt x="31379" y="571500"/>
+                </a:lnTo>
+                <a:cubicBezTo>
+                  <a:pt x="28839" y="581660"/>
+                  <a:pt x="25813" y="591711"/>
+                  <a:pt x="23759" y="601980"/>
+                </a:cubicBezTo>
+                <a:cubicBezTo>
+                  <a:pt x="20729" y="617130"/>
+                  <a:pt x="19491" y="632618"/>
+                  <a:pt x="16139" y="647700"/>
+                </a:cubicBezTo>
+                <a:cubicBezTo>
+                  <a:pt x="14397" y="655541"/>
+                  <a:pt x="11059" y="662940"/>
+                  <a:pt x="8519" y="670560"/>
+                </a:cubicBezTo>
+                <a:cubicBezTo>
+                  <a:pt x="-1814" y="773894"/>
+                  <a:pt x="-3823" y="754331"/>
+                  <a:pt x="8519" y="883920"/>
+                </a:cubicBezTo>
+                <a:cubicBezTo>
+                  <a:pt x="9281" y="891916"/>
+                  <a:pt x="13599" y="899160"/>
+                  <a:pt x="16139" y="906780"/>
+                </a:cubicBezTo>
+                <a:cubicBezTo>
+                  <a:pt x="17819" y="920222"/>
+                  <a:pt x="22494" y="977489"/>
+                  <a:pt x="31379" y="998220"/>
+                </a:cubicBezTo>
+                <a:cubicBezTo>
+                  <a:pt x="34987" y="1006638"/>
+                  <a:pt x="42900" y="1012711"/>
+                  <a:pt x="46619" y="1021080"/>
+                </a:cubicBezTo>
+                <a:cubicBezTo>
+                  <a:pt x="53143" y="1035760"/>
+                  <a:pt x="56779" y="1051560"/>
+                  <a:pt x="61859" y="1066800"/>
+                </a:cubicBezTo>
+                <a:lnTo>
+                  <a:pt x="69479" y="1089660"/>
+                </a:lnTo>
+                <a:cubicBezTo>
+                  <a:pt x="72019" y="1122680"/>
+                  <a:pt x="70996" y="1156170"/>
+                  <a:pt x="77099" y="1188720"/>
+                </a:cubicBezTo>
+                <a:cubicBezTo>
+                  <a:pt x="78787" y="1197721"/>
+                  <a:pt x="88243" y="1203389"/>
+                  <a:pt x="92339" y="1211580"/>
+                </a:cubicBezTo>
+                <a:cubicBezTo>
+                  <a:pt x="95931" y="1218764"/>
+                  <a:pt x="96367" y="1227256"/>
+                  <a:pt x="99959" y="1234440"/>
+                </a:cubicBezTo>
+                <a:cubicBezTo>
+                  <a:pt x="104055" y="1242631"/>
+                  <a:pt x="111103" y="1249109"/>
+                  <a:pt x="115199" y="1257300"/>
+                </a:cubicBezTo>
+                <a:cubicBezTo>
+                  <a:pt x="134363" y="1295628"/>
+                  <a:pt x="105247" y="1277828"/>
+                  <a:pt x="153299" y="1325880"/>
+                </a:cubicBezTo>
+                <a:cubicBezTo>
+                  <a:pt x="168539" y="1341120"/>
+                  <a:pt x="187064" y="1353667"/>
+                  <a:pt x="199019" y="1371600"/>
+                </a:cubicBezTo>
+                <a:cubicBezTo>
+                  <a:pt x="204099" y="1379220"/>
+                  <a:pt x="207367" y="1388429"/>
+                  <a:pt x="214259" y="1394460"/>
+                </a:cubicBezTo>
+                <a:cubicBezTo>
+                  <a:pt x="229499" y="1407795"/>
+                  <a:pt x="263789" y="1425893"/>
+                  <a:pt x="282839" y="1440180"/>
+                </a:cubicBezTo>
+                <a:cubicBezTo>
+                  <a:pt x="289742" y="1445357"/>
+                  <a:pt x="325037" y="1472709"/>
+                  <a:pt x="336179" y="1478280"/>
+                </a:cubicBezTo>
+                <a:cubicBezTo>
+                  <a:pt x="369344" y="1494863"/>
+                  <a:pt x="352521" y="1474713"/>
+                  <a:pt x="389519" y="1501140"/>
+                </a:cubicBezTo>
+                <a:cubicBezTo>
+                  <a:pt x="398288" y="1507404"/>
+                  <a:pt x="402959" y="1518767"/>
+                  <a:pt x="412379" y="1524000"/>
+                </a:cubicBezTo>
+                <a:cubicBezTo>
+                  <a:pt x="426422" y="1531802"/>
+                  <a:pt x="458099" y="1539240"/>
+                  <a:pt x="458099" y="1539240"/>
+                </a:cubicBezTo>
+                <a:lnTo>
+                  <a:pt x="839099" y="1531620"/>
+                </a:lnTo>
+                <a:cubicBezTo>
+                  <a:pt x="852042" y="1531149"/>
+                  <a:pt x="864704" y="1527408"/>
+                  <a:pt x="877199" y="1524000"/>
+                </a:cubicBezTo>
+                <a:cubicBezTo>
+                  <a:pt x="892697" y="1519773"/>
+                  <a:pt x="922919" y="1508760"/>
+                  <a:pt x="922919" y="1508760"/>
+                </a:cubicBezTo>
+                <a:cubicBezTo>
+                  <a:pt x="925459" y="1501140"/>
+                  <a:pt x="925521" y="1492172"/>
+                  <a:pt x="930539" y="1485900"/>
+                </a:cubicBezTo>
+                <a:cubicBezTo>
+                  <a:pt x="936260" y="1478749"/>
+                  <a:pt x="946923" y="1464184"/>
+                  <a:pt x="953399" y="1470660"/>
+                </a:cubicBezTo>
+                <a:cubicBezTo>
+                  <a:pt x="973169" y="1490430"/>
+                  <a:pt x="900365" y="1504797"/>
+                  <a:pt x="907679" y="1501140"/>
+                </a:cubicBezTo>
+                <a:lnTo>
+                  <a:pt x="976259" y="1478280"/>
+                </a:lnTo>
+                <a:cubicBezTo>
+                  <a:pt x="983879" y="1475740"/>
+                  <a:pt x="991935" y="1474252"/>
+                  <a:pt x="999119" y="1470660"/>
+                </a:cubicBezTo>
+                <a:cubicBezTo>
+                  <a:pt x="1037790" y="1451324"/>
+                  <a:pt x="1020148" y="1461721"/>
+                  <a:pt x="1052459" y="1440180"/>
+                </a:cubicBezTo>
+                <a:cubicBezTo>
+                  <a:pt x="1066430" y="1398267"/>
+                  <a:pt x="1051684" y="1435820"/>
+                  <a:pt x="1075319" y="1394460"/>
+                </a:cubicBezTo>
+                <a:cubicBezTo>
+                  <a:pt x="1080955" y="1384597"/>
+                  <a:pt x="1083287" y="1372706"/>
+                  <a:pt x="1090559" y="1363980"/>
+                </a:cubicBezTo>
+                <a:cubicBezTo>
+                  <a:pt x="1096422" y="1356945"/>
+                  <a:pt x="1105799" y="1353820"/>
+                  <a:pt x="1113419" y="1348740"/>
+                </a:cubicBezTo>
+                <a:cubicBezTo>
+                  <a:pt x="1118499" y="1341120"/>
+                  <a:pt x="1122183" y="1332356"/>
+                  <a:pt x="1128659" y="1325880"/>
+                </a:cubicBezTo>
+                <a:cubicBezTo>
+                  <a:pt x="1135135" y="1319404"/>
+                  <a:pt x="1145488" y="1317532"/>
+                  <a:pt x="1151519" y="1310640"/>
+                </a:cubicBezTo>
+                <a:cubicBezTo>
+                  <a:pt x="1163580" y="1296856"/>
+                  <a:pt x="1169047" y="1277872"/>
+                  <a:pt x="1181999" y="1264920"/>
+                </a:cubicBezTo>
+                <a:cubicBezTo>
+                  <a:pt x="1211335" y="1235584"/>
+                  <a:pt x="1198881" y="1251026"/>
+                  <a:pt x="1220099" y="1219200"/>
+                </a:cubicBezTo>
+                <a:cubicBezTo>
+                  <a:pt x="1222639" y="1209040"/>
+                  <a:pt x="1223594" y="1198346"/>
+                  <a:pt x="1227719" y="1188720"/>
+                </a:cubicBezTo>
+                <a:cubicBezTo>
+                  <a:pt x="1231327" y="1180302"/>
+                  <a:pt x="1239743" y="1174435"/>
+                  <a:pt x="1242959" y="1165860"/>
+                </a:cubicBezTo>
+                <a:cubicBezTo>
+                  <a:pt x="1247507" y="1153733"/>
+                  <a:pt x="1246031" y="1139887"/>
+                  <a:pt x="1250579" y="1127760"/>
+                </a:cubicBezTo>
+                <a:cubicBezTo>
+                  <a:pt x="1253795" y="1119185"/>
+                  <a:pt x="1261723" y="1113091"/>
+                  <a:pt x="1265819" y="1104900"/>
+                </a:cubicBezTo>
+                <a:cubicBezTo>
+                  <a:pt x="1269411" y="1097716"/>
+                  <a:pt x="1269847" y="1089224"/>
+                  <a:pt x="1273439" y="1082040"/>
+                </a:cubicBezTo>
+                <a:cubicBezTo>
+                  <a:pt x="1277535" y="1073849"/>
+                  <a:pt x="1284960" y="1067549"/>
+                  <a:pt x="1288679" y="1059180"/>
+                </a:cubicBezTo>
+                <a:cubicBezTo>
+                  <a:pt x="1295203" y="1044500"/>
+                  <a:pt x="1298839" y="1028700"/>
+                  <a:pt x="1303919" y="1013460"/>
+                </a:cubicBezTo>
+                <a:cubicBezTo>
+                  <a:pt x="1306459" y="1005840"/>
+                  <a:pt x="1309964" y="998476"/>
+                  <a:pt x="1311539" y="990600"/>
+                </a:cubicBezTo>
+                <a:cubicBezTo>
+                  <a:pt x="1314079" y="977900"/>
+                  <a:pt x="1315751" y="964995"/>
+                  <a:pt x="1319159" y="952500"/>
+                </a:cubicBezTo>
+                <a:cubicBezTo>
+                  <a:pt x="1323386" y="937002"/>
+                  <a:pt x="1329319" y="922020"/>
+                  <a:pt x="1334399" y="906780"/>
+                </a:cubicBezTo>
+                <a:cubicBezTo>
+                  <a:pt x="1336939" y="899160"/>
+                  <a:pt x="1340699" y="891843"/>
+                  <a:pt x="1342019" y="883920"/>
+                </a:cubicBezTo>
+                <a:cubicBezTo>
+                  <a:pt x="1350959" y="830277"/>
+                  <a:pt x="1344753" y="852857"/>
+                  <a:pt x="1357259" y="815340"/>
+                </a:cubicBezTo>
+                <a:cubicBezTo>
+                  <a:pt x="1356034" y="792073"/>
+                  <a:pt x="1352467" y="658358"/>
+                  <a:pt x="1342019" y="609600"/>
+                </a:cubicBezTo>
+                <a:cubicBezTo>
+                  <a:pt x="1338653" y="593892"/>
+                  <a:pt x="1331859" y="579120"/>
+                  <a:pt x="1326779" y="563880"/>
+                </a:cubicBezTo>
+                <a:cubicBezTo>
+                  <a:pt x="1324239" y="556260"/>
+                  <a:pt x="1323614" y="547703"/>
+                  <a:pt x="1319159" y="541020"/>
+                </a:cubicBezTo>
+                <a:lnTo>
+                  <a:pt x="1288679" y="495300"/>
+                </a:lnTo>
+                <a:lnTo>
+                  <a:pt x="1273439" y="472440"/>
+                </a:lnTo>
+                <a:cubicBezTo>
+                  <a:pt x="1268359" y="464820"/>
+                  <a:pt x="1265819" y="454660"/>
+                  <a:pt x="1258199" y="449580"/>
+                </a:cubicBezTo>
+                <a:cubicBezTo>
+                  <a:pt x="1242959" y="439420"/>
+                  <a:pt x="1229855" y="424892"/>
+                  <a:pt x="1212479" y="419100"/>
+                </a:cubicBezTo>
+                <a:cubicBezTo>
+                  <a:pt x="1204859" y="416560"/>
+                  <a:pt x="1196640" y="415381"/>
+                  <a:pt x="1189619" y="411480"/>
+                </a:cubicBezTo>
+                <a:cubicBezTo>
+                  <a:pt x="1173608" y="402585"/>
+                  <a:pt x="1143899" y="381000"/>
+                  <a:pt x="1143899" y="381000"/>
+                </a:cubicBezTo>
+                <a:cubicBezTo>
+                  <a:pt x="1141359" y="373380"/>
+                  <a:pt x="1141297" y="364412"/>
+                  <a:pt x="1136279" y="358140"/>
+                </a:cubicBezTo>
+                <a:cubicBezTo>
+                  <a:pt x="1121720" y="339942"/>
+                  <a:pt x="1108965" y="344483"/>
+                  <a:pt x="1090559" y="335280"/>
+                </a:cubicBezTo>
+                <a:cubicBezTo>
+                  <a:pt x="1031473" y="305737"/>
+                  <a:pt x="1102298" y="331573"/>
+                  <a:pt x="1044839" y="312420"/>
+                </a:cubicBezTo>
+                <a:cubicBezTo>
+                  <a:pt x="1039759" y="304800"/>
+                  <a:pt x="1037219" y="294640"/>
+                  <a:pt x="1029599" y="289560"/>
+                </a:cubicBezTo>
+                <a:cubicBezTo>
+                  <a:pt x="1020885" y="283751"/>
+                  <a:pt x="1009189" y="284817"/>
+                  <a:pt x="999119" y="281940"/>
+                </a:cubicBezTo>
+                <a:cubicBezTo>
+                  <a:pt x="991396" y="279733"/>
+                  <a:pt x="984100" y="276062"/>
+                  <a:pt x="976259" y="274320"/>
+                </a:cubicBezTo>
+                <a:cubicBezTo>
+                  <a:pt x="961177" y="270968"/>
+                  <a:pt x="945621" y="270052"/>
+                  <a:pt x="930539" y="266700"/>
+                </a:cubicBezTo>
+                <a:cubicBezTo>
+                  <a:pt x="899869" y="259884"/>
+                  <a:pt x="839099" y="243840"/>
+                  <a:pt x="839099" y="243840"/>
+                </a:cubicBezTo>
+                <a:cubicBezTo>
+                  <a:pt x="834019" y="236220"/>
+                  <a:pt x="825365" y="230013"/>
+                  <a:pt x="823859" y="220980"/>
+                </a:cubicBezTo>
+                <a:cubicBezTo>
+                  <a:pt x="822235" y="211236"/>
+                  <a:pt x="840865" y="179943"/>
+                  <a:pt x="846719" y="175260"/>
+                </a:cubicBezTo>
+                <a:cubicBezTo>
+                  <a:pt x="852991" y="170242"/>
+                  <a:pt x="861959" y="170180"/>
+                  <a:pt x="869579" y="167640"/>
+                </a:cubicBezTo>
+                <a:cubicBezTo>
+                  <a:pt x="874659" y="160020"/>
+                  <a:pt x="878956" y="151815"/>
+                  <a:pt x="884819" y="144780"/>
+                </a:cubicBezTo>
+                <a:cubicBezTo>
+                  <a:pt x="891718" y="136501"/>
+                  <a:pt x="901701" y="130886"/>
+                  <a:pt x="907679" y="121920"/>
+                </a:cubicBezTo>
+                <a:cubicBezTo>
+                  <a:pt x="951790" y="55753"/>
+                  <a:pt x="865233" y="149126"/>
+                  <a:pt x="938159" y="76200"/>
+                </a:cubicBezTo>
+                <a:cubicBezTo>
+                  <a:pt x="936838" y="65630"/>
+                  <a:pt x="944253" y="0"/>
+                  <a:pt x="907679" y="0"/>
+                </a:cubicBezTo>
+                <a:cubicBezTo>
+                  <a:pt x="898521" y="0"/>
+                  <a:pt x="892439" y="10160"/>
+                  <a:pt x="884819" y="15240"/>
+                </a:cubicBezTo>
+                <a:cubicBezTo>
+                  <a:pt x="882279" y="22860"/>
+                  <a:pt x="881184" y="31126"/>
+                  <a:pt x="877199" y="38100"/>
+                </a:cubicBezTo>
+                <a:cubicBezTo>
+                  <a:pt x="863393" y="62261"/>
+                  <a:pt x="850893" y="67853"/>
+                  <a:pt x="839099" y="91440"/>
+                </a:cubicBezTo>
+                <a:cubicBezTo>
+                  <a:pt x="835507" y="98624"/>
+                  <a:pt x="833427" y="106508"/>
+                  <a:pt x="831479" y="114300"/>
+                </a:cubicBezTo>
+                <a:cubicBezTo>
+                  <a:pt x="828338" y="126865"/>
+                  <a:pt x="830285" y="141155"/>
+                  <a:pt x="823859" y="152400"/>
+                </a:cubicBezTo>
+                <a:cubicBezTo>
+                  <a:pt x="818894" y="161089"/>
+                  <a:pt x="775271" y="179486"/>
+                  <a:pt x="770519" y="182880"/>
+                </a:cubicBezTo>
+                <a:cubicBezTo>
+                  <a:pt x="749615" y="197811"/>
+                  <a:pt x="794649" y="200660"/>
+                  <a:pt x="747659" y="205740"/>
+                </a:cubicBezTo>
+                <a:close/>
+              </a:path>
+            </a:pathLst>
+          </a:custGeom>
+          <a:ln w="19050">
+            <a:solidFill>
+              <a:srgbClr val="0070C0"/>
+            </a:solidFill>
+          </a:ln>
+        </p:spPr>
+        <p:style>
+          <a:lnRef idx="2">
+            <a:schemeClr val="accent1"/>
+          </a:lnRef>
+          <a:fillRef idx="1">
+            <a:schemeClr val="lt1"/>
+          </a:fillRef>
+          <a:effectRef idx="0">
+            <a:schemeClr val="accent1"/>
+          </a:effectRef>
+          <a:fontRef idx="minor">
+            <a:schemeClr val="dk1"/>
+          </a:fontRef>
+        </p:style>
+        <p:txBody>
+          <a:bodyPr rtlCol="0" anchor="ctr"/>
+          <a:lstStyle/>
+          <a:p>
+            <a:pPr algn="ctr"/>
+            <a:endParaRPr lang="nl-NL"/>
+          </a:p>
+        </p:txBody>
+      </p:sp>
     </p:spTree>
     <p:extLst>
       <p:ext uri="{BB962C8B-B14F-4D97-AF65-F5344CB8AC3E}">
@@ -10547,7 +12268,7 @@
 </p:sld>
 </file>
 
-<file path=ppt/slides/slide26.xml><?xml version="1.0" encoding="utf-8"?>
+<file path=ppt/slides/slide28.xml><?xml version="1.0" encoding="utf-8"?>
 <p:sld xmlns:a="http://schemas.openxmlformats.org/drawingml/2006/main" xmlns:r="http://schemas.openxmlformats.org/officeDocument/2006/relationships" xmlns:p="http://schemas.openxmlformats.org/presentationml/2006/main">
   <p:cSld>
     <p:spTree>
@@ -11167,7 +12888,7 @@
 </p:sld>
 </file>
 
-<file path=ppt/slides/slide27.xml><?xml version="1.0" encoding="utf-8"?>
+<file path=ppt/slides/slide29.xml><?xml version="1.0" encoding="utf-8"?>
 <p:sld xmlns:a="http://schemas.openxmlformats.org/drawingml/2006/main" xmlns:r="http://schemas.openxmlformats.org/officeDocument/2006/relationships" xmlns:p="http://schemas.openxmlformats.org/presentationml/2006/main">
   <p:cSld>
     <p:spTree>
@@ -11201,11 +12922,7 @@
           <a:p>
             <a:r>
               <a:rPr lang="nl-NL" dirty="0" smtClean="0"/>
-              <a:t>RGB </a:t>
-            </a:r>
-            <a:r>
-              <a:rPr lang="nl-NL" dirty="0" err="1" smtClean="0"/>
-              <a:t>example</a:t>
+              <a:t>RGB</a:t>
             </a:r>
             <a:endParaRPr lang="nl-NL" dirty="0"/>
           </a:p>
@@ -11270,252 +12987,6 @@
     <p:extLst>
       <p:ext uri="{BB962C8B-B14F-4D97-AF65-F5344CB8AC3E}">
         <p14:creationId xmlns:p14="http://schemas.microsoft.com/office/powerpoint/2010/main" val="2010113764"/>
-      </p:ext>
-    </p:extLst>
-  </p:cSld>
-  <p:clrMapOvr>
-    <a:masterClrMapping/>
-  </p:clrMapOvr>
-</p:sld>
-</file>
-
-<file path=ppt/slides/slide28.xml><?xml version="1.0" encoding="utf-8"?>
-<p:sld xmlns:a="http://schemas.openxmlformats.org/drawingml/2006/main" xmlns:r="http://schemas.openxmlformats.org/officeDocument/2006/relationships" xmlns:p="http://schemas.openxmlformats.org/presentationml/2006/main">
-  <p:cSld>
-    <p:spTree>
-      <p:nvGrpSpPr>
-        <p:cNvPr id="1" name=""/>
-        <p:cNvGrpSpPr/>
-        <p:nvPr/>
-      </p:nvGrpSpPr>
-      <p:grpSpPr>
-        <a:xfrm>
-          <a:off x="0" y="0"/>
-          <a:ext cx="0" cy="0"/>
-          <a:chOff x="0" y="0"/>
-          <a:chExt cx="0" cy="0"/>
-        </a:xfrm>
-      </p:grpSpPr>
-      <p:sp>
-        <p:nvSpPr>
-          <p:cNvPr id="2" name="Titel 1"/>
-          <p:cNvSpPr>
-            <a:spLocks noGrp="1"/>
-          </p:cNvSpPr>
-          <p:nvPr>
-            <p:ph type="title"/>
-          </p:nvPr>
-        </p:nvSpPr>
-        <p:spPr/>
-        <p:txBody>
-          <a:bodyPr/>
-          <a:lstStyle/>
-          <a:p>
-            <a:r>
-              <a:rPr lang="nl-NL" dirty="0" err="1" smtClean="0"/>
-              <a:t>Grayscale</a:t>
-            </a:r>
-            <a:endParaRPr lang="nl-NL" dirty="0"/>
-          </a:p>
-        </p:txBody>
-      </p:sp>
-      <p:pic>
-        <p:nvPicPr>
-          <p:cNvPr id="5" name="Afbeelding 4"/>
-          <p:cNvPicPr>
-            <a:picLocks noChangeAspect="1"/>
-          </p:cNvPicPr>
-          <p:nvPr/>
-        </p:nvPicPr>
-        <p:blipFill>
-          <a:blip r:embed="rId2">
-            <a:extLst>
-              <a:ext uri="{28A0092B-C50C-407E-A947-70E740481C1C}">
-                <a14:useLocalDpi xmlns:a14="http://schemas.microsoft.com/office/drawing/2010/main" val="0"/>
-              </a:ext>
-            </a:extLst>
-          </a:blip>
-          <a:stretch>
-            <a:fillRect/>
-          </a:stretch>
-        </p:blipFill>
-        <p:spPr>
-          <a:xfrm>
-            <a:off x="1691680" y="2097360"/>
-            <a:ext cx="6096000" cy="4572000"/>
-          </a:xfrm>
-          <a:prstGeom prst="rect">
-            <a:avLst/>
-          </a:prstGeom>
-        </p:spPr>
-      </p:pic>
-      <p:sp>
-        <p:nvSpPr>
-          <p:cNvPr id="3" name="Tijdelijke aanduiding voor voettekst 2"/>
-          <p:cNvSpPr>
-            <a:spLocks noGrp="1"/>
-          </p:cNvSpPr>
-          <p:nvPr>
-            <p:ph type="ftr" sz="quarter" idx="11"/>
-          </p:nvPr>
-        </p:nvSpPr>
-        <p:spPr/>
-        <p:txBody>
-          <a:bodyPr/>
-          <a:lstStyle/>
-          <a:p>
-            <a:r>
-              <a:rPr lang="nl-NL" smtClean="0"/>
-              <a:t>OpenCV in ROS / Eric Dortmans / FHICT</a:t>
-            </a:r>
-          </a:p>
-          <a:p>
-            <a:endParaRPr lang="nl-NL" dirty="0"/>
-          </a:p>
-        </p:txBody>
-      </p:sp>
-    </p:spTree>
-    <p:extLst>
-      <p:ext uri="{BB962C8B-B14F-4D97-AF65-F5344CB8AC3E}">
-        <p14:creationId xmlns:p14="http://schemas.microsoft.com/office/powerpoint/2010/main" val="1651168049"/>
-      </p:ext>
-    </p:extLst>
-  </p:cSld>
-  <p:clrMapOvr>
-    <a:masterClrMapping/>
-  </p:clrMapOvr>
-</p:sld>
-</file>
-
-<file path=ppt/slides/slide29.xml><?xml version="1.0" encoding="utf-8"?>
-<p:sld xmlns:a="http://schemas.openxmlformats.org/drawingml/2006/main" xmlns:r="http://schemas.openxmlformats.org/officeDocument/2006/relationships" xmlns:p="http://schemas.openxmlformats.org/presentationml/2006/main">
-  <p:cSld>
-    <p:spTree>
-      <p:nvGrpSpPr>
-        <p:cNvPr id="1" name=""/>
-        <p:cNvGrpSpPr/>
-        <p:nvPr/>
-      </p:nvGrpSpPr>
-      <p:grpSpPr>
-        <a:xfrm>
-          <a:off x="0" y="0"/>
-          <a:ext cx="0" cy="0"/>
-          <a:chOff x="0" y="0"/>
-          <a:chExt cx="0" cy="0"/>
-        </a:xfrm>
-      </p:grpSpPr>
-      <p:sp>
-        <p:nvSpPr>
-          <p:cNvPr id="2" name="Titel 1"/>
-          <p:cNvSpPr>
-            <a:spLocks noGrp="1"/>
-          </p:cNvSpPr>
-          <p:nvPr>
-            <p:ph type="title"/>
-          </p:nvPr>
-        </p:nvSpPr>
-        <p:spPr/>
-        <p:txBody>
-          <a:bodyPr/>
-          <a:lstStyle/>
-          <a:p>
-            <a:r>
-              <a:rPr lang="nl-NL" dirty="0" err="1" smtClean="0"/>
-              <a:t>Threshold</a:t>
-            </a:r>
-            <a:endParaRPr lang="nl-NL" dirty="0"/>
-          </a:p>
-        </p:txBody>
-      </p:sp>
-      <p:sp>
-        <p:nvSpPr>
-          <p:cNvPr id="5" name="Tijdelijke aanduiding voor inhoud 4"/>
-          <p:cNvSpPr>
-            <a:spLocks noGrp="1"/>
-          </p:cNvSpPr>
-          <p:nvPr>
-            <p:ph idx="1"/>
-          </p:nvPr>
-        </p:nvSpPr>
-        <p:spPr/>
-        <p:txBody>
-          <a:bodyPr/>
-          <a:lstStyle/>
-          <a:p>
-            <a:r>
-              <a:rPr lang="nl-NL" dirty="0" smtClean="0"/>
-              <a:t>cv2.threshold(</a:t>
-            </a:r>
-            <a:r>
-              <a:rPr lang="nl-NL" dirty="0" err="1" smtClean="0"/>
-              <a:t>gray_image</a:t>
-            </a:r>
-            <a:r>
-              <a:rPr lang="nl-NL" dirty="0" smtClean="0"/>
-              <a:t>, …)</a:t>
-            </a:r>
-          </a:p>
-        </p:txBody>
-      </p:sp>
-      <p:pic>
-        <p:nvPicPr>
-          <p:cNvPr id="7" name="Afbeelding 6"/>
-          <p:cNvPicPr>
-            <a:picLocks noChangeAspect="1"/>
-          </p:cNvPicPr>
-          <p:nvPr/>
-        </p:nvPicPr>
-        <p:blipFill>
-          <a:blip r:embed="rId2">
-            <a:extLst>
-              <a:ext uri="{28A0092B-C50C-407E-A947-70E740481C1C}">
-                <a14:useLocalDpi xmlns:a14="http://schemas.microsoft.com/office/drawing/2010/main" val="0"/>
-              </a:ext>
-            </a:extLst>
-          </a:blip>
-          <a:stretch>
-            <a:fillRect/>
-          </a:stretch>
-        </p:blipFill>
-        <p:spPr>
-          <a:xfrm>
-            <a:off x="1691680" y="2132856"/>
-            <a:ext cx="6096000" cy="4572000"/>
-          </a:xfrm>
-          <a:prstGeom prst="rect">
-            <a:avLst/>
-          </a:prstGeom>
-        </p:spPr>
-      </p:pic>
-      <p:sp>
-        <p:nvSpPr>
-          <p:cNvPr id="3" name="Tijdelijke aanduiding voor voettekst 2"/>
-          <p:cNvSpPr>
-            <a:spLocks noGrp="1"/>
-          </p:cNvSpPr>
-          <p:nvPr>
-            <p:ph type="ftr" sz="quarter" idx="11"/>
-          </p:nvPr>
-        </p:nvSpPr>
-        <p:spPr/>
-        <p:txBody>
-          <a:bodyPr/>
-          <a:lstStyle/>
-          <a:p>
-            <a:r>
-              <a:rPr lang="nl-NL" smtClean="0"/>
-              <a:t>OpenCV in ROS / Eric Dortmans / FHICT</a:t>
-            </a:r>
-          </a:p>
-          <a:p>
-            <a:endParaRPr lang="nl-NL" dirty="0"/>
-          </a:p>
-        </p:txBody>
-      </p:sp>
-    </p:spTree>
-    <p:extLst>
-      <p:ext uri="{BB962C8B-B14F-4D97-AF65-F5344CB8AC3E}">
-        <p14:creationId xmlns:p14="http://schemas.microsoft.com/office/powerpoint/2010/main" val="1005668776"/>
       </p:ext>
     </p:extLst>
   </p:cSld>
@@ -11663,6 +13134,30 @@
               <a:rPr lang="nl-NL" dirty="0" err="1" smtClean="0"/>
               <a:t>Blobs</a:t>
             </a:r>
+            <a:r>
+              <a:rPr lang="nl-NL" dirty="0" smtClean="0"/>
+              <a:t> </a:t>
+            </a:r>
+            <a:r>
+              <a:rPr lang="nl-NL" dirty="0" err="1" smtClean="0"/>
+              <a:t>from</a:t>
+            </a:r>
+            <a:r>
+              <a:rPr lang="nl-NL" dirty="0" smtClean="0"/>
+              <a:t> </a:t>
+            </a:r>
+            <a:r>
+              <a:rPr lang="nl-NL" dirty="0" err="1" smtClean="0"/>
+              <a:t>color</a:t>
+            </a:r>
+            <a:r>
+              <a:rPr lang="nl-NL" dirty="0" smtClean="0"/>
+              <a:t> </a:t>
+            </a:r>
+            <a:r>
+              <a:rPr lang="nl-NL" dirty="0" err="1" smtClean="0"/>
+              <a:t>thresholding</a:t>
+            </a:r>
             <a:endParaRPr lang="nl-NL" dirty="0"/>
           </a:p>
         </p:txBody>
@@ -11809,7 +13304,297 @@
           <a:p>
             <a:r>
               <a:rPr lang="nl-NL" dirty="0" err="1" smtClean="0"/>
+              <a:t>Grayscale</a:t>
+            </a:r>
+            <a:endParaRPr lang="nl-NL" dirty="0"/>
+          </a:p>
+        </p:txBody>
+      </p:sp>
+      <p:pic>
+        <p:nvPicPr>
+          <p:cNvPr id="5" name="Afbeelding 4"/>
+          <p:cNvPicPr>
+            <a:picLocks noChangeAspect="1"/>
+          </p:cNvPicPr>
+          <p:nvPr/>
+        </p:nvPicPr>
+        <p:blipFill>
+          <a:blip r:embed="rId2">
+            <a:extLst>
+              <a:ext uri="{28A0092B-C50C-407E-A947-70E740481C1C}">
+                <a14:useLocalDpi xmlns:a14="http://schemas.microsoft.com/office/drawing/2010/main" val="0"/>
+              </a:ext>
+            </a:extLst>
+          </a:blip>
+          <a:stretch>
+            <a:fillRect/>
+          </a:stretch>
+        </p:blipFill>
+        <p:spPr>
+          <a:xfrm>
+            <a:off x="1691680" y="2097360"/>
+            <a:ext cx="6096000" cy="4572000"/>
+          </a:xfrm>
+          <a:prstGeom prst="rect">
+            <a:avLst/>
+          </a:prstGeom>
+        </p:spPr>
+      </p:pic>
+      <p:sp>
+        <p:nvSpPr>
+          <p:cNvPr id="3" name="Tijdelijke aanduiding voor voettekst 2"/>
+          <p:cNvSpPr>
+            <a:spLocks noGrp="1"/>
+          </p:cNvSpPr>
+          <p:nvPr>
+            <p:ph type="ftr" sz="quarter" idx="11"/>
+          </p:nvPr>
+        </p:nvSpPr>
+        <p:spPr/>
+        <p:txBody>
+          <a:bodyPr/>
+          <a:lstStyle/>
+          <a:p>
+            <a:r>
+              <a:rPr lang="nl-NL" smtClean="0"/>
+              <a:t>OpenCV in ROS / Eric Dortmans / FHICT</a:t>
+            </a:r>
+          </a:p>
+          <a:p>
+            <a:endParaRPr lang="nl-NL" dirty="0"/>
+          </a:p>
+        </p:txBody>
+      </p:sp>
+    </p:spTree>
+    <p:extLst>
+      <p:ext uri="{BB962C8B-B14F-4D97-AF65-F5344CB8AC3E}">
+        <p14:creationId xmlns:p14="http://schemas.microsoft.com/office/powerpoint/2010/main" val="1651168049"/>
+      </p:ext>
+    </p:extLst>
+  </p:cSld>
+  <p:clrMapOvr>
+    <a:masterClrMapping/>
+  </p:clrMapOvr>
+</p:sld>
+</file>
+
+<file path=ppt/slides/slide32.xml><?xml version="1.0" encoding="utf-8"?>
+<p:sld xmlns:a="http://schemas.openxmlformats.org/drawingml/2006/main" xmlns:r="http://schemas.openxmlformats.org/officeDocument/2006/relationships" xmlns:p="http://schemas.openxmlformats.org/presentationml/2006/main">
+  <p:cSld>
+    <p:spTree>
+      <p:nvGrpSpPr>
+        <p:cNvPr id="1" name=""/>
+        <p:cNvGrpSpPr/>
+        <p:nvPr/>
+      </p:nvGrpSpPr>
+      <p:grpSpPr>
+        <a:xfrm>
+          <a:off x="0" y="0"/>
+          <a:ext cx="0" cy="0"/>
+          <a:chOff x="0" y="0"/>
+          <a:chExt cx="0" cy="0"/>
+        </a:xfrm>
+      </p:grpSpPr>
+      <p:sp>
+        <p:nvSpPr>
+          <p:cNvPr id="2" name="Titel 1"/>
+          <p:cNvSpPr>
+            <a:spLocks noGrp="1"/>
+          </p:cNvSpPr>
+          <p:nvPr>
+            <p:ph type="title"/>
+          </p:nvPr>
+        </p:nvSpPr>
+        <p:spPr/>
+        <p:txBody>
+          <a:bodyPr/>
+          <a:lstStyle/>
+          <a:p>
+            <a:r>
+              <a:rPr lang="nl-NL" dirty="0" err="1" smtClean="0"/>
+              <a:t>Blobs</a:t>
+            </a:r>
+            <a:r>
+              <a:rPr lang="nl-NL" dirty="0" smtClean="0"/>
+              <a:t> </a:t>
+            </a:r>
+            <a:r>
+              <a:rPr lang="nl-NL" dirty="0" err="1" smtClean="0"/>
+              <a:t>from</a:t>
+            </a:r>
+            <a:r>
+              <a:rPr lang="nl-NL" dirty="0"/>
+              <a:t> </a:t>
+            </a:r>
+            <a:r>
+              <a:rPr lang="nl-NL" dirty="0" err="1" smtClean="0"/>
+              <a:t>grayscale</a:t>
+            </a:r>
+            <a:r>
+              <a:rPr lang="nl-NL" dirty="0" smtClean="0"/>
+              <a:t> </a:t>
+            </a:r>
+            <a:r>
+              <a:rPr lang="nl-NL" dirty="0" err="1"/>
+              <a:t>t</a:t>
+            </a:r>
+            <a:r>
+              <a:rPr lang="nl-NL" dirty="0" err="1" smtClean="0"/>
+              <a:t>hresholding</a:t>
+            </a:r>
+            <a:endParaRPr lang="nl-NL" dirty="0"/>
+          </a:p>
+        </p:txBody>
+      </p:sp>
+      <p:sp>
+        <p:nvSpPr>
+          <p:cNvPr id="5" name="Tijdelijke aanduiding voor inhoud 4"/>
+          <p:cNvSpPr>
+            <a:spLocks noGrp="1"/>
+          </p:cNvSpPr>
+          <p:nvPr>
+            <p:ph idx="1"/>
+          </p:nvPr>
+        </p:nvSpPr>
+        <p:spPr/>
+        <p:txBody>
+          <a:bodyPr/>
+          <a:lstStyle/>
+          <a:p>
+            <a:r>
+              <a:rPr lang="nl-NL" dirty="0" smtClean="0"/>
+              <a:t>cv2.threshold(</a:t>
+            </a:r>
+            <a:r>
+              <a:rPr lang="nl-NL" dirty="0" err="1" smtClean="0"/>
+              <a:t>gray_image</a:t>
+            </a:r>
+            <a:r>
+              <a:rPr lang="nl-NL" dirty="0" smtClean="0"/>
+              <a:t>, …)</a:t>
+            </a:r>
+          </a:p>
+        </p:txBody>
+      </p:sp>
+      <p:pic>
+        <p:nvPicPr>
+          <p:cNvPr id="7" name="Afbeelding 6"/>
+          <p:cNvPicPr>
+            <a:picLocks noChangeAspect="1"/>
+          </p:cNvPicPr>
+          <p:nvPr/>
+        </p:nvPicPr>
+        <p:blipFill>
+          <a:blip r:embed="rId2">
+            <a:extLst>
+              <a:ext uri="{28A0092B-C50C-407E-A947-70E740481C1C}">
+                <a14:useLocalDpi xmlns:a14="http://schemas.microsoft.com/office/drawing/2010/main" val="0"/>
+              </a:ext>
+            </a:extLst>
+          </a:blip>
+          <a:stretch>
+            <a:fillRect/>
+          </a:stretch>
+        </p:blipFill>
+        <p:spPr>
+          <a:xfrm>
+            <a:off x="1691680" y="2132856"/>
+            <a:ext cx="6096000" cy="4572000"/>
+          </a:xfrm>
+          <a:prstGeom prst="rect">
+            <a:avLst/>
+          </a:prstGeom>
+        </p:spPr>
+      </p:pic>
+      <p:sp>
+        <p:nvSpPr>
+          <p:cNvPr id="3" name="Tijdelijke aanduiding voor voettekst 2"/>
+          <p:cNvSpPr>
+            <a:spLocks noGrp="1"/>
+          </p:cNvSpPr>
+          <p:nvPr>
+            <p:ph type="ftr" sz="quarter" idx="11"/>
+          </p:nvPr>
+        </p:nvSpPr>
+        <p:spPr/>
+        <p:txBody>
+          <a:bodyPr/>
+          <a:lstStyle/>
+          <a:p>
+            <a:r>
+              <a:rPr lang="nl-NL" smtClean="0"/>
+              <a:t>OpenCV in ROS / Eric Dortmans / FHICT</a:t>
+            </a:r>
+          </a:p>
+          <a:p>
+            <a:endParaRPr lang="nl-NL" dirty="0"/>
+          </a:p>
+        </p:txBody>
+      </p:sp>
+    </p:spTree>
+    <p:extLst>
+      <p:ext uri="{BB962C8B-B14F-4D97-AF65-F5344CB8AC3E}">
+        <p14:creationId xmlns:p14="http://schemas.microsoft.com/office/powerpoint/2010/main" val="1005668776"/>
+      </p:ext>
+    </p:extLst>
+  </p:cSld>
+  <p:clrMapOvr>
+    <a:masterClrMapping/>
+  </p:clrMapOvr>
+</p:sld>
+</file>
+
+<file path=ppt/slides/slide33.xml><?xml version="1.0" encoding="utf-8"?>
+<p:sld xmlns:a="http://schemas.openxmlformats.org/drawingml/2006/main" xmlns:r="http://schemas.openxmlformats.org/officeDocument/2006/relationships" xmlns:p="http://schemas.openxmlformats.org/presentationml/2006/main">
+  <p:cSld>
+    <p:spTree>
+      <p:nvGrpSpPr>
+        <p:cNvPr id="1" name=""/>
+        <p:cNvGrpSpPr/>
+        <p:nvPr/>
+      </p:nvGrpSpPr>
+      <p:grpSpPr>
+        <a:xfrm>
+          <a:off x="0" y="0"/>
+          <a:ext cx="0" cy="0"/>
+          <a:chOff x="0" y="0"/>
+          <a:chExt cx="0" cy="0"/>
+        </a:xfrm>
+      </p:grpSpPr>
+      <p:sp>
+        <p:nvSpPr>
+          <p:cNvPr id="2" name="Titel 1"/>
+          <p:cNvSpPr>
+            <a:spLocks noGrp="1"/>
+          </p:cNvSpPr>
+          <p:nvPr>
+            <p:ph type="title"/>
+          </p:nvPr>
+        </p:nvSpPr>
+        <p:spPr/>
+        <p:txBody>
+          <a:bodyPr/>
+          <a:lstStyle/>
+          <a:p>
+            <a:r>
+              <a:rPr lang="nl-NL" dirty="0" err="1" smtClean="0"/>
               <a:t>Edges</a:t>
+            </a:r>
+            <a:r>
+              <a:rPr lang="nl-NL" dirty="0" smtClean="0"/>
+              <a:t> </a:t>
+            </a:r>
+            <a:r>
+              <a:rPr lang="nl-NL" dirty="0" err="1" smtClean="0"/>
+              <a:t>from</a:t>
+            </a:r>
+            <a:r>
+              <a:rPr lang="nl-NL" dirty="0" smtClean="0"/>
+              <a:t> </a:t>
+            </a:r>
+            <a:r>
+              <a:rPr lang="nl-NL" dirty="0" err="1" smtClean="0"/>
+              <a:t>grayscale</a:t>
             </a:r>
             <a:endParaRPr lang="nl-NL" dirty="0"/>
           </a:p>
@@ -11913,7 +13698,7 @@
 </p:sld>
 </file>
 
-<file path=ppt/slides/slide32.xml><?xml version="1.0" encoding="utf-8"?>
+<file path=ppt/slides/slide34.xml><?xml version="1.0" encoding="utf-8"?>
 <p:sld xmlns:a="http://schemas.openxmlformats.org/drawingml/2006/main" xmlns:r="http://schemas.openxmlformats.org/officeDocument/2006/relationships" xmlns:p="http://schemas.openxmlformats.org/presentationml/2006/main">
   <p:cSld>
     <p:spTree>
@@ -12048,358 +13833,6 @@
     <p:extLst>
       <p:ext uri="{BB962C8B-B14F-4D97-AF65-F5344CB8AC3E}">
         <p14:creationId xmlns:p14="http://schemas.microsoft.com/office/powerpoint/2010/main" val="2508627273"/>
-      </p:ext>
-    </p:extLst>
-  </p:cSld>
-  <p:clrMapOvr>
-    <a:masterClrMapping/>
-  </p:clrMapOvr>
-  <p:timing>
-    <p:tnLst>
-      <p:par>
-        <p:cTn id="1" dur="indefinite" restart="never" nodeType="tmRoot"/>
-      </p:par>
-    </p:tnLst>
-  </p:timing>
-</p:sld>
-</file>
-
-<file path=ppt/slides/slide33.xml><?xml version="1.0" encoding="utf-8"?>
-<p:sld xmlns:a="http://schemas.openxmlformats.org/drawingml/2006/main" xmlns:r="http://schemas.openxmlformats.org/officeDocument/2006/relationships" xmlns:p="http://schemas.openxmlformats.org/presentationml/2006/main">
-  <p:cSld>
-    <p:spTree>
-      <p:nvGrpSpPr>
-        <p:cNvPr id="1" name=""/>
-        <p:cNvGrpSpPr/>
-        <p:nvPr/>
-      </p:nvGrpSpPr>
-      <p:grpSpPr>
-        <a:xfrm>
-          <a:off x="0" y="0"/>
-          <a:ext cx="0" cy="0"/>
-          <a:chOff x="0" y="0"/>
-          <a:chExt cx="0" cy="0"/>
-        </a:xfrm>
-      </p:grpSpPr>
-      <p:sp>
-        <p:nvSpPr>
-          <p:cNvPr id="2" name="Titel 1"/>
-          <p:cNvSpPr>
-            <a:spLocks noGrp="1"/>
-          </p:cNvSpPr>
-          <p:nvPr>
-            <p:ph type="title"/>
-          </p:nvPr>
-        </p:nvSpPr>
-        <p:spPr/>
-        <p:txBody>
-          <a:bodyPr>
-            <a:normAutofit/>
-          </a:bodyPr>
-          <a:lstStyle/>
-          <a:p>
-            <a:r>
-              <a:rPr lang="nl-NL" dirty="0" smtClean="0"/>
-              <a:t>Contour features</a:t>
-            </a:r>
-            <a:endParaRPr lang="nl-NL" dirty="0"/>
-          </a:p>
-        </p:txBody>
-      </p:sp>
-      <p:pic>
-        <p:nvPicPr>
-          <p:cNvPr id="5" name="Afbeelding 4"/>
-          <p:cNvPicPr>
-            <a:picLocks noChangeAspect="1"/>
-          </p:cNvPicPr>
-          <p:nvPr/>
-        </p:nvPicPr>
-        <p:blipFill>
-          <a:blip r:embed="rId2">
-            <a:extLst>
-              <a:ext uri="{28A0092B-C50C-407E-A947-70E740481C1C}">
-                <a14:useLocalDpi xmlns:a14="http://schemas.microsoft.com/office/drawing/2010/main" val="0"/>
-              </a:ext>
-            </a:extLst>
-          </a:blip>
-          <a:stretch>
-            <a:fillRect/>
-          </a:stretch>
-        </p:blipFill>
-        <p:spPr>
-          <a:xfrm>
-            <a:off x="1691680" y="2097360"/>
-            <a:ext cx="6096000" cy="4572000"/>
-          </a:xfrm>
-          <a:prstGeom prst="rect">
-            <a:avLst/>
-          </a:prstGeom>
-        </p:spPr>
-      </p:pic>
-      <p:sp>
-        <p:nvSpPr>
-          <p:cNvPr id="3" name="Tijdelijke aanduiding voor voettekst 2"/>
-          <p:cNvSpPr>
-            <a:spLocks noGrp="1"/>
-          </p:cNvSpPr>
-          <p:nvPr>
-            <p:ph type="ftr" sz="quarter" idx="11"/>
-          </p:nvPr>
-        </p:nvSpPr>
-        <p:spPr/>
-        <p:txBody>
-          <a:bodyPr/>
-          <a:lstStyle/>
-          <a:p>
-            <a:r>
-              <a:rPr lang="nl-NL" smtClean="0"/>
-              <a:t>OpenCV in ROS / Eric Dortmans / FHICT</a:t>
-            </a:r>
-          </a:p>
-          <a:p>
-            <a:endParaRPr lang="nl-NL" dirty="0"/>
-          </a:p>
-        </p:txBody>
-      </p:sp>
-    </p:spTree>
-    <p:extLst>
-      <p:ext uri="{BB962C8B-B14F-4D97-AF65-F5344CB8AC3E}">
-        <p14:creationId xmlns:p14="http://schemas.microsoft.com/office/powerpoint/2010/main" val="1409795525"/>
-      </p:ext>
-    </p:extLst>
-  </p:cSld>
-  <p:clrMapOvr>
-    <a:masterClrMapping/>
-  </p:clrMapOvr>
-</p:sld>
-</file>
-
-<file path=ppt/slides/slide34.xml><?xml version="1.0" encoding="utf-8"?>
-<p:sld xmlns:a="http://schemas.openxmlformats.org/drawingml/2006/main" xmlns:r="http://schemas.openxmlformats.org/officeDocument/2006/relationships" xmlns:p="http://schemas.openxmlformats.org/presentationml/2006/main">
-  <p:cSld>
-    <p:spTree>
-      <p:nvGrpSpPr>
-        <p:cNvPr id="1" name=""/>
-        <p:cNvGrpSpPr/>
-        <p:nvPr/>
-      </p:nvGrpSpPr>
-      <p:grpSpPr>
-        <a:xfrm>
-          <a:off x="0" y="0"/>
-          <a:ext cx="0" cy="0"/>
-          <a:chOff x="0" y="0"/>
-          <a:chExt cx="0" cy="0"/>
-        </a:xfrm>
-      </p:grpSpPr>
-      <p:sp>
-        <p:nvSpPr>
-          <p:cNvPr id="2" name="Titel 1"/>
-          <p:cNvSpPr>
-            <a:spLocks noGrp="1"/>
-          </p:cNvSpPr>
-          <p:nvPr>
-            <p:ph type="title"/>
-          </p:nvPr>
-        </p:nvSpPr>
-        <p:spPr/>
-        <p:txBody>
-          <a:bodyPr/>
-          <a:lstStyle/>
-          <a:p>
-            <a:r>
-              <a:rPr lang="nl-NL" dirty="0"/>
-              <a:t>Contour features</a:t>
-            </a:r>
-          </a:p>
-        </p:txBody>
-      </p:sp>
-      <p:sp>
-        <p:nvSpPr>
-          <p:cNvPr id="3" name="Tijdelijke aanduiding voor inhoud 2"/>
-          <p:cNvSpPr>
-            <a:spLocks noGrp="1"/>
-          </p:cNvSpPr>
-          <p:nvPr>
-            <p:ph idx="1"/>
-          </p:nvPr>
-        </p:nvSpPr>
-        <p:spPr/>
-        <p:txBody>
-          <a:bodyPr>
-            <a:normAutofit/>
-          </a:bodyPr>
-          <a:lstStyle/>
-          <a:p>
-            <a:r>
-              <a:rPr lang="en-US" dirty="0" smtClean="0"/>
-              <a:t>Moments of the contour area</a:t>
-            </a:r>
-          </a:p>
-          <a:p>
-            <a:pPr lvl="1"/>
-            <a:r>
-              <a:rPr lang="en-US" dirty="0" smtClean="0"/>
-              <a:t>moments </a:t>
-            </a:r>
-            <a:r>
-              <a:rPr lang="en-US" dirty="0"/>
-              <a:t>= </a:t>
-            </a:r>
-            <a:r>
-              <a:rPr lang="en-US" dirty="0" smtClean="0"/>
-              <a:t>cv2.moments(contour</a:t>
-            </a:r>
-            <a:r>
-              <a:rPr lang="en-US" dirty="0" smtClean="0"/>
-              <a:t>)</a:t>
-            </a:r>
-          </a:p>
-          <a:p>
-            <a:pPr lvl="1"/>
-            <a:endParaRPr lang="en-US" dirty="0"/>
-          </a:p>
-          <a:p>
-            <a:r>
-              <a:rPr lang="en-US" dirty="0" smtClean="0"/>
-              <a:t>Centroid</a:t>
-            </a:r>
-            <a:endParaRPr lang="en-US" dirty="0"/>
-          </a:p>
-          <a:p>
-            <a:pPr lvl="1"/>
-            <a:r>
-              <a:rPr lang="en-US" dirty="0" smtClean="0"/>
-              <a:t>cx </a:t>
-            </a:r>
-            <a:r>
-              <a:rPr lang="en-US" dirty="0"/>
-              <a:t>= </a:t>
-            </a:r>
-            <a:r>
-              <a:rPr lang="en-US" dirty="0" err="1" smtClean="0"/>
-              <a:t>int</a:t>
-            </a:r>
-            <a:r>
-              <a:rPr lang="en-US" dirty="0" smtClean="0"/>
-              <a:t>(moments[</a:t>
-            </a:r>
-            <a:r>
-              <a:rPr lang="en-US" dirty="0"/>
-              <a:t>'m10</a:t>
-            </a:r>
-            <a:r>
-              <a:rPr lang="en-US" dirty="0" smtClean="0"/>
-              <a:t>']/moments[</a:t>
-            </a:r>
-            <a:r>
-              <a:rPr lang="en-US" dirty="0"/>
-              <a:t>'m00'])</a:t>
-            </a:r>
-          </a:p>
-          <a:p>
-            <a:pPr lvl="1"/>
-            <a:r>
-              <a:rPr lang="en-US" dirty="0"/>
-              <a:t>cy = </a:t>
-            </a:r>
-            <a:r>
-              <a:rPr lang="en-US" dirty="0" err="1" smtClean="0"/>
-              <a:t>int</a:t>
-            </a:r>
-            <a:r>
-              <a:rPr lang="en-US" dirty="0" smtClean="0"/>
-              <a:t>(moments[</a:t>
-            </a:r>
-            <a:r>
-              <a:rPr lang="en-US" dirty="0"/>
-              <a:t>'m01</a:t>
-            </a:r>
-            <a:r>
-              <a:rPr lang="en-US" dirty="0" smtClean="0"/>
-              <a:t>']/moments[</a:t>
-            </a:r>
-            <a:r>
-              <a:rPr lang="en-US" dirty="0"/>
-              <a:t>'m00</a:t>
-            </a:r>
-            <a:r>
-              <a:rPr lang="en-US" dirty="0" smtClean="0"/>
-              <a:t>'])</a:t>
-            </a:r>
-            <a:endParaRPr lang="nl-NL" dirty="0" smtClean="0"/>
-          </a:p>
-        </p:txBody>
-      </p:sp>
-      <p:sp>
-        <p:nvSpPr>
-          <p:cNvPr id="5" name="Rechthoek 4"/>
-          <p:cNvSpPr/>
-          <p:nvPr/>
-        </p:nvSpPr>
-        <p:spPr>
-          <a:xfrm>
-            <a:off x="755576" y="5085184"/>
-            <a:ext cx="7632848" cy="1015663"/>
-          </a:xfrm>
-          <a:prstGeom prst="rect">
-            <a:avLst/>
-          </a:prstGeom>
-        </p:spPr>
-        <p:txBody>
-          <a:bodyPr wrap="square">
-            <a:spAutoFit/>
-          </a:bodyPr>
-          <a:lstStyle/>
-          <a:p>
-            <a:r>
-              <a:rPr lang="nl-NL" sz="2000" dirty="0">
-                <a:hlinkClick r:id="rId2"/>
-              </a:rPr>
-              <a:t>https://</a:t>
-            </a:r>
-            <a:r>
-              <a:rPr lang="nl-NL" sz="2000" dirty="0" smtClean="0">
-                <a:hlinkClick r:id="rId2"/>
-              </a:rPr>
-              <a:t>opencv-python-tutroals.readthedocs.io/en/latest/py_tutorials/py_imgproc/py_contours/py_table_of_contents_contours/py_table_of_contents_contours.html</a:t>
-            </a:r>
-            <a:r>
-              <a:rPr lang="nl-NL" sz="2000" dirty="0" smtClean="0"/>
-              <a:t> </a:t>
-            </a:r>
-            <a:endParaRPr lang="nl-NL" sz="2000" dirty="0"/>
-          </a:p>
-        </p:txBody>
-      </p:sp>
-      <p:sp>
-        <p:nvSpPr>
-          <p:cNvPr id="6" name="Tijdelijke aanduiding voor voettekst 5"/>
-          <p:cNvSpPr>
-            <a:spLocks noGrp="1"/>
-          </p:cNvSpPr>
-          <p:nvPr>
-            <p:ph type="ftr" sz="quarter" idx="11"/>
-          </p:nvPr>
-        </p:nvSpPr>
-        <p:spPr/>
-        <p:txBody>
-          <a:bodyPr/>
-          <a:lstStyle/>
-          <a:p>
-            <a:r>
-              <a:rPr lang="nl-NL" smtClean="0"/>
-              <a:t>OpenCV in ROS / Eric Dortmans / FHICT</a:t>
-            </a:r>
-          </a:p>
-          <a:p>
-            <a:endParaRPr lang="nl-NL" dirty="0"/>
-          </a:p>
-        </p:txBody>
-      </p:sp>
-    </p:spTree>
-    <p:extLst>
-      <p:ext uri="{BB962C8B-B14F-4D97-AF65-F5344CB8AC3E}">
-        <p14:creationId xmlns:p14="http://schemas.microsoft.com/office/powerpoint/2010/main" val="2816915845"/>
       </p:ext>
     </p:extLst>
   </p:cSld>
@@ -12445,6 +13878,354 @@
         </p:nvSpPr>
         <p:spPr/>
         <p:txBody>
+          <a:bodyPr>
+            <a:normAutofit/>
+          </a:bodyPr>
+          <a:lstStyle/>
+          <a:p>
+            <a:r>
+              <a:rPr lang="nl-NL" dirty="0" smtClean="0"/>
+              <a:t>Contour features</a:t>
+            </a:r>
+            <a:endParaRPr lang="nl-NL" dirty="0"/>
+          </a:p>
+        </p:txBody>
+      </p:sp>
+      <p:pic>
+        <p:nvPicPr>
+          <p:cNvPr id="5" name="Afbeelding 4"/>
+          <p:cNvPicPr>
+            <a:picLocks noChangeAspect="1"/>
+          </p:cNvPicPr>
+          <p:nvPr/>
+        </p:nvPicPr>
+        <p:blipFill>
+          <a:blip r:embed="rId2">
+            <a:extLst>
+              <a:ext uri="{28A0092B-C50C-407E-A947-70E740481C1C}">
+                <a14:useLocalDpi xmlns:a14="http://schemas.microsoft.com/office/drawing/2010/main" val="0"/>
+              </a:ext>
+            </a:extLst>
+          </a:blip>
+          <a:stretch>
+            <a:fillRect/>
+          </a:stretch>
+        </p:blipFill>
+        <p:spPr>
+          <a:xfrm>
+            <a:off x="1691680" y="2097360"/>
+            <a:ext cx="6096000" cy="4572000"/>
+          </a:xfrm>
+          <a:prstGeom prst="rect">
+            <a:avLst/>
+          </a:prstGeom>
+        </p:spPr>
+      </p:pic>
+      <p:sp>
+        <p:nvSpPr>
+          <p:cNvPr id="3" name="Tijdelijke aanduiding voor voettekst 2"/>
+          <p:cNvSpPr>
+            <a:spLocks noGrp="1"/>
+          </p:cNvSpPr>
+          <p:nvPr>
+            <p:ph type="ftr" sz="quarter" idx="11"/>
+          </p:nvPr>
+        </p:nvSpPr>
+        <p:spPr/>
+        <p:txBody>
+          <a:bodyPr/>
+          <a:lstStyle/>
+          <a:p>
+            <a:r>
+              <a:rPr lang="nl-NL" smtClean="0"/>
+              <a:t>OpenCV in ROS / Eric Dortmans / FHICT</a:t>
+            </a:r>
+          </a:p>
+          <a:p>
+            <a:endParaRPr lang="nl-NL" dirty="0"/>
+          </a:p>
+        </p:txBody>
+      </p:sp>
+    </p:spTree>
+    <p:extLst>
+      <p:ext uri="{BB962C8B-B14F-4D97-AF65-F5344CB8AC3E}">
+        <p14:creationId xmlns:p14="http://schemas.microsoft.com/office/powerpoint/2010/main" val="1409795525"/>
+      </p:ext>
+    </p:extLst>
+  </p:cSld>
+  <p:clrMapOvr>
+    <a:masterClrMapping/>
+  </p:clrMapOvr>
+</p:sld>
+</file>
+
+<file path=ppt/slides/slide36.xml><?xml version="1.0" encoding="utf-8"?>
+<p:sld xmlns:a="http://schemas.openxmlformats.org/drawingml/2006/main" xmlns:r="http://schemas.openxmlformats.org/officeDocument/2006/relationships" xmlns:p="http://schemas.openxmlformats.org/presentationml/2006/main">
+  <p:cSld>
+    <p:spTree>
+      <p:nvGrpSpPr>
+        <p:cNvPr id="1" name=""/>
+        <p:cNvGrpSpPr/>
+        <p:nvPr/>
+      </p:nvGrpSpPr>
+      <p:grpSpPr>
+        <a:xfrm>
+          <a:off x="0" y="0"/>
+          <a:ext cx="0" cy="0"/>
+          <a:chOff x="0" y="0"/>
+          <a:chExt cx="0" cy="0"/>
+        </a:xfrm>
+      </p:grpSpPr>
+      <p:sp>
+        <p:nvSpPr>
+          <p:cNvPr id="2" name="Titel 1"/>
+          <p:cNvSpPr>
+            <a:spLocks noGrp="1"/>
+          </p:cNvSpPr>
+          <p:nvPr>
+            <p:ph type="title"/>
+          </p:nvPr>
+        </p:nvSpPr>
+        <p:spPr/>
+        <p:txBody>
+          <a:bodyPr/>
+          <a:lstStyle/>
+          <a:p>
+            <a:r>
+              <a:rPr lang="nl-NL" dirty="0"/>
+              <a:t>Contour features</a:t>
+            </a:r>
+          </a:p>
+        </p:txBody>
+      </p:sp>
+      <p:sp>
+        <p:nvSpPr>
+          <p:cNvPr id="3" name="Tijdelijke aanduiding voor inhoud 2"/>
+          <p:cNvSpPr>
+            <a:spLocks noGrp="1"/>
+          </p:cNvSpPr>
+          <p:nvPr>
+            <p:ph idx="1"/>
+          </p:nvPr>
+        </p:nvSpPr>
+        <p:spPr/>
+        <p:txBody>
+          <a:bodyPr>
+            <a:normAutofit/>
+          </a:bodyPr>
+          <a:lstStyle/>
+          <a:p>
+            <a:r>
+              <a:rPr lang="en-US" dirty="0" smtClean="0"/>
+              <a:t>Moments of the contour area</a:t>
+            </a:r>
+          </a:p>
+          <a:p>
+            <a:pPr lvl="1"/>
+            <a:r>
+              <a:rPr lang="en-US" dirty="0" smtClean="0"/>
+              <a:t>moments </a:t>
+            </a:r>
+            <a:r>
+              <a:rPr lang="en-US" dirty="0"/>
+              <a:t>= </a:t>
+            </a:r>
+            <a:r>
+              <a:rPr lang="en-US" dirty="0" smtClean="0"/>
+              <a:t>cv2.moments(contour)</a:t>
+            </a:r>
+          </a:p>
+          <a:p>
+            <a:pPr lvl="1"/>
+            <a:endParaRPr lang="en-US" dirty="0"/>
+          </a:p>
+          <a:p>
+            <a:r>
+              <a:rPr lang="en-US" dirty="0" smtClean="0"/>
+              <a:t>Centroid</a:t>
+            </a:r>
+            <a:endParaRPr lang="en-US" dirty="0"/>
+          </a:p>
+          <a:p>
+            <a:pPr lvl="1"/>
+            <a:r>
+              <a:rPr lang="en-US" dirty="0" smtClean="0"/>
+              <a:t>cx </a:t>
+            </a:r>
+            <a:r>
+              <a:rPr lang="en-US" dirty="0"/>
+              <a:t>= </a:t>
+            </a:r>
+            <a:r>
+              <a:rPr lang="en-US" dirty="0" err="1" smtClean="0"/>
+              <a:t>int</a:t>
+            </a:r>
+            <a:r>
+              <a:rPr lang="en-US" dirty="0" smtClean="0"/>
+              <a:t>(moments[</a:t>
+            </a:r>
+            <a:r>
+              <a:rPr lang="en-US" dirty="0"/>
+              <a:t>'m10</a:t>
+            </a:r>
+            <a:r>
+              <a:rPr lang="en-US" dirty="0" smtClean="0"/>
+              <a:t>']/moments[</a:t>
+            </a:r>
+            <a:r>
+              <a:rPr lang="en-US" dirty="0"/>
+              <a:t>'m00'])</a:t>
+            </a:r>
+          </a:p>
+          <a:p>
+            <a:pPr lvl="1"/>
+            <a:r>
+              <a:rPr lang="en-US" dirty="0"/>
+              <a:t>cy = </a:t>
+            </a:r>
+            <a:r>
+              <a:rPr lang="en-US" dirty="0" err="1" smtClean="0"/>
+              <a:t>int</a:t>
+            </a:r>
+            <a:r>
+              <a:rPr lang="en-US" dirty="0" smtClean="0"/>
+              <a:t>(moments[</a:t>
+            </a:r>
+            <a:r>
+              <a:rPr lang="en-US" dirty="0"/>
+              <a:t>'m01</a:t>
+            </a:r>
+            <a:r>
+              <a:rPr lang="en-US" dirty="0" smtClean="0"/>
+              <a:t>']/moments[</a:t>
+            </a:r>
+            <a:r>
+              <a:rPr lang="en-US" dirty="0"/>
+              <a:t>'m00</a:t>
+            </a:r>
+            <a:r>
+              <a:rPr lang="en-US" dirty="0" smtClean="0"/>
+              <a:t>'])</a:t>
+            </a:r>
+            <a:endParaRPr lang="nl-NL" dirty="0" smtClean="0"/>
+          </a:p>
+        </p:txBody>
+      </p:sp>
+      <p:sp>
+        <p:nvSpPr>
+          <p:cNvPr id="5" name="Rechthoek 4"/>
+          <p:cNvSpPr/>
+          <p:nvPr/>
+        </p:nvSpPr>
+        <p:spPr>
+          <a:xfrm>
+            <a:off x="755576" y="5085184"/>
+            <a:ext cx="7632848" cy="1015663"/>
+          </a:xfrm>
+          <a:prstGeom prst="rect">
+            <a:avLst/>
+          </a:prstGeom>
+        </p:spPr>
+        <p:txBody>
+          <a:bodyPr wrap="square">
+            <a:spAutoFit/>
+          </a:bodyPr>
+          <a:lstStyle/>
+          <a:p>
+            <a:r>
+              <a:rPr lang="nl-NL" sz="2000" dirty="0">
+                <a:hlinkClick r:id="rId2"/>
+              </a:rPr>
+              <a:t>https://</a:t>
+            </a:r>
+            <a:r>
+              <a:rPr lang="nl-NL" sz="2000" dirty="0" smtClean="0">
+                <a:hlinkClick r:id="rId2"/>
+              </a:rPr>
+              <a:t>opencv-python-tutroals.readthedocs.io/en/latest/py_tutorials/py_imgproc/py_contours/py_table_of_contents_contours/py_table_of_contents_contours.html</a:t>
+            </a:r>
+            <a:r>
+              <a:rPr lang="nl-NL" sz="2000" dirty="0" smtClean="0"/>
+              <a:t> </a:t>
+            </a:r>
+            <a:endParaRPr lang="nl-NL" sz="2000" dirty="0"/>
+          </a:p>
+        </p:txBody>
+      </p:sp>
+      <p:sp>
+        <p:nvSpPr>
+          <p:cNvPr id="6" name="Tijdelijke aanduiding voor voettekst 5"/>
+          <p:cNvSpPr>
+            <a:spLocks noGrp="1"/>
+          </p:cNvSpPr>
+          <p:nvPr>
+            <p:ph type="ftr" sz="quarter" idx="11"/>
+          </p:nvPr>
+        </p:nvSpPr>
+        <p:spPr/>
+        <p:txBody>
+          <a:bodyPr/>
+          <a:lstStyle/>
+          <a:p>
+            <a:r>
+              <a:rPr lang="nl-NL" smtClean="0"/>
+              <a:t>OpenCV in ROS / Eric Dortmans / FHICT</a:t>
+            </a:r>
+          </a:p>
+          <a:p>
+            <a:endParaRPr lang="nl-NL" dirty="0"/>
+          </a:p>
+        </p:txBody>
+      </p:sp>
+    </p:spTree>
+    <p:extLst>
+      <p:ext uri="{BB962C8B-B14F-4D97-AF65-F5344CB8AC3E}">
+        <p14:creationId xmlns:p14="http://schemas.microsoft.com/office/powerpoint/2010/main" val="2816915845"/>
+      </p:ext>
+    </p:extLst>
+  </p:cSld>
+  <p:clrMapOvr>
+    <a:masterClrMapping/>
+  </p:clrMapOvr>
+  <p:timing>
+    <p:tnLst>
+      <p:par>
+        <p:cTn id="1" dur="indefinite" restart="never" nodeType="tmRoot"/>
+      </p:par>
+    </p:tnLst>
+  </p:timing>
+</p:sld>
+</file>
+
+<file path=ppt/slides/slide37.xml><?xml version="1.0" encoding="utf-8"?>
+<p:sld xmlns:a="http://schemas.openxmlformats.org/drawingml/2006/main" xmlns:r="http://schemas.openxmlformats.org/officeDocument/2006/relationships" xmlns:p="http://schemas.openxmlformats.org/presentationml/2006/main">
+  <p:cSld>
+    <p:spTree>
+      <p:nvGrpSpPr>
+        <p:cNvPr id="1" name=""/>
+        <p:cNvGrpSpPr/>
+        <p:nvPr/>
+      </p:nvGrpSpPr>
+      <p:grpSpPr>
+        <a:xfrm>
+          <a:off x="0" y="0"/>
+          <a:ext cx="0" cy="0"/>
+          <a:chOff x="0" y="0"/>
+          <a:chExt cx="0" cy="0"/>
+        </a:xfrm>
+      </p:grpSpPr>
+      <p:sp>
+        <p:nvSpPr>
+          <p:cNvPr id="2" name="Titel 1"/>
+          <p:cNvSpPr>
+            <a:spLocks noGrp="1"/>
+          </p:cNvSpPr>
+          <p:nvPr>
+            <p:ph type="title"/>
+          </p:nvPr>
+        </p:nvSpPr>
+        <p:spPr/>
+        <p:txBody>
           <a:bodyPr/>
           <a:lstStyle/>
           <a:p>
@@ -12578,7 +14359,7 @@
 </p:sld>
 </file>
 
-<file path=ppt/slides/slide36.xml><?xml version="1.0" encoding="utf-8"?>
+<file path=ppt/slides/slide38.xml><?xml version="1.0" encoding="utf-8"?>
 <p:sld xmlns:a="http://schemas.openxmlformats.org/drawingml/2006/main" xmlns:r="http://schemas.openxmlformats.org/officeDocument/2006/relationships" xmlns:p="http://schemas.openxmlformats.org/presentationml/2006/main">
   <p:cSld>
     <p:spTree>
@@ -12785,7 +14566,7 @@
 </p:sld>
 </file>
 
-<file path=ppt/slides/slide37.xml><?xml version="1.0" encoding="utf-8"?>
+<file path=ppt/slides/slide39.xml><?xml version="1.0" encoding="utf-8"?>
 <p:sld xmlns:a="http://schemas.openxmlformats.org/drawingml/2006/main" xmlns:r="http://schemas.openxmlformats.org/officeDocument/2006/relationships" xmlns:p="http://schemas.openxmlformats.org/presentationml/2006/main">
   <p:cSld>
     <p:spTree>
@@ -13073,310 +14854,6 @@
 </p:sld>
 </file>
 
-<file path=ppt/slides/slide38.xml><?xml version="1.0" encoding="utf-8"?>
-<p:sld xmlns:a="http://schemas.openxmlformats.org/drawingml/2006/main" xmlns:r="http://schemas.openxmlformats.org/officeDocument/2006/relationships" xmlns:p="http://schemas.openxmlformats.org/presentationml/2006/main">
-  <p:cSld>
-    <p:spTree>
-      <p:nvGrpSpPr>
-        <p:cNvPr id="1" name=""/>
-        <p:cNvGrpSpPr/>
-        <p:nvPr/>
-      </p:nvGrpSpPr>
-      <p:grpSpPr>
-        <a:xfrm>
-          <a:off x="0" y="0"/>
-          <a:ext cx="0" cy="0"/>
-          <a:chOff x="0" y="0"/>
-          <a:chExt cx="0" cy="0"/>
-        </a:xfrm>
-      </p:grpSpPr>
-      <p:sp>
-        <p:nvSpPr>
-          <p:cNvPr id="2" name="Titel 1"/>
-          <p:cNvSpPr>
-            <a:spLocks noGrp="1"/>
-          </p:cNvSpPr>
-          <p:nvPr>
-            <p:ph type="title"/>
-          </p:nvPr>
-        </p:nvSpPr>
-        <p:spPr/>
-        <p:txBody>
-          <a:bodyPr/>
-          <a:lstStyle/>
-          <a:p>
-            <a:r>
-              <a:rPr lang="nl-NL" dirty="0" smtClean="0"/>
-              <a:t>Contour </a:t>
-            </a:r>
-            <a:r>
-              <a:rPr lang="nl-NL" dirty="0" err="1" smtClean="0"/>
-              <a:t>shape</a:t>
-            </a:r>
-            <a:r>
-              <a:rPr lang="nl-NL" dirty="0"/>
-              <a:t> </a:t>
-            </a:r>
-            <a:r>
-              <a:rPr lang="nl-NL" dirty="0" smtClean="0"/>
-              <a:t>matching</a:t>
-            </a:r>
-            <a:endParaRPr lang="nl-NL" dirty="0"/>
-          </a:p>
-        </p:txBody>
-      </p:sp>
-      <p:sp>
-        <p:nvSpPr>
-          <p:cNvPr id="3" name="Tijdelijke aanduiding voor inhoud 2"/>
-          <p:cNvSpPr>
-            <a:spLocks noGrp="1"/>
-          </p:cNvSpPr>
-          <p:nvPr>
-            <p:ph idx="1"/>
-          </p:nvPr>
-        </p:nvSpPr>
-        <p:spPr/>
-        <p:txBody>
-          <a:bodyPr/>
-          <a:lstStyle/>
-          <a:p>
-            <a:r>
-              <a:rPr lang="nl-NL" dirty="0" smtClean="0"/>
-              <a:t>Hu </a:t>
-            </a:r>
-            <a:r>
-              <a:rPr lang="nl-NL" dirty="0" err="1" smtClean="0"/>
-              <a:t>moments</a:t>
-            </a:r>
-            <a:endParaRPr lang="nl-NL" dirty="0"/>
-          </a:p>
-          <a:p>
-            <a:pPr lvl="1"/>
-            <a:r>
-              <a:rPr lang="nl-NL" dirty="0" smtClean="0"/>
-              <a:t>cv2.HuMoments(cv2.moments(image))</a:t>
-            </a:r>
-          </a:p>
-          <a:p>
-            <a:pPr lvl="1"/>
-            <a:r>
-              <a:rPr lang="en-US" dirty="0" smtClean="0"/>
-              <a:t>invariant </a:t>
-            </a:r>
-            <a:r>
-              <a:rPr lang="en-US" dirty="0"/>
-              <a:t>to </a:t>
-            </a:r>
-            <a:r>
-              <a:rPr lang="en-US" dirty="0" smtClean="0"/>
-              <a:t>image scaling, rotation, mirroring</a:t>
-            </a:r>
-          </a:p>
-          <a:p>
-            <a:pPr lvl="2"/>
-            <a:r>
-              <a:rPr lang="en-US" dirty="0" smtClean="0"/>
-              <a:t>“affine invariant”</a:t>
-            </a:r>
-          </a:p>
-          <a:p>
-            <a:pPr marL="457200" lvl="1" indent="0">
-              <a:buNone/>
-            </a:pPr>
-            <a:endParaRPr lang="nl-NL" dirty="0"/>
-          </a:p>
-          <a:p>
-            <a:r>
-              <a:rPr lang="nl-NL" dirty="0" err="1" smtClean="0"/>
-              <a:t>Compare</a:t>
-            </a:r>
-            <a:r>
-              <a:rPr lang="nl-NL" dirty="0" smtClean="0"/>
-              <a:t> </a:t>
-            </a:r>
-            <a:r>
-              <a:rPr lang="nl-NL" dirty="0" err="1" smtClean="0"/>
-              <a:t>two</a:t>
-            </a:r>
-            <a:r>
-              <a:rPr lang="nl-NL" dirty="0" smtClean="0"/>
-              <a:t> </a:t>
-            </a:r>
-            <a:r>
-              <a:rPr lang="nl-NL" dirty="0" err="1" smtClean="0"/>
-              <a:t>contours</a:t>
-            </a:r>
-            <a:endParaRPr lang="nl-NL" dirty="0" smtClean="0"/>
-          </a:p>
-          <a:p>
-            <a:pPr lvl="1"/>
-            <a:r>
-              <a:rPr lang="nl-NL" dirty="0" smtClean="0"/>
-              <a:t>cv2.matchShapes(contour1, contour2, …)</a:t>
-            </a:r>
-          </a:p>
-          <a:p>
-            <a:pPr lvl="1"/>
-            <a:r>
-              <a:rPr lang="nl-NL" dirty="0" err="1" smtClean="0"/>
-              <a:t>Based</a:t>
-            </a:r>
-            <a:r>
-              <a:rPr lang="nl-NL" dirty="0" smtClean="0"/>
-              <a:t> on Hu-</a:t>
-            </a:r>
-            <a:r>
-              <a:rPr lang="nl-NL" dirty="0" err="1" smtClean="0"/>
-              <a:t>moments</a:t>
-            </a:r>
-            <a:endParaRPr lang="nl-NL" dirty="0" smtClean="0"/>
-          </a:p>
-        </p:txBody>
-      </p:sp>
-      <p:sp>
-        <p:nvSpPr>
-          <p:cNvPr id="5" name="Tijdelijke aanduiding voor voettekst 4"/>
-          <p:cNvSpPr>
-            <a:spLocks noGrp="1"/>
-          </p:cNvSpPr>
-          <p:nvPr>
-            <p:ph type="ftr" sz="quarter" idx="11"/>
-          </p:nvPr>
-        </p:nvSpPr>
-        <p:spPr/>
-        <p:txBody>
-          <a:bodyPr/>
-          <a:lstStyle/>
-          <a:p>
-            <a:r>
-              <a:rPr lang="nl-NL" smtClean="0"/>
-              <a:t>OpenCV in ROS / Eric Dortmans / FHICT</a:t>
-            </a:r>
-          </a:p>
-          <a:p>
-            <a:endParaRPr lang="nl-NL" dirty="0"/>
-          </a:p>
-        </p:txBody>
-      </p:sp>
-    </p:spTree>
-    <p:extLst>
-      <p:ext uri="{BB962C8B-B14F-4D97-AF65-F5344CB8AC3E}">
-        <p14:creationId xmlns:p14="http://schemas.microsoft.com/office/powerpoint/2010/main" val="3137173672"/>
-      </p:ext>
-    </p:extLst>
-  </p:cSld>
-  <p:clrMapOvr>
-    <a:masterClrMapping/>
-  </p:clrMapOvr>
-  <p:timing>
-    <p:tnLst>
-      <p:par>
-        <p:cTn id="1" dur="indefinite" restart="never" nodeType="tmRoot"/>
-      </p:par>
-    </p:tnLst>
-  </p:timing>
-</p:sld>
-</file>
-
-<file path=ppt/slides/slide39.xml><?xml version="1.0" encoding="utf-8"?>
-<p:sld xmlns:a="http://schemas.openxmlformats.org/drawingml/2006/main" xmlns:r="http://schemas.openxmlformats.org/officeDocument/2006/relationships" xmlns:p="http://schemas.openxmlformats.org/presentationml/2006/main">
-  <p:cSld>
-    <p:spTree>
-      <p:nvGrpSpPr>
-        <p:cNvPr id="1" name=""/>
-        <p:cNvGrpSpPr/>
-        <p:nvPr/>
-      </p:nvGrpSpPr>
-      <p:grpSpPr>
-        <a:xfrm>
-          <a:off x="0" y="0"/>
-          <a:ext cx="0" cy="0"/>
-          <a:chOff x="0" y="0"/>
-          <a:chExt cx="0" cy="0"/>
-        </a:xfrm>
-      </p:grpSpPr>
-      <p:sp>
-        <p:nvSpPr>
-          <p:cNvPr id="5" name="Titel 4"/>
-          <p:cNvSpPr>
-            <a:spLocks noGrp="1"/>
-          </p:cNvSpPr>
-          <p:nvPr>
-            <p:ph type="title"/>
-          </p:nvPr>
-        </p:nvSpPr>
-        <p:spPr/>
-        <p:txBody>
-          <a:bodyPr/>
-          <a:lstStyle/>
-          <a:p>
-            <a:r>
-              <a:rPr lang="nl-NL" dirty="0" smtClean="0"/>
-              <a:t>Camera </a:t>
-            </a:r>
-            <a:r>
-              <a:rPr lang="nl-NL" dirty="0" err="1" smtClean="0"/>
-              <a:t>calibration</a:t>
-            </a:r>
-            <a:endParaRPr lang="nl-NL" dirty="0"/>
-          </a:p>
-        </p:txBody>
-      </p:sp>
-      <p:sp>
-        <p:nvSpPr>
-          <p:cNvPr id="6" name="Tijdelijke aanduiding voor tekst 5"/>
-          <p:cNvSpPr>
-            <a:spLocks noGrp="1"/>
-          </p:cNvSpPr>
-          <p:nvPr>
-            <p:ph type="body" idx="1"/>
-          </p:nvPr>
-        </p:nvSpPr>
-        <p:spPr/>
-        <p:txBody>
-          <a:bodyPr/>
-          <a:lstStyle/>
-          <a:p>
-            <a:endParaRPr lang="nl-NL"/>
-          </a:p>
-        </p:txBody>
-      </p:sp>
-      <p:sp>
-        <p:nvSpPr>
-          <p:cNvPr id="2" name="Tijdelijke aanduiding voor voettekst 1"/>
-          <p:cNvSpPr>
-            <a:spLocks noGrp="1"/>
-          </p:cNvSpPr>
-          <p:nvPr>
-            <p:ph type="ftr" sz="quarter" idx="11"/>
-          </p:nvPr>
-        </p:nvSpPr>
-        <p:spPr/>
-        <p:txBody>
-          <a:bodyPr/>
-          <a:lstStyle/>
-          <a:p>
-            <a:r>
-              <a:rPr lang="nl-NL" smtClean="0"/>
-              <a:t>OpenCV in ROS / Eric Dortmans / FHICT </a:t>
-            </a:r>
-            <a:endParaRPr lang="nl-NL"/>
-          </a:p>
-        </p:txBody>
-      </p:sp>
-    </p:spTree>
-    <p:extLst>
-      <p:ext uri="{BB962C8B-B14F-4D97-AF65-F5344CB8AC3E}">
-        <p14:creationId xmlns:p14="http://schemas.microsoft.com/office/powerpoint/2010/main" val="2043609667"/>
-      </p:ext>
-    </p:extLst>
-  </p:cSld>
-  <p:clrMapOvr>
-    <a:masterClrMapping/>
-  </p:clrMapOvr>
-</p:sld>
-</file>
-
 <file path=ppt/slides/slide4.xml><?xml version="1.0" encoding="utf-8"?>
 <p:sld xmlns:a="http://schemas.openxmlformats.org/drawingml/2006/main" xmlns:r="http://schemas.openxmlformats.org/officeDocument/2006/relationships" xmlns:p="http://schemas.openxmlformats.org/presentationml/2006/main">
   <p:cSld>
@@ -13643,6 +15120,310 @@
           <a:p>
             <a:r>
               <a:rPr lang="nl-NL" dirty="0" smtClean="0"/>
+              <a:t>Contour </a:t>
+            </a:r>
+            <a:r>
+              <a:rPr lang="nl-NL" dirty="0" err="1" smtClean="0"/>
+              <a:t>shape</a:t>
+            </a:r>
+            <a:r>
+              <a:rPr lang="nl-NL" dirty="0"/>
+              <a:t> </a:t>
+            </a:r>
+            <a:r>
+              <a:rPr lang="nl-NL" dirty="0" smtClean="0"/>
+              <a:t>matching</a:t>
+            </a:r>
+            <a:endParaRPr lang="nl-NL" dirty="0"/>
+          </a:p>
+        </p:txBody>
+      </p:sp>
+      <p:sp>
+        <p:nvSpPr>
+          <p:cNvPr id="3" name="Tijdelijke aanduiding voor inhoud 2"/>
+          <p:cNvSpPr>
+            <a:spLocks noGrp="1"/>
+          </p:cNvSpPr>
+          <p:nvPr>
+            <p:ph idx="1"/>
+          </p:nvPr>
+        </p:nvSpPr>
+        <p:spPr/>
+        <p:txBody>
+          <a:bodyPr/>
+          <a:lstStyle/>
+          <a:p>
+            <a:r>
+              <a:rPr lang="nl-NL" dirty="0" smtClean="0"/>
+              <a:t>Hu </a:t>
+            </a:r>
+            <a:r>
+              <a:rPr lang="nl-NL" dirty="0" err="1" smtClean="0"/>
+              <a:t>moments</a:t>
+            </a:r>
+            <a:endParaRPr lang="nl-NL" dirty="0"/>
+          </a:p>
+          <a:p>
+            <a:pPr lvl="1"/>
+            <a:r>
+              <a:rPr lang="nl-NL" dirty="0" smtClean="0"/>
+              <a:t>cv2.HuMoments(cv2.moments(image))</a:t>
+            </a:r>
+          </a:p>
+          <a:p>
+            <a:pPr lvl="1"/>
+            <a:r>
+              <a:rPr lang="en-US" dirty="0" smtClean="0"/>
+              <a:t>invariant </a:t>
+            </a:r>
+            <a:r>
+              <a:rPr lang="en-US" dirty="0"/>
+              <a:t>to </a:t>
+            </a:r>
+            <a:r>
+              <a:rPr lang="en-US" dirty="0" smtClean="0"/>
+              <a:t>image scaling, rotation, mirroring</a:t>
+            </a:r>
+          </a:p>
+          <a:p>
+            <a:pPr lvl="2"/>
+            <a:r>
+              <a:rPr lang="en-US" dirty="0" smtClean="0"/>
+              <a:t>“affine invariant”</a:t>
+            </a:r>
+          </a:p>
+          <a:p>
+            <a:pPr marL="457200" lvl="1" indent="0">
+              <a:buNone/>
+            </a:pPr>
+            <a:endParaRPr lang="nl-NL" dirty="0"/>
+          </a:p>
+          <a:p>
+            <a:r>
+              <a:rPr lang="nl-NL" dirty="0" err="1" smtClean="0"/>
+              <a:t>Compare</a:t>
+            </a:r>
+            <a:r>
+              <a:rPr lang="nl-NL" dirty="0" smtClean="0"/>
+              <a:t> </a:t>
+            </a:r>
+            <a:r>
+              <a:rPr lang="nl-NL" dirty="0" err="1" smtClean="0"/>
+              <a:t>two</a:t>
+            </a:r>
+            <a:r>
+              <a:rPr lang="nl-NL" dirty="0" smtClean="0"/>
+              <a:t> </a:t>
+            </a:r>
+            <a:r>
+              <a:rPr lang="nl-NL" dirty="0" err="1" smtClean="0"/>
+              <a:t>contours</a:t>
+            </a:r>
+            <a:endParaRPr lang="nl-NL" dirty="0" smtClean="0"/>
+          </a:p>
+          <a:p>
+            <a:pPr lvl="1"/>
+            <a:r>
+              <a:rPr lang="nl-NL" dirty="0" smtClean="0"/>
+              <a:t>cv2.matchShapes(contour1, contour2, …)</a:t>
+            </a:r>
+          </a:p>
+          <a:p>
+            <a:pPr lvl="1"/>
+            <a:r>
+              <a:rPr lang="nl-NL" dirty="0" err="1" smtClean="0"/>
+              <a:t>Based</a:t>
+            </a:r>
+            <a:r>
+              <a:rPr lang="nl-NL" dirty="0" smtClean="0"/>
+              <a:t> on Hu-</a:t>
+            </a:r>
+            <a:r>
+              <a:rPr lang="nl-NL" dirty="0" err="1" smtClean="0"/>
+              <a:t>moments</a:t>
+            </a:r>
+            <a:endParaRPr lang="nl-NL" dirty="0" smtClean="0"/>
+          </a:p>
+        </p:txBody>
+      </p:sp>
+      <p:sp>
+        <p:nvSpPr>
+          <p:cNvPr id="5" name="Tijdelijke aanduiding voor voettekst 4"/>
+          <p:cNvSpPr>
+            <a:spLocks noGrp="1"/>
+          </p:cNvSpPr>
+          <p:nvPr>
+            <p:ph type="ftr" sz="quarter" idx="11"/>
+          </p:nvPr>
+        </p:nvSpPr>
+        <p:spPr/>
+        <p:txBody>
+          <a:bodyPr/>
+          <a:lstStyle/>
+          <a:p>
+            <a:r>
+              <a:rPr lang="nl-NL" smtClean="0"/>
+              <a:t>OpenCV in ROS / Eric Dortmans / FHICT</a:t>
+            </a:r>
+          </a:p>
+          <a:p>
+            <a:endParaRPr lang="nl-NL" dirty="0"/>
+          </a:p>
+        </p:txBody>
+      </p:sp>
+    </p:spTree>
+    <p:extLst>
+      <p:ext uri="{BB962C8B-B14F-4D97-AF65-F5344CB8AC3E}">
+        <p14:creationId xmlns:p14="http://schemas.microsoft.com/office/powerpoint/2010/main" val="3137173672"/>
+      </p:ext>
+    </p:extLst>
+  </p:cSld>
+  <p:clrMapOvr>
+    <a:masterClrMapping/>
+  </p:clrMapOvr>
+  <p:timing>
+    <p:tnLst>
+      <p:par>
+        <p:cTn id="1" dur="indefinite" restart="never" nodeType="tmRoot"/>
+      </p:par>
+    </p:tnLst>
+  </p:timing>
+</p:sld>
+</file>
+
+<file path=ppt/slides/slide41.xml><?xml version="1.0" encoding="utf-8"?>
+<p:sld xmlns:a="http://schemas.openxmlformats.org/drawingml/2006/main" xmlns:r="http://schemas.openxmlformats.org/officeDocument/2006/relationships" xmlns:p="http://schemas.openxmlformats.org/presentationml/2006/main">
+  <p:cSld>
+    <p:spTree>
+      <p:nvGrpSpPr>
+        <p:cNvPr id="1" name=""/>
+        <p:cNvGrpSpPr/>
+        <p:nvPr/>
+      </p:nvGrpSpPr>
+      <p:grpSpPr>
+        <a:xfrm>
+          <a:off x="0" y="0"/>
+          <a:ext cx="0" cy="0"/>
+          <a:chOff x="0" y="0"/>
+          <a:chExt cx="0" cy="0"/>
+        </a:xfrm>
+      </p:grpSpPr>
+      <p:sp>
+        <p:nvSpPr>
+          <p:cNvPr id="5" name="Titel 4"/>
+          <p:cNvSpPr>
+            <a:spLocks noGrp="1"/>
+          </p:cNvSpPr>
+          <p:nvPr>
+            <p:ph type="title"/>
+          </p:nvPr>
+        </p:nvSpPr>
+        <p:spPr/>
+        <p:txBody>
+          <a:bodyPr/>
+          <a:lstStyle/>
+          <a:p>
+            <a:r>
+              <a:rPr lang="nl-NL" dirty="0" smtClean="0"/>
+              <a:t>Camera </a:t>
+            </a:r>
+            <a:r>
+              <a:rPr lang="nl-NL" dirty="0" err="1" smtClean="0"/>
+              <a:t>calibration</a:t>
+            </a:r>
+            <a:endParaRPr lang="nl-NL" dirty="0"/>
+          </a:p>
+        </p:txBody>
+      </p:sp>
+      <p:sp>
+        <p:nvSpPr>
+          <p:cNvPr id="6" name="Tijdelijke aanduiding voor tekst 5"/>
+          <p:cNvSpPr>
+            <a:spLocks noGrp="1"/>
+          </p:cNvSpPr>
+          <p:nvPr>
+            <p:ph type="body" idx="1"/>
+          </p:nvPr>
+        </p:nvSpPr>
+        <p:spPr/>
+        <p:txBody>
+          <a:bodyPr/>
+          <a:lstStyle/>
+          <a:p>
+            <a:endParaRPr lang="nl-NL"/>
+          </a:p>
+        </p:txBody>
+      </p:sp>
+      <p:sp>
+        <p:nvSpPr>
+          <p:cNvPr id="2" name="Tijdelijke aanduiding voor voettekst 1"/>
+          <p:cNvSpPr>
+            <a:spLocks noGrp="1"/>
+          </p:cNvSpPr>
+          <p:nvPr>
+            <p:ph type="ftr" sz="quarter" idx="11"/>
+          </p:nvPr>
+        </p:nvSpPr>
+        <p:spPr/>
+        <p:txBody>
+          <a:bodyPr/>
+          <a:lstStyle/>
+          <a:p>
+            <a:r>
+              <a:rPr lang="nl-NL" smtClean="0"/>
+              <a:t>OpenCV in ROS / Eric Dortmans / FHICT </a:t>
+            </a:r>
+            <a:endParaRPr lang="nl-NL"/>
+          </a:p>
+        </p:txBody>
+      </p:sp>
+    </p:spTree>
+    <p:extLst>
+      <p:ext uri="{BB962C8B-B14F-4D97-AF65-F5344CB8AC3E}">
+        <p14:creationId xmlns:p14="http://schemas.microsoft.com/office/powerpoint/2010/main" val="2043609667"/>
+      </p:ext>
+    </p:extLst>
+  </p:cSld>
+  <p:clrMapOvr>
+    <a:masterClrMapping/>
+  </p:clrMapOvr>
+</p:sld>
+</file>
+
+<file path=ppt/slides/slide42.xml><?xml version="1.0" encoding="utf-8"?>
+<p:sld xmlns:a="http://schemas.openxmlformats.org/drawingml/2006/main" xmlns:r="http://schemas.openxmlformats.org/officeDocument/2006/relationships" xmlns:p="http://schemas.openxmlformats.org/presentationml/2006/main">
+  <p:cSld>
+    <p:spTree>
+      <p:nvGrpSpPr>
+        <p:cNvPr id="1" name=""/>
+        <p:cNvGrpSpPr/>
+        <p:nvPr/>
+      </p:nvGrpSpPr>
+      <p:grpSpPr>
+        <a:xfrm>
+          <a:off x="0" y="0"/>
+          <a:ext cx="0" cy="0"/>
+          <a:chOff x="0" y="0"/>
+          <a:chExt cx="0" cy="0"/>
+        </a:xfrm>
+      </p:grpSpPr>
+      <p:sp>
+        <p:nvSpPr>
+          <p:cNvPr id="2" name="Titel 1"/>
+          <p:cNvSpPr>
+            <a:spLocks noGrp="1"/>
+          </p:cNvSpPr>
+          <p:nvPr>
+            <p:ph type="title"/>
+          </p:nvPr>
+        </p:nvSpPr>
+        <p:spPr/>
+        <p:txBody>
+          <a:bodyPr/>
+          <a:lstStyle/>
+          <a:p>
+            <a:r>
+              <a:rPr lang="nl-NL" dirty="0" smtClean="0"/>
               <a:t>Camera</a:t>
             </a:r>
             <a:endParaRPr lang="nl-NL" dirty="0"/>
@@ -13672,7 +15453,7 @@
         </p:blipFill>
         <p:spPr bwMode="auto">
           <a:xfrm>
-            <a:off x="1547664" y="1988840"/>
+            <a:off x="1475656" y="2108095"/>
             <a:ext cx="6415528" cy="4180088"/>
           </a:xfrm>
           <a:prstGeom prst="rect">
@@ -13777,7 +15558,7 @@
 </p:sld>
 </file>
 
-<file path=ppt/slides/slide41.xml><?xml version="1.0" encoding="utf-8"?>
+<file path=ppt/slides/slide43.xml><?xml version="1.0" encoding="utf-8"?>
 <p:sld xmlns:a="http://schemas.openxmlformats.org/drawingml/2006/main" xmlns:r="http://schemas.openxmlformats.org/officeDocument/2006/relationships" xmlns:p="http://schemas.openxmlformats.org/presentationml/2006/main">
   <p:cSld>
     <p:spTree>
@@ -14111,7 +15892,7 @@
 </p:sld>
 </file>
 
-<file path=ppt/slides/slide42.xml><?xml version="1.0" encoding="utf-8"?>
+<file path=ppt/slides/slide44.xml><?xml version="1.0" encoding="utf-8"?>
 <p:sld xmlns:a="http://schemas.openxmlformats.org/drawingml/2006/main" xmlns:r="http://schemas.openxmlformats.org/officeDocument/2006/relationships" xmlns:p="http://schemas.openxmlformats.org/presentationml/2006/main">
   <p:cSld>
     <p:spTree>
@@ -14360,7 +16141,7 @@
 </p:sld>
 </file>
 
-<file path=ppt/slides/slide43.xml><?xml version="1.0" encoding="utf-8"?>
+<file path=ppt/slides/slide45.xml><?xml version="1.0" encoding="utf-8"?>
 <p:sld xmlns:a="http://schemas.openxmlformats.org/drawingml/2006/main" xmlns:r="http://schemas.openxmlformats.org/officeDocument/2006/relationships" xmlns:p="http://schemas.openxmlformats.org/presentationml/2006/main">
   <p:cSld>
     <p:spTree>
@@ -14486,19 +16267,7 @@
             </a:r>
             <a:r>
               <a:rPr lang="nl-NL" dirty="0" smtClean="0"/>
-              <a:t>(w**2 </a:t>
-            </a:r>
-            <a:r>
-              <a:rPr lang="nl-NL" dirty="0" smtClean="0"/>
-              <a:t>+ </a:t>
-            </a:r>
-            <a:r>
-              <a:rPr lang="nl-NL" dirty="0" smtClean="0"/>
-              <a:t>h**2</a:t>
-            </a:r>
-            <a:r>
-              <a:rPr lang="nl-NL" dirty="0" smtClean="0"/>
-              <a:t>) / 2 / tan(DFOV/2)</a:t>
+              <a:t>(w**2 + h**2) / 2 / tan(DFOV/2)</a:t>
             </a:r>
           </a:p>
           <a:p>
@@ -14652,7 +16421,7 @@
 </p:sld>
 </file>
 
-<file path=ppt/slides/slide44.xml><?xml version="1.0" encoding="utf-8"?>
+<file path=ppt/slides/slide46.xml><?xml version="1.0" encoding="utf-8"?>
 <p:sld xmlns:a="http://schemas.openxmlformats.org/drawingml/2006/main" xmlns:r="http://schemas.openxmlformats.org/officeDocument/2006/relationships" xmlns:p="http://schemas.openxmlformats.org/presentationml/2006/main">
   <p:cSld>
     <p:spTree>
@@ -14917,7 +16686,7 @@
 </p:sld>
 </file>
 
-<file path=ppt/slides/slide45.xml><?xml version="1.0" encoding="utf-8"?>
+<file path=ppt/slides/slide47.xml><?xml version="1.0" encoding="utf-8"?>
 <p:sld xmlns:a="http://schemas.openxmlformats.org/drawingml/2006/main" xmlns:r="http://schemas.openxmlformats.org/officeDocument/2006/relationships" xmlns:p="http://schemas.openxmlformats.org/presentationml/2006/main">
   <p:cSld>
     <p:spTree>
@@ -15141,7 +16910,7 @@
 </p:sld>
 </file>
 
-<file path=ppt/slides/slide46.xml><?xml version="1.0" encoding="utf-8"?>
+<file path=ppt/slides/slide48.xml><?xml version="1.0" encoding="utf-8"?>
 <p:sld xmlns:a="http://schemas.openxmlformats.org/drawingml/2006/main" xmlns:r="http://schemas.openxmlformats.org/officeDocument/2006/relationships" xmlns:p="http://schemas.openxmlformats.org/presentationml/2006/main">
   <p:cSld>
     <p:spTree>
@@ -15526,7 +17295,7 @@
 </p:sld>
 </file>
 
-<file path=ppt/slides/slide47.xml><?xml version="1.0" encoding="utf-8"?>
+<file path=ppt/slides/slide49.xml><?xml version="1.0" encoding="utf-8"?>
 <p:sld xmlns:a="http://schemas.openxmlformats.org/drawingml/2006/main" xmlns:r="http://schemas.openxmlformats.org/officeDocument/2006/relationships" xmlns:p="http://schemas.openxmlformats.org/presentationml/2006/main">
   <p:cSld>
     <p:spTree>
@@ -15934,7 +17703,284 @@
 </p:sld>
 </file>
 
-<file path=ppt/slides/slide48.xml><?xml version="1.0" encoding="utf-8"?>
+<file path=ppt/slides/slide5.xml><?xml version="1.0" encoding="utf-8"?>
+<p:sld xmlns:a="http://schemas.openxmlformats.org/drawingml/2006/main" xmlns:r="http://schemas.openxmlformats.org/officeDocument/2006/relationships" xmlns:p="http://schemas.openxmlformats.org/presentationml/2006/main">
+  <p:cSld>
+    <p:spTree>
+      <p:nvGrpSpPr>
+        <p:cNvPr id="1" name=""/>
+        <p:cNvGrpSpPr/>
+        <p:nvPr/>
+      </p:nvGrpSpPr>
+      <p:grpSpPr>
+        <a:xfrm>
+          <a:off x="0" y="0"/>
+          <a:ext cx="0" cy="0"/>
+          <a:chOff x="0" y="0"/>
+          <a:chExt cx="0" cy="0"/>
+        </a:xfrm>
+      </p:grpSpPr>
+      <p:sp>
+        <p:nvSpPr>
+          <p:cNvPr id="2" name="Titel 1"/>
+          <p:cNvSpPr>
+            <a:spLocks noGrp="1"/>
+          </p:cNvSpPr>
+          <p:nvPr>
+            <p:ph type="title"/>
+          </p:nvPr>
+        </p:nvSpPr>
+        <p:spPr/>
+        <p:txBody>
+          <a:bodyPr/>
+          <a:lstStyle/>
+          <a:p>
+            <a:r>
+              <a:rPr lang="nl-NL" dirty="0" smtClean="0"/>
+              <a:t>Python API</a:t>
+            </a:r>
+            <a:endParaRPr lang="nl-NL" dirty="0"/>
+          </a:p>
+        </p:txBody>
+      </p:sp>
+      <p:sp>
+        <p:nvSpPr>
+          <p:cNvPr id="3" name="Tijdelijke aanduiding voor inhoud 2"/>
+          <p:cNvSpPr>
+            <a:spLocks noGrp="1"/>
+          </p:cNvSpPr>
+          <p:nvPr>
+            <p:ph idx="1"/>
+          </p:nvPr>
+        </p:nvSpPr>
+        <p:spPr/>
+        <p:txBody>
+          <a:bodyPr>
+            <a:normAutofit fontScale="92500"/>
+          </a:bodyPr>
+          <a:lstStyle/>
+          <a:p>
+            <a:r>
+              <a:rPr lang="nl-NL" dirty="0" smtClean="0"/>
+              <a:t>Python</a:t>
+            </a:r>
+          </a:p>
+          <a:p>
+            <a:pPr lvl="1"/>
+            <a:r>
+              <a:rPr lang="nl-NL" dirty="0">
+                <a:hlinkClick r:id="rId2"/>
+              </a:rPr>
+              <a:t>https://www.python.org</a:t>
+            </a:r>
+            <a:r>
+              <a:rPr lang="nl-NL" dirty="0" smtClean="0">
+                <a:hlinkClick r:id="rId2"/>
+              </a:rPr>
+              <a:t>/</a:t>
+            </a:r>
+            <a:r>
+              <a:rPr lang="nl-NL" dirty="0" smtClean="0"/>
+              <a:t> </a:t>
+            </a:r>
+          </a:p>
+          <a:p>
+            <a:pPr lvl="1"/>
+            <a:r>
+              <a:rPr lang="en-US" dirty="0">
+                <a:hlinkClick r:id="rId3"/>
+              </a:rPr>
+              <a:t>https://learnxinyminutes.com/docs/python</a:t>
+            </a:r>
+            <a:r>
+              <a:rPr lang="en-US" dirty="0" smtClean="0">
+                <a:hlinkClick r:id="rId3"/>
+              </a:rPr>
+              <a:t>/</a:t>
+            </a:r>
+            <a:endParaRPr lang="en-US" dirty="0" smtClean="0"/>
+          </a:p>
+          <a:p>
+            <a:pPr lvl="1"/>
+            <a:r>
+              <a:rPr lang="nl-NL" dirty="0">
+                <a:hlinkClick r:id="rId4"/>
+              </a:rPr>
+              <a:t>https://learnpythonthehardway.org/book</a:t>
+            </a:r>
+            <a:r>
+              <a:rPr lang="nl-NL" dirty="0" smtClean="0">
+                <a:hlinkClick r:id="rId4"/>
+              </a:rPr>
+              <a:t>/</a:t>
+            </a:r>
+            <a:r>
+              <a:rPr lang="nl-NL" dirty="0" smtClean="0"/>
+              <a:t> </a:t>
+            </a:r>
+          </a:p>
+          <a:p>
+            <a:r>
+              <a:rPr lang="nl-NL" dirty="0" err="1" smtClean="0"/>
+              <a:t>OpenCV</a:t>
+            </a:r>
+            <a:r>
+              <a:rPr lang="nl-NL" dirty="0" smtClean="0"/>
+              <a:t>-Python </a:t>
+            </a:r>
+            <a:r>
+              <a:rPr lang="nl-NL" dirty="0" err="1" smtClean="0"/>
+              <a:t>Tutorials</a:t>
+            </a:r>
+            <a:endParaRPr lang="nl-NL" dirty="0" smtClean="0"/>
+          </a:p>
+          <a:p>
+            <a:pPr lvl="1"/>
+            <a:r>
+              <a:rPr lang="nl-NL" dirty="0" smtClean="0">
+                <a:hlinkClick r:id="rId5"/>
+              </a:rPr>
+              <a:t>https</a:t>
+            </a:r>
+            <a:r>
+              <a:rPr lang="nl-NL" dirty="0">
+                <a:hlinkClick r:id="rId5"/>
+              </a:rPr>
+              <a:t>://opencv-python-tutroals.readthedocs.io</a:t>
+            </a:r>
+            <a:r>
+              <a:rPr lang="nl-NL" dirty="0" smtClean="0">
+                <a:hlinkClick r:id="rId5"/>
+              </a:rPr>
+              <a:t>/</a:t>
+            </a:r>
+            <a:endParaRPr lang="nl-NL" dirty="0" smtClean="0"/>
+          </a:p>
+          <a:p>
+            <a:pPr lvl="1"/>
+            <a:r>
+              <a:rPr lang="nl-NL" dirty="0">
+                <a:hlinkClick r:id="rId6"/>
+              </a:rPr>
+              <a:t>https://pythonprogramming.net/loading-images-python-opencv-tutorial</a:t>
+            </a:r>
+            <a:r>
+              <a:rPr lang="nl-NL" dirty="0" smtClean="0">
+                <a:hlinkClick r:id="rId6"/>
+              </a:rPr>
+              <a:t>/</a:t>
+            </a:r>
+            <a:endParaRPr lang="nl-NL" dirty="0" smtClean="0"/>
+          </a:p>
+          <a:p>
+            <a:pPr lvl="1"/>
+            <a:r>
+              <a:rPr lang="nl-NL" dirty="0">
+                <a:hlinkClick r:id="rId7"/>
+              </a:rPr>
+              <a:t>http://</a:t>
+            </a:r>
+            <a:r>
+              <a:rPr lang="nl-NL" dirty="0" smtClean="0">
+                <a:hlinkClick r:id="rId7"/>
+              </a:rPr>
+              <a:t>www.pyimagesearch.com/category/tutorials</a:t>
+            </a:r>
+            <a:r>
+              <a:rPr lang="nl-NL" dirty="0" smtClean="0"/>
+              <a:t> </a:t>
+            </a:r>
+            <a:endParaRPr lang="nl-NL" dirty="0"/>
+          </a:p>
+        </p:txBody>
+      </p:sp>
+      <p:pic>
+        <p:nvPicPr>
+          <p:cNvPr id="2050" name="Picture 2" descr="python™"/>
+          <p:cNvPicPr>
+            <a:picLocks noChangeAspect="1" noChangeArrowheads="1"/>
+          </p:cNvPicPr>
+          <p:nvPr/>
+        </p:nvPicPr>
+        <p:blipFill>
+          <a:blip r:embed="rId8">
+            <a:extLst>
+              <a:ext uri="{28A0092B-C50C-407E-A947-70E740481C1C}">
+                <a14:useLocalDpi xmlns:a14="http://schemas.microsoft.com/office/drawing/2010/main" val="0"/>
+              </a:ext>
+            </a:extLst>
+          </a:blip>
+          <a:srcRect/>
+          <a:stretch>
+            <a:fillRect/>
+          </a:stretch>
+        </p:blipFill>
+        <p:spPr bwMode="auto">
+          <a:xfrm>
+            <a:off x="6238875" y="455612"/>
+            <a:ext cx="2762250" cy="781051"/>
+          </a:xfrm>
+          <a:prstGeom prst="rect">
+            <a:avLst/>
+          </a:prstGeom>
+          <a:noFill/>
+          <a:extLst>
+            <a:ext uri="{909E8E84-426E-40DD-AFC4-6F175D3DCCD1}">
+              <a14:hiddenFill xmlns:a14="http://schemas.microsoft.com/office/drawing/2010/main">
+                <a:solidFill>
+                  <a:srgbClr val="FFFFFF"/>
+                </a:solidFill>
+              </a14:hiddenFill>
+            </a:ext>
+          </a:extLst>
+        </p:spPr>
+      </p:pic>
+      <p:sp>
+        <p:nvSpPr>
+          <p:cNvPr id="5" name="Tijdelijke aanduiding voor voettekst 4"/>
+          <p:cNvSpPr>
+            <a:spLocks noGrp="1"/>
+          </p:cNvSpPr>
+          <p:nvPr>
+            <p:ph type="ftr" sz="quarter" idx="11"/>
+          </p:nvPr>
+        </p:nvSpPr>
+        <p:spPr/>
+        <p:txBody>
+          <a:bodyPr/>
+          <a:lstStyle/>
+          <a:p>
+            <a:r>
+              <a:rPr lang="nl-NL" smtClean="0"/>
+              <a:t>OpenCV in ROS / Eric Dortmans / FHICT</a:t>
+            </a:r>
+          </a:p>
+          <a:p>
+            <a:endParaRPr lang="nl-NL" dirty="0"/>
+          </a:p>
+        </p:txBody>
+      </p:sp>
+    </p:spTree>
+    <p:extLst>
+      <p:ext uri="{BB962C8B-B14F-4D97-AF65-F5344CB8AC3E}">
+        <p14:creationId xmlns:p14="http://schemas.microsoft.com/office/powerpoint/2010/main" val="2274812774"/>
+      </p:ext>
+    </p:extLst>
+  </p:cSld>
+  <p:clrMapOvr>
+    <a:masterClrMapping/>
+  </p:clrMapOvr>
+  <p:timing>
+    <p:tnLst>
+      <p:par>
+        <p:cTn id="1" dur="indefinite" restart="never" nodeType="tmRoot"/>
+      </p:par>
+    </p:tnLst>
+  </p:timing>
+</p:sld>
+</file>
+
+<file path=ppt/slides/slide50.xml><?xml version="1.0" encoding="utf-8"?>
 <p:sld xmlns:a="http://schemas.openxmlformats.org/drawingml/2006/main" xmlns:r="http://schemas.openxmlformats.org/officeDocument/2006/relationships" xmlns:p="http://schemas.openxmlformats.org/presentationml/2006/main">
   <p:cSld>
     <p:spTree>
@@ -16318,7 +18364,7 @@
 </p:sld>
 </file>
 
-<file path=ppt/slides/slide49.xml><?xml version="1.0" encoding="utf-8"?>
+<file path=ppt/slides/slide51.xml><?xml version="1.0" encoding="utf-8"?>
 <p:sld xmlns:a="http://schemas.openxmlformats.org/drawingml/2006/main" xmlns:r="http://schemas.openxmlformats.org/officeDocument/2006/relationships" xmlns:p="http://schemas.openxmlformats.org/presentationml/2006/main">
   <p:cSld>
     <p:spTree>
@@ -16432,284 +18478,7 @@
 </p:sld>
 </file>
 
-<file path=ppt/slides/slide5.xml><?xml version="1.0" encoding="utf-8"?>
-<p:sld xmlns:a="http://schemas.openxmlformats.org/drawingml/2006/main" xmlns:r="http://schemas.openxmlformats.org/officeDocument/2006/relationships" xmlns:p="http://schemas.openxmlformats.org/presentationml/2006/main">
-  <p:cSld>
-    <p:spTree>
-      <p:nvGrpSpPr>
-        <p:cNvPr id="1" name=""/>
-        <p:cNvGrpSpPr/>
-        <p:nvPr/>
-      </p:nvGrpSpPr>
-      <p:grpSpPr>
-        <a:xfrm>
-          <a:off x="0" y="0"/>
-          <a:ext cx="0" cy="0"/>
-          <a:chOff x="0" y="0"/>
-          <a:chExt cx="0" cy="0"/>
-        </a:xfrm>
-      </p:grpSpPr>
-      <p:sp>
-        <p:nvSpPr>
-          <p:cNvPr id="2" name="Titel 1"/>
-          <p:cNvSpPr>
-            <a:spLocks noGrp="1"/>
-          </p:cNvSpPr>
-          <p:nvPr>
-            <p:ph type="title"/>
-          </p:nvPr>
-        </p:nvSpPr>
-        <p:spPr/>
-        <p:txBody>
-          <a:bodyPr/>
-          <a:lstStyle/>
-          <a:p>
-            <a:r>
-              <a:rPr lang="nl-NL" dirty="0" smtClean="0"/>
-              <a:t>Python API</a:t>
-            </a:r>
-            <a:endParaRPr lang="nl-NL" dirty="0"/>
-          </a:p>
-        </p:txBody>
-      </p:sp>
-      <p:sp>
-        <p:nvSpPr>
-          <p:cNvPr id="3" name="Tijdelijke aanduiding voor inhoud 2"/>
-          <p:cNvSpPr>
-            <a:spLocks noGrp="1"/>
-          </p:cNvSpPr>
-          <p:nvPr>
-            <p:ph idx="1"/>
-          </p:nvPr>
-        </p:nvSpPr>
-        <p:spPr/>
-        <p:txBody>
-          <a:bodyPr>
-            <a:normAutofit fontScale="92500"/>
-          </a:bodyPr>
-          <a:lstStyle/>
-          <a:p>
-            <a:r>
-              <a:rPr lang="nl-NL" dirty="0" smtClean="0"/>
-              <a:t>Python</a:t>
-            </a:r>
-          </a:p>
-          <a:p>
-            <a:pPr lvl="1"/>
-            <a:r>
-              <a:rPr lang="nl-NL" dirty="0">
-                <a:hlinkClick r:id="rId2"/>
-              </a:rPr>
-              <a:t>https://www.python.org</a:t>
-            </a:r>
-            <a:r>
-              <a:rPr lang="nl-NL" dirty="0" smtClean="0">
-                <a:hlinkClick r:id="rId2"/>
-              </a:rPr>
-              <a:t>/</a:t>
-            </a:r>
-            <a:r>
-              <a:rPr lang="nl-NL" dirty="0" smtClean="0"/>
-              <a:t> </a:t>
-            </a:r>
-          </a:p>
-          <a:p>
-            <a:pPr lvl="1"/>
-            <a:r>
-              <a:rPr lang="en-US" dirty="0">
-                <a:hlinkClick r:id="rId3"/>
-              </a:rPr>
-              <a:t>https://learnxinyminutes.com/docs/python</a:t>
-            </a:r>
-            <a:r>
-              <a:rPr lang="en-US" dirty="0" smtClean="0">
-                <a:hlinkClick r:id="rId3"/>
-              </a:rPr>
-              <a:t>/</a:t>
-            </a:r>
-            <a:endParaRPr lang="en-US" dirty="0" smtClean="0"/>
-          </a:p>
-          <a:p>
-            <a:pPr lvl="1"/>
-            <a:r>
-              <a:rPr lang="nl-NL" dirty="0">
-                <a:hlinkClick r:id="rId4"/>
-              </a:rPr>
-              <a:t>https://learnpythonthehardway.org/book</a:t>
-            </a:r>
-            <a:r>
-              <a:rPr lang="nl-NL" dirty="0" smtClean="0">
-                <a:hlinkClick r:id="rId4"/>
-              </a:rPr>
-              <a:t>/</a:t>
-            </a:r>
-            <a:r>
-              <a:rPr lang="nl-NL" dirty="0" smtClean="0"/>
-              <a:t> </a:t>
-            </a:r>
-          </a:p>
-          <a:p>
-            <a:r>
-              <a:rPr lang="nl-NL" dirty="0" err="1" smtClean="0"/>
-              <a:t>OpenCV</a:t>
-            </a:r>
-            <a:r>
-              <a:rPr lang="nl-NL" dirty="0" smtClean="0"/>
-              <a:t>-Python </a:t>
-            </a:r>
-            <a:r>
-              <a:rPr lang="nl-NL" dirty="0" err="1" smtClean="0"/>
-              <a:t>Tutorials</a:t>
-            </a:r>
-            <a:endParaRPr lang="nl-NL" dirty="0" smtClean="0"/>
-          </a:p>
-          <a:p>
-            <a:pPr lvl="1"/>
-            <a:r>
-              <a:rPr lang="nl-NL" dirty="0" smtClean="0">
-                <a:hlinkClick r:id="rId5"/>
-              </a:rPr>
-              <a:t>https</a:t>
-            </a:r>
-            <a:r>
-              <a:rPr lang="nl-NL" dirty="0">
-                <a:hlinkClick r:id="rId5"/>
-              </a:rPr>
-              <a:t>://opencv-python-tutroals.readthedocs.io</a:t>
-            </a:r>
-            <a:r>
-              <a:rPr lang="nl-NL" dirty="0" smtClean="0">
-                <a:hlinkClick r:id="rId5"/>
-              </a:rPr>
-              <a:t>/</a:t>
-            </a:r>
-            <a:endParaRPr lang="nl-NL" dirty="0" smtClean="0"/>
-          </a:p>
-          <a:p>
-            <a:pPr lvl="1"/>
-            <a:r>
-              <a:rPr lang="nl-NL" dirty="0">
-                <a:hlinkClick r:id="rId6"/>
-              </a:rPr>
-              <a:t>https://pythonprogramming.net/loading-images-python-opencv-tutorial</a:t>
-            </a:r>
-            <a:r>
-              <a:rPr lang="nl-NL" dirty="0" smtClean="0">
-                <a:hlinkClick r:id="rId6"/>
-              </a:rPr>
-              <a:t>/</a:t>
-            </a:r>
-            <a:endParaRPr lang="nl-NL" dirty="0" smtClean="0"/>
-          </a:p>
-          <a:p>
-            <a:pPr lvl="1"/>
-            <a:r>
-              <a:rPr lang="nl-NL" dirty="0">
-                <a:hlinkClick r:id="rId7"/>
-              </a:rPr>
-              <a:t>http://</a:t>
-            </a:r>
-            <a:r>
-              <a:rPr lang="nl-NL" dirty="0" smtClean="0">
-                <a:hlinkClick r:id="rId7"/>
-              </a:rPr>
-              <a:t>www.pyimagesearch.com/category/tutorials</a:t>
-            </a:r>
-            <a:r>
-              <a:rPr lang="nl-NL" dirty="0" smtClean="0"/>
-              <a:t> </a:t>
-            </a:r>
-            <a:endParaRPr lang="nl-NL" dirty="0"/>
-          </a:p>
-        </p:txBody>
-      </p:sp>
-      <p:pic>
-        <p:nvPicPr>
-          <p:cNvPr id="2050" name="Picture 2" descr="python™"/>
-          <p:cNvPicPr>
-            <a:picLocks noChangeAspect="1" noChangeArrowheads="1"/>
-          </p:cNvPicPr>
-          <p:nvPr/>
-        </p:nvPicPr>
-        <p:blipFill>
-          <a:blip r:embed="rId8">
-            <a:extLst>
-              <a:ext uri="{28A0092B-C50C-407E-A947-70E740481C1C}">
-                <a14:useLocalDpi xmlns:a14="http://schemas.microsoft.com/office/drawing/2010/main" val="0"/>
-              </a:ext>
-            </a:extLst>
-          </a:blip>
-          <a:srcRect/>
-          <a:stretch>
-            <a:fillRect/>
-          </a:stretch>
-        </p:blipFill>
-        <p:spPr bwMode="auto">
-          <a:xfrm>
-            <a:off x="6238875" y="455612"/>
-            <a:ext cx="2762250" cy="781051"/>
-          </a:xfrm>
-          <a:prstGeom prst="rect">
-            <a:avLst/>
-          </a:prstGeom>
-          <a:noFill/>
-          <a:extLst>
-            <a:ext uri="{909E8E84-426E-40DD-AFC4-6F175D3DCCD1}">
-              <a14:hiddenFill xmlns:a14="http://schemas.microsoft.com/office/drawing/2010/main">
-                <a:solidFill>
-                  <a:srgbClr val="FFFFFF"/>
-                </a:solidFill>
-              </a14:hiddenFill>
-            </a:ext>
-          </a:extLst>
-        </p:spPr>
-      </p:pic>
-      <p:sp>
-        <p:nvSpPr>
-          <p:cNvPr id="5" name="Tijdelijke aanduiding voor voettekst 4"/>
-          <p:cNvSpPr>
-            <a:spLocks noGrp="1"/>
-          </p:cNvSpPr>
-          <p:nvPr>
-            <p:ph type="ftr" sz="quarter" idx="11"/>
-          </p:nvPr>
-        </p:nvSpPr>
-        <p:spPr/>
-        <p:txBody>
-          <a:bodyPr/>
-          <a:lstStyle/>
-          <a:p>
-            <a:r>
-              <a:rPr lang="nl-NL" smtClean="0"/>
-              <a:t>OpenCV in ROS / Eric Dortmans / FHICT</a:t>
-            </a:r>
-          </a:p>
-          <a:p>
-            <a:endParaRPr lang="nl-NL" dirty="0"/>
-          </a:p>
-        </p:txBody>
-      </p:sp>
-    </p:spTree>
-    <p:extLst>
-      <p:ext uri="{BB962C8B-B14F-4D97-AF65-F5344CB8AC3E}">
-        <p14:creationId xmlns:p14="http://schemas.microsoft.com/office/powerpoint/2010/main" val="2274812774"/>
-      </p:ext>
-    </p:extLst>
-  </p:cSld>
-  <p:clrMapOvr>
-    <a:masterClrMapping/>
-  </p:clrMapOvr>
-  <p:timing>
-    <p:tnLst>
-      <p:par>
-        <p:cTn id="1" dur="indefinite" restart="never" nodeType="tmRoot"/>
-      </p:par>
-    </p:tnLst>
-  </p:timing>
-</p:sld>
-</file>
-
-<file path=ppt/slides/slide50.xml><?xml version="1.0" encoding="utf-8"?>
+<file path=ppt/slides/slide52.xml><?xml version="1.0" encoding="utf-8"?>
 <p:sld xmlns:a="http://schemas.openxmlformats.org/drawingml/2006/main" xmlns:r="http://schemas.openxmlformats.org/officeDocument/2006/relationships" xmlns:p="http://schemas.openxmlformats.org/presentationml/2006/main">
   <p:cSld>
     <p:spTree>
@@ -16997,7 +18766,7 @@
 </p:sld>
 </file>
 
-<file path=ppt/slides/slide51.xml><?xml version="1.0" encoding="utf-8"?>
+<file path=ppt/slides/slide53.xml><?xml version="1.0" encoding="utf-8"?>
 <p:sld xmlns:a="http://schemas.openxmlformats.org/drawingml/2006/main" xmlns:r="http://schemas.openxmlformats.org/officeDocument/2006/relationships" xmlns:p="http://schemas.openxmlformats.org/presentationml/2006/main">
   <p:cSld>
     <p:spTree>
@@ -17119,7 +18888,7 @@
 </p:sld>
 </file>
 
-<file path=ppt/slides/slide52.xml><?xml version="1.0" encoding="utf-8"?>
+<file path=ppt/slides/slide54.xml><?xml version="1.0" encoding="utf-8"?>
 <p:sld xmlns:a="http://schemas.openxmlformats.org/drawingml/2006/main" xmlns:r="http://schemas.openxmlformats.org/officeDocument/2006/relationships" xmlns:p="http://schemas.openxmlformats.org/presentationml/2006/main">
   <p:cSld>
     <p:spTree>
@@ -17184,7 +18953,15 @@
           <a:p>
             <a:r>
               <a:rPr lang="nl-NL" dirty="0" smtClean="0"/>
-              <a:t>H/Z = h/f</a:t>
+              <a:t>Y/Z = </a:t>
+            </a:r>
+            <a:r>
+              <a:rPr lang="nl-NL" dirty="0"/>
+              <a:t>y</a:t>
+            </a:r>
+            <a:r>
+              <a:rPr lang="nl-NL" dirty="0" smtClean="0"/>
+              <a:t>/f</a:t>
             </a:r>
             <a:endParaRPr lang="nl-NL" dirty="0"/>
           </a:p>
@@ -17620,7 +19397,7 @@
 </p:sld>
 </file>
 
-<file path=ppt/slides/slide53.xml><?xml version="1.0" encoding="utf-8"?>
+<file path=ppt/slides/slide55.xml><?xml version="1.0" encoding="utf-8"?>
 <p:sld xmlns:a="http://schemas.openxmlformats.org/drawingml/2006/main" xmlns:r="http://schemas.openxmlformats.org/officeDocument/2006/relationships" xmlns:p="http://schemas.openxmlformats.org/presentationml/2006/main">
   <p:cSld>
     <p:spTree>
@@ -17932,7 +19709,7 @@
 </p:sld>
 </file>
 
-<file path=ppt/slides/slide54.xml><?xml version="1.0" encoding="utf-8"?>
+<file path=ppt/slides/slide56.xml><?xml version="1.0" encoding="utf-8"?>
 <p:sld xmlns:a="http://schemas.openxmlformats.org/drawingml/2006/main" xmlns:r="http://schemas.openxmlformats.org/officeDocument/2006/relationships" xmlns:p="http://schemas.openxmlformats.org/presentationml/2006/main">
   <p:cSld>
     <p:spTree>
@@ -18285,7 +20062,7 @@
 </p:sld>
 </file>
 
-<file path=ppt/slides/slide55.xml><?xml version="1.0" encoding="utf-8"?>
+<file path=ppt/slides/slide57.xml><?xml version="1.0" encoding="utf-8"?>
 <p:sld xmlns:a="http://schemas.openxmlformats.org/drawingml/2006/main" xmlns:r="http://schemas.openxmlformats.org/officeDocument/2006/relationships" xmlns:p="http://schemas.openxmlformats.org/presentationml/2006/main">
   <p:cSld>
     <p:spTree>
@@ -18777,6 +20554,438 @@
           <a:p>
             <a:r>
               <a:rPr lang="nl-NL" dirty="0" smtClean="0"/>
+              <a:t>Python</a:t>
+            </a:r>
+            <a:endParaRPr lang="nl-NL" dirty="0"/>
+          </a:p>
+        </p:txBody>
+      </p:sp>
+      <p:sp>
+        <p:nvSpPr>
+          <p:cNvPr id="3" name="Tijdelijke aanduiding voor inhoud 2"/>
+          <p:cNvSpPr>
+            <a:spLocks noGrp="1"/>
+          </p:cNvSpPr>
+          <p:nvPr>
+            <p:ph idx="1"/>
+          </p:nvPr>
+        </p:nvSpPr>
+        <p:spPr/>
+        <p:txBody>
+          <a:bodyPr/>
+          <a:lstStyle/>
+          <a:p>
+            <a:r>
+              <a:rPr lang="nl-NL" dirty="0" err="1" smtClean="0"/>
+              <a:t>Indents</a:t>
+            </a:r>
+            <a:r>
+              <a:rPr lang="nl-NL" dirty="0" smtClean="0"/>
+              <a:t> </a:t>
+            </a:r>
+            <a:r>
+              <a:rPr lang="nl-NL" dirty="0" err="1" smtClean="0"/>
+              <a:t>instead</a:t>
+            </a:r>
+            <a:r>
+              <a:rPr lang="nl-NL" dirty="0" smtClean="0"/>
+              <a:t> of {}</a:t>
+            </a:r>
+            <a:endParaRPr lang="nl-NL" dirty="0"/>
+          </a:p>
+        </p:txBody>
+      </p:sp>
+      <p:sp>
+        <p:nvSpPr>
+          <p:cNvPr id="4" name="Tijdelijke aanduiding voor voettekst 3"/>
+          <p:cNvSpPr>
+            <a:spLocks noGrp="1"/>
+          </p:cNvSpPr>
+          <p:nvPr>
+            <p:ph type="ftr" sz="quarter" idx="11"/>
+          </p:nvPr>
+        </p:nvSpPr>
+        <p:spPr/>
+        <p:txBody>
+          <a:bodyPr/>
+          <a:lstStyle/>
+          <a:p>
+            <a:r>
+              <a:rPr lang="nl-NL" smtClean="0"/>
+              <a:t>OpenCV in ROS / Eric Dortmans / FHICT</a:t>
+            </a:r>
+          </a:p>
+          <a:p>
+            <a:endParaRPr lang="nl-NL" dirty="0"/>
+          </a:p>
+        </p:txBody>
+      </p:sp>
+      <p:sp>
+        <p:nvSpPr>
+          <p:cNvPr id="6" name="Tekstvak 5"/>
+          <p:cNvSpPr txBox="1"/>
+          <p:nvPr/>
+        </p:nvSpPr>
+        <p:spPr>
+          <a:xfrm>
+            <a:off x="4788024" y="2562632"/>
+            <a:ext cx="3528392" cy="1477328"/>
+          </a:xfrm>
+          <a:prstGeom prst="rect">
+            <a:avLst/>
+          </a:prstGeom>
+        </p:spPr>
+        <p:style>
+          <a:lnRef idx="1">
+            <a:schemeClr val="dk1"/>
+          </a:lnRef>
+          <a:fillRef idx="2">
+            <a:schemeClr val="dk1"/>
+          </a:fillRef>
+          <a:effectRef idx="1">
+            <a:schemeClr val="dk1"/>
+          </a:effectRef>
+          <a:fontRef idx="minor">
+            <a:schemeClr val="dk1"/>
+          </a:fontRef>
+        </p:style>
+        <p:txBody>
+          <a:bodyPr wrap="square" rtlCol="0">
+            <a:spAutoFit/>
+          </a:bodyPr>
+          <a:lstStyle/>
+          <a:p>
+            <a:r>
+              <a:rPr lang="en-US" dirty="0" smtClean="0"/>
+              <a:t>class </a:t>
+            </a:r>
+            <a:r>
+              <a:rPr lang="en-US" dirty="0"/>
+              <a:t>Person:</a:t>
+            </a:r>
+          </a:p>
+          <a:p>
+            <a:r>
+              <a:rPr lang="en-US" dirty="0" smtClean="0"/>
+              <a:t>    </a:t>
+            </a:r>
+            <a:r>
+              <a:rPr lang="en-US" dirty="0" err="1" smtClean="0"/>
+              <a:t>def</a:t>
+            </a:r>
+            <a:r>
+              <a:rPr lang="en-US" dirty="0" smtClean="0"/>
+              <a:t> </a:t>
+            </a:r>
+            <a:r>
+              <a:rPr lang="en-US" dirty="0"/>
+              <a:t>__</a:t>
+            </a:r>
+            <a:r>
+              <a:rPr lang="en-US" dirty="0" err="1"/>
+              <a:t>init</a:t>
+            </a:r>
+            <a:r>
+              <a:rPr lang="en-US" dirty="0"/>
+              <a:t>__(self, name): </a:t>
+            </a:r>
+          </a:p>
+          <a:p>
+            <a:r>
+              <a:rPr lang="en-US" dirty="0"/>
+              <a:t>     </a:t>
+            </a:r>
+            <a:r>
+              <a:rPr lang="en-US" dirty="0" smtClean="0"/>
+              <a:t>    self.name </a:t>
+            </a:r>
+            <a:r>
+              <a:rPr lang="en-US" dirty="0"/>
+              <a:t>= </a:t>
+            </a:r>
+            <a:r>
+              <a:rPr lang="en-US" dirty="0" smtClean="0"/>
+              <a:t>name</a:t>
+            </a:r>
+            <a:endParaRPr lang="en-US" dirty="0"/>
+          </a:p>
+          <a:p>
+            <a:r>
+              <a:rPr lang="en-US" dirty="0" smtClean="0"/>
+              <a:t>    </a:t>
+            </a:r>
+            <a:r>
+              <a:rPr lang="en-US" dirty="0" err="1" smtClean="0"/>
+              <a:t>def</a:t>
+            </a:r>
+            <a:r>
+              <a:rPr lang="en-US" dirty="0" smtClean="0"/>
+              <a:t> </a:t>
+            </a:r>
+            <a:r>
+              <a:rPr lang="en-US" dirty="0" err="1"/>
+              <a:t>whoami</a:t>
+            </a:r>
+            <a:r>
+              <a:rPr lang="en-US" dirty="0"/>
+              <a:t>(self):</a:t>
+            </a:r>
+          </a:p>
+          <a:p>
+            <a:r>
+              <a:rPr lang="en-US" dirty="0"/>
+              <a:t>           return "You are " + self.name</a:t>
+            </a:r>
+            <a:endParaRPr lang="nl-NL" dirty="0"/>
+          </a:p>
+        </p:txBody>
+      </p:sp>
+      <p:sp>
+        <p:nvSpPr>
+          <p:cNvPr id="7" name="Tekstvak 6"/>
+          <p:cNvSpPr txBox="1"/>
+          <p:nvPr/>
+        </p:nvSpPr>
+        <p:spPr>
+          <a:xfrm>
+            <a:off x="1331640" y="2562632"/>
+            <a:ext cx="1944216" cy="1477328"/>
+          </a:xfrm>
+          <a:prstGeom prst="rect">
+            <a:avLst/>
+          </a:prstGeom>
+        </p:spPr>
+        <p:style>
+          <a:lnRef idx="1">
+            <a:schemeClr val="dk1"/>
+          </a:lnRef>
+          <a:fillRef idx="2">
+            <a:schemeClr val="dk1"/>
+          </a:fillRef>
+          <a:effectRef idx="1">
+            <a:schemeClr val="dk1"/>
+          </a:effectRef>
+          <a:fontRef idx="minor">
+            <a:schemeClr val="dk1"/>
+          </a:fontRef>
+        </p:style>
+        <p:txBody>
+          <a:bodyPr wrap="square" rtlCol="0">
+            <a:spAutoFit/>
+          </a:bodyPr>
+          <a:lstStyle/>
+          <a:p>
+            <a:r>
+              <a:rPr lang="en-US" dirty="0" err="1"/>
+              <a:t>def</a:t>
+            </a:r>
+            <a:r>
+              <a:rPr lang="en-US" dirty="0"/>
+              <a:t> bigger(a, b):</a:t>
+            </a:r>
+          </a:p>
+          <a:p>
+            <a:r>
+              <a:rPr lang="en-US" dirty="0"/>
+              <a:t>    if a &gt; b:</a:t>
+            </a:r>
+          </a:p>
+          <a:p>
+            <a:r>
+              <a:rPr lang="en-US" dirty="0"/>
+              <a:t>        return a, b</a:t>
+            </a:r>
+          </a:p>
+          <a:p>
+            <a:r>
+              <a:rPr lang="en-US" dirty="0"/>
+              <a:t>    else:</a:t>
+            </a:r>
+          </a:p>
+          <a:p>
+            <a:r>
+              <a:rPr lang="en-US" dirty="0"/>
+              <a:t>        return b, a</a:t>
+            </a:r>
+            <a:endParaRPr lang="nl-NL" dirty="0"/>
+          </a:p>
+        </p:txBody>
+      </p:sp>
+      <p:sp>
+        <p:nvSpPr>
+          <p:cNvPr id="9" name="Tekstvak 8"/>
+          <p:cNvSpPr txBox="1"/>
+          <p:nvPr/>
+        </p:nvSpPr>
+        <p:spPr>
+          <a:xfrm>
+            <a:off x="2843808" y="4509120"/>
+            <a:ext cx="3067216" cy="1477328"/>
+          </a:xfrm>
+          <a:prstGeom prst="rect">
+            <a:avLst/>
+          </a:prstGeom>
+        </p:spPr>
+        <p:style>
+          <a:lnRef idx="1">
+            <a:schemeClr val="dk1"/>
+          </a:lnRef>
+          <a:fillRef idx="2">
+            <a:schemeClr val="dk1"/>
+          </a:fillRef>
+          <a:effectRef idx="1">
+            <a:schemeClr val="dk1"/>
+          </a:effectRef>
+          <a:fontRef idx="minor">
+            <a:schemeClr val="dk1"/>
+          </a:fontRef>
+        </p:style>
+        <p:txBody>
+          <a:bodyPr wrap="square" rtlCol="0">
+            <a:spAutoFit/>
+          </a:bodyPr>
+          <a:lstStyle/>
+          <a:p>
+            <a:r>
+              <a:rPr lang="nl-NL" dirty="0" err="1"/>
+              <a:t>if</a:t>
+            </a:r>
+            <a:r>
+              <a:rPr lang="nl-NL" dirty="0"/>
+              <a:t> __name__ == "__</a:t>
+            </a:r>
+            <a:r>
+              <a:rPr lang="nl-NL" dirty="0" err="1"/>
+              <a:t>main</a:t>
+            </a:r>
+            <a:r>
+              <a:rPr lang="nl-NL" dirty="0" smtClean="0"/>
+              <a:t>__":</a:t>
+            </a:r>
+          </a:p>
+          <a:p>
+            <a:r>
+              <a:rPr lang="nl-NL" dirty="0"/>
+              <a:t> </a:t>
+            </a:r>
+            <a:r>
+              <a:rPr lang="nl-NL" dirty="0" smtClean="0"/>
+              <a:t>   person </a:t>
+            </a:r>
+            <a:r>
+              <a:rPr lang="nl-NL" dirty="0"/>
+              <a:t>= Person</a:t>
+            </a:r>
+            <a:r>
+              <a:rPr lang="nl-NL" dirty="0" smtClean="0"/>
+              <a:t>(</a:t>
+            </a:r>
+            <a:r>
+              <a:rPr lang="nl-NL" dirty="0"/>
+              <a:t>"</a:t>
+            </a:r>
+            <a:r>
+              <a:rPr lang="nl-NL" dirty="0" smtClean="0"/>
+              <a:t>John")</a:t>
+            </a:r>
+          </a:p>
+          <a:p>
+            <a:r>
+              <a:rPr lang="nl-NL" dirty="0"/>
+              <a:t> </a:t>
+            </a:r>
+            <a:r>
+              <a:rPr lang="nl-NL" dirty="0" smtClean="0"/>
+              <a:t>   name = </a:t>
+            </a:r>
+            <a:r>
+              <a:rPr lang="nl-NL" dirty="0" err="1" smtClean="0"/>
+              <a:t>p.whoami</a:t>
+            </a:r>
+            <a:r>
+              <a:rPr lang="nl-NL" dirty="0" smtClean="0"/>
+              <a:t>()</a:t>
+            </a:r>
+            <a:endParaRPr lang="nl-NL" dirty="0"/>
+          </a:p>
+          <a:p>
+            <a:r>
+              <a:rPr lang="nl-NL" dirty="0" smtClean="0"/>
+              <a:t>    max, min </a:t>
+            </a:r>
+            <a:r>
+              <a:rPr lang="nl-NL" dirty="0"/>
+              <a:t>= </a:t>
+            </a:r>
+            <a:r>
+              <a:rPr lang="nl-NL" dirty="0" err="1"/>
+              <a:t>bigger</a:t>
+            </a:r>
+            <a:r>
+              <a:rPr lang="nl-NL" dirty="0"/>
+              <a:t>(12, </a:t>
+            </a:r>
+            <a:r>
+              <a:rPr lang="nl-NL" dirty="0" smtClean="0"/>
+              <a:t>100)</a:t>
+            </a:r>
+          </a:p>
+          <a:p>
+            <a:r>
+              <a:rPr lang="nl-NL" dirty="0" smtClean="0"/>
+              <a:t>    </a:t>
+            </a:r>
+            <a:endParaRPr lang="nl-NL" dirty="0"/>
+          </a:p>
+        </p:txBody>
+      </p:sp>
+    </p:spTree>
+    <p:extLst>
+      <p:ext uri="{BB962C8B-B14F-4D97-AF65-F5344CB8AC3E}">
+        <p14:creationId xmlns:p14="http://schemas.microsoft.com/office/powerpoint/2010/main" val="2437739070"/>
+      </p:ext>
+    </p:extLst>
+  </p:cSld>
+  <p:clrMapOvr>
+    <a:masterClrMapping/>
+  </p:clrMapOvr>
+</p:sld>
+</file>
+
+<file path=ppt/slides/slide7.xml><?xml version="1.0" encoding="utf-8"?>
+<p:sld xmlns:a="http://schemas.openxmlformats.org/drawingml/2006/main" xmlns:r="http://schemas.openxmlformats.org/officeDocument/2006/relationships" xmlns:p="http://schemas.openxmlformats.org/presentationml/2006/main">
+  <p:cSld>
+    <p:spTree>
+      <p:nvGrpSpPr>
+        <p:cNvPr id="1" name=""/>
+        <p:cNvGrpSpPr/>
+        <p:nvPr/>
+      </p:nvGrpSpPr>
+      <p:grpSpPr>
+        <a:xfrm>
+          <a:off x="0" y="0"/>
+          <a:ext cx="0" cy="0"/>
+          <a:chOff x="0" y="0"/>
+          <a:chExt cx="0" cy="0"/>
+        </a:xfrm>
+      </p:grpSpPr>
+      <p:sp>
+        <p:nvSpPr>
+          <p:cNvPr id="2" name="Titel 1"/>
+          <p:cNvSpPr>
+            <a:spLocks noGrp="1"/>
+          </p:cNvSpPr>
+          <p:nvPr>
+            <p:ph type="title"/>
+          </p:nvPr>
+        </p:nvSpPr>
+        <p:spPr/>
+        <p:txBody>
+          <a:bodyPr/>
+          <a:lstStyle/>
+          <a:p>
+            <a:r>
+              <a:rPr lang="nl-NL" dirty="0" smtClean="0"/>
               <a:t>Image</a:t>
             </a:r>
             <a:endParaRPr lang="nl-NL" dirty="0"/>
@@ -19029,7 +21238,7 @@
 </p:sld>
 </file>
 
-<file path=ppt/slides/slide7.xml><?xml version="1.0" encoding="utf-8"?>
+<file path=ppt/slides/slide8.xml><?xml version="1.0" encoding="utf-8"?>
 <p:sld xmlns:a="http://schemas.openxmlformats.org/drawingml/2006/main" xmlns:r="http://schemas.openxmlformats.org/officeDocument/2006/relationships" xmlns:p="http://schemas.openxmlformats.org/presentationml/2006/main">
   <p:cSld>
     <p:spTree>
@@ -19258,7 +21467,7 @@
 </p:sld>
 </file>
 
-<file path=ppt/slides/slide8.xml><?xml version="1.0" encoding="utf-8"?>
+<file path=ppt/slides/slide9.xml><?xml version="1.0" encoding="utf-8"?>
 <p:sld xmlns:a="http://schemas.openxmlformats.org/drawingml/2006/main" xmlns:r="http://schemas.openxmlformats.org/officeDocument/2006/relationships" xmlns:p="http://schemas.openxmlformats.org/presentationml/2006/main">
   <p:cSld>
     <p:spTree>
@@ -19419,8 +21628,12 @@
           <a:lstStyle/>
           <a:p>
             <a:r>
-              <a:rPr lang="nl-NL" smtClean="0"/>
-              <a:t>OpenCV in ROS / Eric Dortmans / FHICT</a:t>
+              <a:rPr lang="nl-NL" dirty="0" err="1" smtClean="0"/>
+              <a:t>OpenCV</a:t>
+            </a:r>
+            <a:r>
+              <a:rPr lang="nl-NL" dirty="0" smtClean="0"/>
+              <a:t> in ROS / Eric Dortmans / FHICT</a:t>
             </a:r>
           </a:p>
           <a:p>
@@ -19432,218 +21645,6 @@
     <p:extLst>
       <p:ext uri="{BB962C8B-B14F-4D97-AF65-F5344CB8AC3E}">
         <p14:creationId xmlns:p14="http://schemas.microsoft.com/office/powerpoint/2010/main" val="3221843636"/>
-      </p:ext>
-    </p:extLst>
-  </p:cSld>
-  <p:clrMapOvr>
-    <a:masterClrMapping/>
-  </p:clrMapOvr>
-  <p:timing>
-    <p:tnLst>
-      <p:par>
-        <p:cTn id="1" dur="indefinite" restart="never" nodeType="tmRoot"/>
-      </p:par>
-    </p:tnLst>
-  </p:timing>
-</p:sld>
-</file>
-
-<file path=ppt/slides/slide9.xml><?xml version="1.0" encoding="utf-8"?>
-<p:sld xmlns:a="http://schemas.openxmlformats.org/drawingml/2006/main" xmlns:r="http://schemas.openxmlformats.org/officeDocument/2006/relationships" xmlns:p="http://schemas.openxmlformats.org/presentationml/2006/main">
-  <p:cSld>
-    <p:spTree>
-      <p:nvGrpSpPr>
-        <p:cNvPr id="1" name=""/>
-        <p:cNvGrpSpPr/>
-        <p:nvPr/>
-      </p:nvGrpSpPr>
-      <p:grpSpPr>
-        <a:xfrm>
-          <a:off x="0" y="0"/>
-          <a:ext cx="0" cy="0"/>
-          <a:chOff x="0" y="0"/>
-          <a:chExt cx="0" cy="0"/>
-        </a:xfrm>
-      </p:grpSpPr>
-      <p:sp>
-        <p:nvSpPr>
-          <p:cNvPr id="2" name="Titel 1"/>
-          <p:cNvSpPr>
-            <a:spLocks noGrp="1"/>
-          </p:cNvSpPr>
-          <p:nvPr>
-            <p:ph type="title"/>
-          </p:nvPr>
-        </p:nvSpPr>
-        <p:spPr/>
-        <p:txBody>
-          <a:bodyPr/>
-          <a:lstStyle/>
-          <a:p>
-            <a:r>
-              <a:rPr lang="nl-NL" dirty="0" smtClean="0"/>
-              <a:t>Image Processing</a:t>
-            </a:r>
-            <a:endParaRPr lang="nl-NL" dirty="0"/>
-          </a:p>
-        </p:txBody>
-      </p:sp>
-      <p:sp>
-        <p:nvSpPr>
-          <p:cNvPr id="3" name="Tijdelijke aanduiding voor inhoud 2"/>
-          <p:cNvSpPr>
-            <a:spLocks noGrp="1"/>
-          </p:cNvSpPr>
-          <p:nvPr>
-            <p:ph idx="1"/>
-          </p:nvPr>
-        </p:nvSpPr>
-        <p:spPr/>
-        <p:txBody>
-          <a:bodyPr>
-            <a:normAutofit lnSpcReduction="10000"/>
-          </a:bodyPr>
-          <a:lstStyle/>
-          <a:p>
-            <a:r>
-              <a:rPr lang="nl-NL" dirty="0" smtClean="0"/>
-              <a:t>Colorspace </a:t>
-            </a:r>
-            <a:r>
-              <a:rPr lang="nl-NL" dirty="0" err="1" smtClean="0"/>
-              <a:t>conversions</a:t>
-            </a:r>
-            <a:endParaRPr lang="nl-NL" dirty="0" smtClean="0"/>
-          </a:p>
-          <a:p>
-            <a:r>
-              <a:rPr lang="nl-NL" dirty="0" err="1"/>
-              <a:t>Geometric</a:t>
-            </a:r>
-            <a:r>
-              <a:rPr lang="nl-NL" dirty="0"/>
-              <a:t> </a:t>
-            </a:r>
-            <a:r>
-              <a:rPr lang="nl-NL" dirty="0" err="1" smtClean="0"/>
-              <a:t>Transformations</a:t>
-            </a:r>
-            <a:endParaRPr lang="nl-NL" dirty="0" smtClean="0"/>
-          </a:p>
-          <a:p>
-            <a:r>
-              <a:rPr lang="nl-NL" dirty="0" err="1" smtClean="0"/>
-              <a:t>Smoothing</a:t>
-            </a:r>
-            <a:endParaRPr lang="nl-NL" dirty="0" smtClean="0"/>
-          </a:p>
-          <a:p>
-            <a:r>
-              <a:rPr lang="nl-NL" dirty="0" err="1" smtClean="0"/>
-              <a:t>Thresholding</a:t>
-            </a:r>
-            <a:endParaRPr lang="nl-NL" dirty="0" smtClean="0"/>
-          </a:p>
-          <a:p>
-            <a:r>
-              <a:rPr lang="nl-NL" dirty="0" err="1" smtClean="0"/>
-              <a:t>Edge</a:t>
-            </a:r>
-            <a:r>
-              <a:rPr lang="nl-NL" dirty="0" smtClean="0"/>
-              <a:t> </a:t>
-            </a:r>
-            <a:r>
-              <a:rPr lang="nl-NL" dirty="0" err="1" smtClean="0"/>
-              <a:t>detection</a:t>
-            </a:r>
-            <a:endParaRPr lang="nl-NL" dirty="0" smtClean="0"/>
-          </a:p>
-          <a:p>
-            <a:r>
-              <a:rPr lang="nl-NL" dirty="0" smtClean="0"/>
-              <a:t>Contour </a:t>
-            </a:r>
-            <a:r>
-              <a:rPr lang="nl-NL" dirty="0" err="1" smtClean="0"/>
-              <a:t>detection</a:t>
-            </a:r>
-            <a:endParaRPr lang="nl-NL" dirty="0"/>
-          </a:p>
-          <a:p>
-            <a:r>
-              <a:rPr lang="nl-NL" dirty="0" err="1" smtClean="0"/>
-              <a:t>Morphological</a:t>
-            </a:r>
-            <a:r>
-              <a:rPr lang="nl-NL" dirty="0" smtClean="0"/>
-              <a:t> operations</a:t>
-            </a:r>
-          </a:p>
-          <a:p>
-            <a:r>
-              <a:rPr lang="nl-NL" dirty="0" smtClean="0"/>
-              <a:t>…..</a:t>
-            </a:r>
-            <a:r>
-              <a:rPr lang="nl-NL" dirty="0" err="1" smtClean="0"/>
-              <a:t>and</a:t>
-            </a:r>
-            <a:r>
-              <a:rPr lang="nl-NL" dirty="0" smtClean="0"/>
-              <a:t> </a:t>
-            </a:r>
-            <a:r>
-              <a:rPr lang="nl-NL" dirty="0" err="1" smtClean="0"/>
-              <a:t>much</a:t>
-            </a:r>
-            <a:r>
-              <a:rPr lang="nl-NL" dirty="0" smtClean="0"/>
-              <a:t>, </a:t>
-            </a:r>
-            <a:r>
-              <a:rPr lang="nl-NL" dirty="0" err="1" smtClean="0"/>
-              <a:t>much</a:t>
-            </a:r>
-            <a:r>
-              <a:rPr lang="nl-NL" dirty="0" smtClean="0"/>
-              <a:t> more</a:t>
-            </a:r>
-          </a:p>
-          <a:p>
-            <a:endParaRPr lang="nl-NL" dirty="0" smtClean="0"/>
-          </a:p>
-        </p:txBody>
-      </p:sp>
-      <p:sp>
-        <p:nvSpPr>
-          <p:cNvPr id="5" name="Tijdelijke aanduiding voor voettekst 4"/>
-          <p:cNvSpPr>
-            <a:spLocks noGrp="1"/>
-          </p:cNvSpPr>
-          <p:nvPr>
-            <p:ph type="ftr" sz="quarter" idx="11"/>
-          </p:nvPr>
-        </p:nvSpPr>
-        <p:spPr/>
-        <p:txBody>
-          <a:bodyPr/>
-          <a:lstStyle/>
-          <a:p>
-            <a:r>
-              <a:rPr lang="nl-NL" smtClean="0"/>
-              <a:t>OpenCV in ROS / Eric Dortmans / FHICT</a:t>
-            </a:r>
-          </a:p>
-          <a:p>
-            <a:endParaRPr lang="nl-NL" dirty="0"/>
-          </a:p>
-        </p:txBody>
-      </p:sp>
-    </p:spTree>
-    <p:extLst>
-      <p:ext uri="{BB962C8B-B14F-4D97-AF65-F5344CB8AC3E}">
-        <p14:creationId xmlns:p14="http://schemas.microsoft.com/office/powerpoint/2010/main" val="1870737802"/>
       </p:ext>
     </p:extLst>
   </p:cSld>

--- a/doc/ROS_OpenCV.pptx
+++ b/doc/ROS_OpenCV.pptx
@@ -5,7 +5,7 @@
     <p:sldMasterId id="2147483648" r:id="rId1"/>
   </p:sldMasterIdLst>
   <p:notesMasterIdLst>
-    <p:notesMasterId r:id="rId59"/>
+    <p:notesMasterId r:id="rId61"/>
   </p:notesMasterIdLst>
   <p:sldIdLst>
     <p:sldId id="258" r:id="rId2"/>
@@ -24,47 +24,49 @@
     <p:sldId id="323" r:id="rId15"/>
     <p:sldId id="340" r:id="rId16"/>
     <p:sldId id="342" r:id="rId17"/>
-    <p:sldId id="326" r:id="rId18"/>
-    <p:sldId id="373" r:id="rId19"/>
-    <p:sldId id="341" r:id="rId20"/>
-    <p:sldId id="343" r:id="rId21"/>
-    <p:sldId id="382" r:id="rId22"/>
-    <p:sldId id="389" r:id="rId23"/>
-    <p:sldId id="346" r:id="rId24"/>
-    <p:sldId id="380" r:id="rId25"/>
-    <p:sldId id="400" r:id="rId26"/>
-    <p:sldId id="402" r:id="rId27"/>
-    <p:sldId id="399" r:id="rId28"/>
-    <p:sldId id="401" r:id="rId29"/>
-    <p:sldId id="397" r:id="rId30"/>
-    <p:sldId id="403" r:id="rId31"/>
-    <p:sldId id="398" r:id="rId32"/>
-    <p:sldId id="374" r:id="rId33"/>
-    <p:sldId id="376" r:id="rId34"/>
-    <p:sldId id="393" r:id="rId35"/>
-    <p:sldId id="404" r:id="rId36"/>
-    <p:sldId id="394" r:id="rId37"/>
-    <p:sldId id="375" r:id="rId38"/>
-    <p:sldId id="378" r:id="rId39"/>
-    <p:sldId id="395" r:id="rId40"/>
-    <p:sldId id="379" r:id="rId41"/>
-    <p:sldId id="356" r:id="rId42"/>
-    <p:sldId id="344" r:id="rId43"/>
-    <p:sldId id="350" r:id="rId44"/>
-    <p:sldId id="353" r:id="rId45"/>
-    <p:sldId id="387" r:id="rId46"/>
-    <p:sldId id="388" r:id="rId47"/>
-    <p:sldId id="352" r:id="rId48"/>
-    <p:sldId id="383" r:id="rId49"/>
-    <p:sldId id="386" r:id="rId50"/>
-    <p:sldId id="364" r:id="rId51"/>
-    <p:sldId id="406" r:id="rId52"/>
-    <p:sldId id="405" r:id="rId53"/>
-    <p:sldId id="357" r:id="rId54"/>
-    <p:sldId id="384" r:id="rId55"/>
-    <p:sldId id="349" r:id="rId56"/>
-    <p:sldId id="355" r:id="rId57"/>
-    <p:sldId id="358" r:id="rId58"/>
+    <p:sldId id="409" r:id="rId18"/>
+    <p:sldId id="410" r:id="rId19"/>
+    <p:sldId id="326" r:id="rId20"/>
+    <p:sldId id="373" r:id="rId21"/>
+    <p:sldId id="341" r:id="rId22"/>
+    <p:sldId id="343" r:id="rId23"/>
+    <p:sldId id="382" r:id="rId24"/>
+    <p:sldId id="389" r:id="rId25"/>
+    <p:sldId id="346" r:id="rId26"/>
+    <p:sldId id="380" r:id="rId27"/>
+    <p:sldId id="400" r:id="rId28"/>
+    <p:sldId id="402" r:id="rId29"/>
+    <p:sldId id="399" r:id="rId30"/>
+    <p:sldId id="401" r:id="rId31"/>
+    <p:sldId id="397" r:id="rId32"/>
+    <p:sldId id="403" r:id="rId33"/>
+    <p:sldId id="398" r:id="rId34"/>
+    <p:sldId id="374" r:id="rId35"/>
+    <p:sldId id="376" r:id="rId36"/>
+    <p:sldId id="393" r:id="rId37"/>
+    <p:sldId id="404" r:id="rId38"/>
+    <p:sldId id="394" r:id="rId39"/>
+    <p:sldId id="375" r:id="rId40"/>
+    <p:sldId id="378" r:id="rId41"/>
+    <p:sldId id="395" r:id="rId42"/>
+    <p:sldId id="379" r:id="rId43"/>
+    <p:sldId id="356" r:id="rId44"/>
+    <p:sldId id="344" r:id="rId45"/>
+    <p:sldId id="350" r:id="rId46"/>
+    <p:sldId id="353" r:id="rId47"/>
+    <p:sldId id="387" r:id="rId48"/>
+    <p:sldId id="388" r:id="rId49"/>
+    <p:sldId id="352" r:id="rId50"/>
+    <p:sldId id="383" r:id="rId51"/>
+    <p:sldId id="386" r:id="rId52"/>
+    <p:sldId id="364" r:id="rId53"/>
+    <p:sldId id="406" r:id="rId54"/>
+    <p:sldId id="405" r:id="rId55"/>
+    <p:sldId id="357" r:id="rId56"/>
+    <p:sldId id="384" r:id="rId57"/>
+    <p:sldId id="349" r:id="rId58"/>
+    <p:sldId id="355" r:id="rId59"/>
+    <p:sldId id="358" r:id="rId60"/>
   </p:sldIdLst>
   <p:sldSz cx="9144000" cy="6858000" type="screen4x3"/>
   <p:notesSz cx="6858000" cy="9144000"/>
@@ -264,7 +266,7 @@
           <a:p>
             <a:fld id="{26950E59-91FA-400F-9B65-5FF464248520}" type="datetimeFigureOut">
               <a:rPr lang="nl-NL" smtClean="0"/>
-              <a:t>12-2-2017</a:t>
+              <a:t>21-12-2017</a:t>
             </a:fld>
             <a:endParaRPr lang="nl-NL"/>
           </a:p>
@@ -797,7 +799,7 @@
           <a:p>
             <a:fld id="{F9E4EDA1-9C32-44EE-A88A-C35B28DC60DF}" type="datetime1">
               <a:rPr lang="nl-NL" smtClean="0"/>
-              <a:t>12-2-2017</a:t>
+              <a:t>21-12-2017</a:t>
             </a:fld>
             <a:endParaRPr lang="nl-NL"/>
           </a:p>
@@ -972,7 +974,7 @@
           <a:p>
             <a:fld id="{E8B554EA-2EBF-44ED-8219-DB7A6293D147}" type="datetime1">
               <a:rPr lang="nl-NL" smtClean="0"/>
-              <a:t>12-2-2017</a:t>
+              <a:t>21-12-2017</a:t>
             </a:fld>
             <a:endParaRPr lang="nl-NL"/>
           </a:p>
@@ -1151,7 +1153,7 @@
           <a:p>
             <a:fld id="{424B25E7-36A2-4723-8542-B9C24E39082F}" type="datetime1">
               <a:rPr lang="nl-NL" smtClean="0"/>
-              <a:t>12-2-2017</a:t>
+              <a:t>21-12-2017</a:t>
             </a:fld>
             <a:endParaRPr lang="nl-NL"/>
           </a:p>
@@ -1320,7 +1322,7 @@
           <a:p>
             <a:fld id="{A2D72730-B8C5-42EE-B2E1-B3D2153B0C85}" type="datetime1">
               <a:rPr lang="nl-NL" smtClean="0"/>
-              <a:t>12-2-2017</a:t>
+              <a:t>21-12-2017</a:t>
             </a:fld>
             <a:endParaRPr lang="nl-NL"/>
           </a:p>
@@ -1571,7 +1573,7 @@
           <a:p>
             <a:fld id="{555A407D-A775-4E41-8911-E46283B1B9EB}" type="datetime1">
               <a:rPr lang="nl-NL" smtClean="0"/>
-              <a:t>12-2-2017</a:t>
+              <a:t>21-12-2017</a:t>
             </a:fld>
             <a:endParaRPr lang="nl-NL"/>
           </a:p>
@@ -1858,7 +1860,7 @@
           <a:p>
             <a:fld id="{CABF5943-9735-4C92-AD4B-C2EEBD04CC44}" type="datetime1">
               <a:rPr lang="nl-NL" smtClean="0"/>
-              <a:t>12-2-2017</a:t>
+              <a:t>21-12-2017</a:t>
             </a:fld>
             <a:endParaRPr lang="nl-NL"/>
           </a:p>
@@ -2279,7 +2281,7 @@
           <a:p>
             <a:fld id="{0DF044FB-FDB4-4970-8FB0-4F0C736FF315}" type="datetime1">
               <a:rPr lang="nl-NL" smtClean="0"/>
-              <a:t>12-2-2017</a:t>
+              <a:t>21-12-2017</a:t>
             </a:fld>
             <a:endParaRPr lang="nl-NL"/>
           </a:p>
@@ -2396,7 +2398,7 @@
           <a:p>
             <a:fld id="{76FD22D1-8795-408B-B3EB-42B05411583C}" type="datetime1">
               <a:rPr lang="nl-NL" smtClean="0"/>
-              <a:t>12-2-2017</a:t>
+              <a:t>21-12-2017</a:t>
             </a:fld>
             <a:endParaRPr lang="nl-NL"/>
           </a:p>
@@ -2490,7 +2492,7 @@
           <a:p>
             <a:fld id="{7A7B8F64-5E52-47E1-B0D2-CAD19A9600F7}" type="datetime1">
               <a:rPr lang="nl-NL" smtClean="0"/>
-              <a:t>12-2-2017</a:t>
+              <a:t>21-12-2017</a:t>
             </a:fld>
             <a:endParaRPr lang="nl-NL"/>
           </a:p>
@@ -2766,7 +2768,7 @@
           <a:p>
             <a:fld id="{CD17FC3B-E5F0-489C-9AA4-2BC783A79509}" type="datetime1">
               <a:rPr lang="nl-NL" smtClean="0"/>
-              <a:t>12-2-2017</a:t>
+              <a:t>21-12-2017</a:t>
             </a:fld>
             <a:endParaRPr lang="nl-NL"/>
           </a:p>
@@ -3018,7 +3020,7 @@
           <a:p>
             <a:fld id="{2750CC4F-A6A7-4EC0-9CB8-B987D153BE7C}" type="datetime1">
               <a:rPr lang="nl-NL" smtClean="0"/>
-              <a:t>12-2-2017</a:t>
+              <a:t>21-12-2017</a:t>
             </a:fld>
             <a:endParaRPr lang="nl-NL"/>
           </a:p>
@@ -3230,7 +3232,7 @@
           <a:p>
             <a:fld id="{249FEA8C-C0F4-479D-B90D-87F4F7CA1E23}" type="datetime1">
               <a:rPr lang="nl-NL" smtClean="0"/>
-              <a:t>12-2-2017</a:t>
+              <a:t>21-12-2017</a:t>
             </a:fld>
             <a:endParaRPr lang="nl-NL"/>
           </a:p>
@@ -3987,11 +3989,7 @@
           <a:p>
             <a:r>
               <a:rPr lang="nl-NL" dirty="0" smtClean="0"/>
-              <a:t>Image </a:t>
-            </a:r>
-            <a:r>
-              <a:rPr lang="nl-NL" dirty="0" smtClean="0"/>
-              <a:t>Processing</a:t>
+              <a:t>Image Processing</a:t>
             </a:r>
             <a:endParaRPr lang="nl-NL" dirty="0"/>
           </a:p>
@@ -6224,7 +6222,7 @@
         </p:nvSpPr>
         <p:spPr>
           <a:xfrm>
-            <a:off x="2267744" y="5949280"/>
+            <a:off x="2267744" y="5877272"/>
             <a:ext cx="4752528" cy="523220"/>
           </a:xfrm>
           <a:prstGeom prst="rect">
@@ -6511,6 +6509,316 @@
 </file>
 
 <file path=ppt/slides/slide17.xml><?xml version="1.0" encoding="utf-8"?>
+<p:sld xmlns:a="http://schemas.openxmlformats.org/drawingml/2006/main" xmlns:r="http://schemas.openxmlformats.org/officeDocument/2006/relationships" xmlns:p="http://schemas.openxmlformats.org/presentationml/2006/main">
+  <p:cSld>
+    <p:spTree>
+      <p:nvGrpSpPr>
+        <p:cNvPr id="1" name=""/>
+        <p:cNvGrpSpPr/>
+        <p:nvPr/>
+      </p:nvGrpSpPr>
+      <p:grpSpPr>
+        <a:xfrm>
+          <a:off x="0" y="0"/>
+          <a:ext cx="0" cy="0"/>
+          <a:chOff x="0" y="0"/>
+          <a:chExt cx="0" cy="0"/>
+        </a:xfrm>
+      </p:grpSpPr>
+      <p:sp>
+        <p:nvSpPr>
+          <p:cNvPr id="2" name="Titel 1"/>
+          <p:cNvSpPr>
+            <a:spLocks noGrp="1"/>
+          </p:cNvSpPr>
+          <p:nvPr>
+            <p:ph type="title"/>
+          </p:nvPr>
+        </p:nvSpPr>
+        <p:spPr/>
+        <p:txBody>
+          <a:bodyPr/>
+          <a:lstStyle/>
+          <a:p>
+            <a:r>
+              <a:rPr lang="nl-NL" dirty="0" err="1"/>
+              <a:t>opencv_apps</a:t>
+            </a:r>
+            <a:endParaRPr lang="nl-NL" dirty="0"/>
+          </a:p>
+        </p:txBody>
+      </p:sp>
+      <p:sp>
+        <p:nvSpPr>
+          <p:cNvPr id="3" name="Tijdelijke aanduiding voor inhoud 2"/>
+          <p:cNvSpPr>
+            <a:spLocks noGrp="1"/>
+          </p:cNvSpPr>
+          <p:nvPr>
+            <p:ph idx="1"/>
+          </p:nvPr>
+        </p:nvSpPr>
+        <p:spPr/>
+        <p:txBody>
+          <a:bodyPr/>
+          <a:lstStyle/>
+          <a:p>
+            <a:r>
+              <a:rPr lang="nl-NL" dirty="0" smtClean="0"/>
+              <a:t>Ready </a:t>
+            </a:r>
+            <a:r>
+              <a:rPr lang="nl-NL" dirty="0" err="1" smtClean="0"/>
+              <a:t>to</a:t>
+            </a:r>
+            <a:r>
+              <a:rPr lang="nl-NL" dirty="0" smtClean="0"/>
+              <a:t> </a:t>
+            </a:r>
+            <a:r>
+              <a:rPr lang="nl-NL" dirty="0" err="1" smtClean="0"/>
+              <a:t>use</a:t>
+            </a:r>
+            <a:r>
+              <a:rPr lang="nl-NL" dirty="0" smtClean="0"/>
+              <a:t> </a:t>
+            </a:r>
+            <a:r>
+              <a:rPr lang="nl-NL" dirty="0" err="1" smtClean="0"/>
+              <a:t>OpenCV</a:t>
+            </a:r>
+            <a:r>
+              <a:rPr lang="nl-NL" dirty="0" smtClean="0"/>
+              <a:t> </a:t>
+            </a:r>
+            <a:r>
+              <a:rPr lang="nl-NL" dirty="0" err="1" smtClean="0"/>
+              <a:t>based</a:t>
+            </a:r>
+            <a:r>
+              <a:rPr lang="nl-NL" dirty="0" smtClean="0"/>
+              <a:t> ROS </a:t>
+            </a:r>
+            <a:r>
+              <a:rPr lang="nl-NL" dirty="0" err="1" smtClean="0"/>
+              <a:t>nodes</a:t>
+            </a:r>
+            <a:endParaRPr lang="nl-NL" dirty="0" smtClean="0"/>
+          </a:p>
+          <a:p>
+            <a:pPr lvl="1"/>
+            <a:r>
+              <a:rPr lang="nl-NL" dirty="0" smtClean="0"/>
+              <a:t>No </a:t>
+            </a:r>
+            <a:r>
+              <a:rPr lang="nl-NL" dirty="0" err="1" smtClean="0"/>
+              <a:t>programming</a:t>
+            </a:r>
+            <a:r>
+              <a:rPr lang="nl-NL" dirty="0" smtClean="0"/>
+              <a:t> </a:t>
+            </a:r>
+            <a:r>
+              <a:rPr lang="nl-NL" dirty="0" err="1" smtClean="0"/>
+              <a:t>required</a:t>
+            </a:r>
+            <a:endParaRPr lang="nl-NL" dirty="0" smtClean="0"/>
+          </a:p>
+          <a:p>
+            <a:pPr lvl="1"/>
+            <a:endParaRPr lang="nl-NL" dirty="0" smtClean="0"/>
+          </a:p>
+          <a:p>
+            <a:r>
+              <a:rPr lang="nl-NL" dirty="0" smtClean="0">
+                <a:hlinkClick r:id="rId2"/>
+              </a:rPr>
+              <a:t>http</a:t>
+            </a:r>
+            <a:r>
+              <a:rPr lang="nl-NL" dirty="0">
+                <a:hlinkClick r:id="rId2"/>
+              </a:rPr>
+              <a:t>://</a:t>
+            </a:r>
+            <a:r>
+              <a:rPr lang="nl-NL" dirty="0" smtClean="0">
+                <a:hlinkClick r:id="rId2"/>
+              </a:rPr>
+              <a:t>wiki.ros.org/opencv_apps</a:t>
+            </a:r>
+            <a:endParaRPr lang="nl-NL" dirty="0" smtClean="0"/>
+          </a:p>
+          <a:p>
+            <a:pPr marL="0" indent="0">
+              <a:buNone/>
+            </a:pPr>
+            <a:endParaRPr lang="nl-NL" dirty="0"/>
+          </a:p>
+        </p:txBody>
+      </p:sp>
+      <p:sp>
+        <p:nvSpPr>
+          <p:cNvPr id="4" name="Tijdelijke aanduiding voor voettekst 3"/>
+          <p:cNvSpPr>
+            <a:spLocks noGrp="1"/>
+          </p:cNvSpPr>
+          <p:nvPr>
+            <p:ph type="ftr" sz="quarter" idx="11"/>
+          </p:nvPr>
+        </p:nvSpPr>
+        <p:spPr/>
+        <p:txBody>
+          <a:bodyPr/>
+          <a:lstStyle/>
+          <a:p>
+            <a:r>
+              <a:rPr lang="nl-NL" smtClean="0"/>
+              <a:t>OpenCV in ROS / Eric Dortmans / FHICT</a:t>
+            </a:r>
+          </a:p>
+          <a:p>
+            <a:endParaRPr lang="nl-NL" dirty="0"/>
+          </a:p>
+        </p:txBody>
+      </p:sp>
+    </p:spTree>
+    <p:extLst>
+      <p:ext uri="{BB962C8B-B14F-4D97-AF65-F5344CB8AC3E}">
+        <p14:creationId xmlns:p14="http://schemas.microsoft.com/office/powerpoint/2010/main" val="1976290969"/>
+      </p:ext>
+    </p:extLst>
+  </p:cSld>
+  <p:clrMapOvr>
+    <a:masterClrMapping/>
+  </p:clrMapOvr>
+</p:sld>
+</file>
+
+<file path=ppt/slides/slide18.xml><?xml version="1.0" encoding="utf-8"?>
+<p:sld xmlns:a="http://schemas.openxmlformats.org/drawingml/2006/main" xmlns:r="http://schemas.openxmlformats.org/officeDocument/2006/relationships" xmlns:p="http://schemas.openxmlformats.org/presentationml/2006/main">
+  <p:cSld>
+    <p:spTree>
+      <p:nvGrpSpPr>
+        <p:cNvPr id="1" name=""/>
+        <p:cNvGrpSpPr/>
+        <p:nvPr/>
+      </p:nvGrpSpPr>
+      <p:grpSpPr>
+        <a:xfrm>
+          <a:off x="0" y="0"/>
+          <a:ext cx="0" cy="0"/>
+          <a:chOff x="0" y="0"/>
+          <a:chExt cx="0" cy="0"/>
+        </a:xfrm>
+      </p:grpSpPr>
+      <p:sp>
+        <p:nvSpPr>
+          <p:cNvPr id="5" name="Titel 4"/>
+          <p:cNvSpPr>
+            <a:spLocks noGrp="1"/>
+          </p:cNvSpPr>
+          <p:nvPr>
+            <p:ph type="title"/>
+          </p:nvPr>
+        </p:nvSpPr>
+        <p:spPr/>
+        <p:txBody>
+          <a:bodyPr/>
+          <a:lstStyle/>
+          <a:p>
+            <a:r>
+              <a:rPr lang="nl-NL" dirty="0" err="1" smtClean="0"/>
+              <a:t>Writing</a:t>
+            </a:r>
+            <a:r>
+              <a:rPr lang="nl-NL" dirty="0" smtClean="0"/>
+              <a:t> </a:t>
+            </a:r>
+            <a:r>
+              <a:rPr lang="nl-NL" dirty="0" err="1" smtClean="0"/>
+              <a:t>opencv</a:t>
+            </a:r>
+            <a:r>
+              <a:rPr lang="nl-NL" dirty="0" smtClean="0"/>
+              <a:t> </a:t>
+            </a:r>
+            <a:r>
+              <a:rPr lang="nl-NL" dirty="0" smtClean="0"/>
+              <a:t>Ros </a:t>
+            </a:r>
+            <a:r>
+              <a:rPr lang="nl-NL" dirty="0" err="1" smtClean="0"/>
+              <a:t>nodes</a:t>
+            </a:r>
+            <a:endParaRPr lang="nl-NL" dirty="0"/>
+          </a:p>
+        </p:txBody>
+      </p:sp>
+      <p:sp>
+        <p:nvSpPr>
+          <p:cNvPr id="6" name="Tijdelijke aanduiding voor tekst 5"/>
+          <p:cNvSpPr>
+            <a:spLocks noGrp="1"/>
+          </p:cNvSpPr>
+          <p:nvPr>
+            <p:ph type="body" idx="1"/>
+          </p:nvPr>
+        </p:nvSpPr>
+        <p:spPr/>
+        <p:txBody>
+          <a:bodyPr/>
+          <a:lstStyle/>
+          <a:p>
+            <a:endParaRPr lang="nl-NL" dirty="0"/>
+          </a:p>
+        </p:txBody>
+      </p:sp>
+      <p:sp>
+        <p:nvSpPr>
+          <p:cNvPr id="2" name="Tijdelijke aanduiding voor voettekst 1"/>
+          <p:cNvSpPr>
+            <a:spLocks noGrp="1"/>
+          </p:cNvSpPr>
+          <p:nvPr>
+            <p:ph type="ftr" sz="quarter" idx="11"/>
+          </p:nvPr>
+        </p:nvSpPr>
+        <p:spPr/>
+        <p:txBody>
+          <a:bodyPr/>
+          <a:lstStyle/>
+          <a:p>
+            <a:r>
+              <a:rPr lang="nl-NL" smtClean="0"/>
+              <a:t>OpenCV in ROS / Eric Dortmans / FHICT </a:t>
+            </a:r>
+            <a:endParaRPr lang="nl-NL"/>
+          </a:p>
+        </p:txBody>
+      </p:sp>
+    </p:spTree>
+    <p:extLst>
+      <p:ext uri="{BB962C8B-B14F-4D97-AF65-F5344CB8AC3E}">
+        <p14:creationId xmlns:p14="http://schemas.microsoft.com/office/powerpoint/2010/main" val="4145842707"/>
+      </p:ext>
+    </p:extLst>
+  </p:cSld>
+  <p:clrMapOvr>
+    <a:masterClrMapping/>
+  </p:clrMapOvr>
+  <p:timing>
+    <p:tnLst>
+      <p:par>
+        <p:cTn id="1" dur="indefinite" restart="never" nodeType="tmRoot"/>
+      </p:par>
+    </p:tnLst>
+  </p:timing>
+</p:sld>
+</file>
+
+<file path=ppt/slides/slide19.xml><?xml version="1.0" encoding="utf-8"?>
 <p:sld xmlns:a="http://schemas.openxmlformats.org/drawingml/2006/main" xmlns:r="http://schemas.openxmlformats.org/officeDocument/2006/relationships" xmlns:p="http://schemas.openxmlformats.org/presentationml/2006/main">
   <p:cSld>
     <p:spTree>
@@ -6736,7 +7044,209 @@
 </p:sld>
 </file>
 
-<file path=ppt/slides/slide18.xml><?xml version="1.0" encoding="utf-8"?>
+<file path=ppt/slides/slide2.xml><?xml version="1.0" encoding="utf-8"?>
+<p:sld xmlns:a="http://schemas.openxmlformats.org/drawingml/2006/main" xmlns:r="http://schemas.openxmlformats.org/officeDocument/2006/relationships" xmlns:p="http://schemas.openxmlformats.org/presentationml/2006/main">
+  <p:cSld>
+    <p:spTree>
+      <p:nvGrpSpPr>
+        <p:cNvPr id="1" name=""/>
+        <p:cNvGrpSpPr/>
+        <p:nvPr/>
+      </p:nvGrpSpPr>
+      <p:grpSpPr>
+        <a:xfrm>
+          <a:off x="0" y="0"/>
+          <a:ext cx="0" cy="0"/>
+          <a:chOff x="0" y="0"/>
+          <a:chExt cx="0" cy="0"/>
+        </a:xfrm>
+      </p:grpSpPr>
+      <p:sp>
+        <p:nvSpPr>
+          <p:cNvPr id="2" name="Titel 1"/>
+          <p:cNvSpPr>
+            <a:spLocks noGrp="1"/>
+          </p:cNvSpPr>
+          <p:nvPr>
+            <p:ph type="title"/>
+          </p:nvPr>
+        </p:nvSpPr>
+        <p:spPr/>
+        <p:txBody>
+          <a:bodyPr/>
+          <a:lstStyle/>
+          <a:p>
+            <a:r>
+              <a:rPr lang="nl-NL" dirty="0" smtClean="0"/>
+              <a:t>Contents</a:t>
+            </a:r>
+            <a:endParaRPr lang="nl-NL" dirty="0"/>
+          </a:p>
+        </p:txBody>
+      </p:sp>
+      <p:sp>
+        <p:nvSpPr>
+          <p:cNvPr id="3" name="Tijdelijke aanduiding voor inhoud 2"/>
+          <p:cNvSpPr>
+            <a:spLocks noGrp="1"/>
+          </p:cNvSpPr>
+          <p:nvPr>
+            <p:ph idx="1"/>
+          </p:nvPr>
+        </p:nvSpPr>
+        <p:spPr/>
+        <p:txBody>
+          <a:bodyPr>
+            <a:normAutofit fontScale="85000" lnSpcReduction="20000"/>
+          </a:bodyPr>
+          <a:lstStyle/>
+          <a:p>
+            <a:r>
+              <a:rPr lang="nl-NL" dirty="0" err="1" smtClean="0"/>
+              <a:t>OpenCV</a:t>
+            </a:r>
+            <a:endParaRPr lang="nl-NL" dirty="0" smtClean="0"/>
+          </a:p>
+          <a:p>
+            <a:endParaRPr lang="nl-NL" dirty="0"/>
+          </a:p>
+          <a:p>
+            <a:r>
+              <a:rPr lang="nl-NL" dirty="0" err="1" smtClean="0"/>
+              <a:t>OpenCV</a:t>
+            </a:r>
+            <a:r>
+              <a:rPr lang="nl-NL" dirty="0" smtClean="0"/>
+              <a:t> &amp; ROS</a:t>
+            </a:r>
+          </a:p>
+          <a:p>
+            <a:pPr lvl="1"/>
+            <a:endParaRPr lang="nl-NL" dirty="0" smtClean="0"/>
+          </a:p>
+          <a:p>
+            <a:r>
+              <a:rPr lang="nl-NL" dirty="0" smtClean="0"/>
+              <a:t>Object </a:t>
+            </a:r>
+            <a:r>
+              <a:rPr lang="nl-NL" dirty="0" err="1" smtClean="0"/>
+              <a:t>detection</a:t>
+            </a:r>
+            <a:endParaRPr lang="nl-NL" dirty="0" smtClean="0"/>
+          </a:p>
+          <a:p>
+            <a:pPr lvl="1"/>
+            <a:endParaRPr lang="nl-NL" dirty="0" smtClean="0"/>
+          </a:p>
+          <a:p>
+            <a:r>
+              <a:rPr lang="nl-NL" dirty="0"/>
+              <a:t>Camera </a:t>
+            </a:r>
+            <a:r>
+              <a:rPr lang="nl-NL" dirty="0" err="1" smtClean="0"/>
+              <a:t>calibration</a:t>
+            </a:r>
+            <a:endParaRPr lang="nl-NL" dirty="0" smtClean="0"/>
+          </a:p>
+          <a:p>
+            <a:endParaRPr lang="nl-NL" dirty="0" smtClean="0"/>
+          </a:p>
+          <a:p>
+            <a:r>
+              <a:rPr lang="nl-NL" dirty="0" smtClean="0"/>
+              <a:t>Camera </a:t>
+            </a:r>
+            <a:r>
+              <a:rPr lang="nl-NL" dirty="0" err="1" smtClean="0"/>
+              <a:t>perspective</a:t>
+            </a:r>
+            <a:r>
+              <a:rPr lang="nl-NL" dirty="0" smtClean="0"/>
+              <a:t> </a:t>
+            </a:r>
+            <a:r>
+              <a:rPr lang="nl-NL" dirty="0" err="1" smtClean="0"/>
+              <a:t>correction</a:t>
+            </a:r>
+            <a:endParaRPr lang="nl-NL" dirty="0" smtClean="0"/>
+          </a:p>
+          <a:p>
+            <a:pPr lvl="1"/>
+            <a:endParaRPr lang="nl-NL" dirty="0" smtClean="0"/>
+          </a:p>
+          <a:p>
+            <a:r>
+              <a:rPr lang="nl-NL" dirty="0" smtClean="0"/>
+              <a:t>Pose &amp; </a:t>
+            </a:r>
+            <a:r>
+              <a:rPr lang="nl-NL" dirty="0" err="1"/>
+              <a:t>s</a:t>
+            </a:r>
+            <a:r>
+              <a:rPr lang="nl-NL" dirty="0" err="1" smtClean="0"/>
+              <a:t>ize</a:t>
+            </a:r>
+            <a:r>
+              <a:rPr lang="nl-NL" dirty="0" smtClean="0"/>
+              <a:t> </a:t>
+            </a:r>
+            <a:r>
+              <a:rPr lang="nl-NL" dirty="0" err="1" smtClean="0"/>
+              <a:t>estimation</a:t>
+            </a:r>
+            <a:endParaRPr lang="nl-NL" dirty="0" smtClean="0"/>
+          </a:p>
+        </p:txBody>
+      </p:sp>
+      <p:sp>
+        <p:nvSpPr>
+          <p:cNvPr id="5" name="Tijdelijke aanduiding voor voettekst 4"/>
+          <p:cNvSpPr>
+            <a:spLocks noGrp="1"/>
+          </p:cNvSpPr>
+          <p:nvPr>
+            <p:ph type="ftr" sz="quarter" idx="11"/>
+          </p:nvPr>
+        </p:nvSpPr>
+        <p:spPr/>
+        <p:txBody>
+          <a:bodyPr/>
+          <a:lstStyle/>
+          <a:p>
+            <a:r>
+              <a:rPr lang="nl-NL" smtClean="0"/>
+              <a:t>OpenCV in ROS / Eric Dortmans / FHICT</a:t>
+            </a:r>
+          </a:p>
+          <a:p>
+            <a:endParaRPr lang="nl-NL" dirty="0"/>
+          </a:p>
+        </p:txBody>
+      </p:sp>
+    </p:spTree>
+    <p:extLst>
+      <p:ext uri="{BB962C8B-B14F-4D97-AF65-F5344CB8AC3E}">
+        <p14:creationId xmlns:p14="http://schemas.microsoft.com/office/powerpoint/2010/main" val="913436338"/>
+      </p:ext>
+    </p:extLst>
+  </p:cSld>
+  <p:clrMapOvr>
+    <a:masterClrMapping/>
+  </p:clrMapOvr>
+  <p:timing>
+    <p:tnLst>
+      <p:par>
+        <p:cTn id="1" dur="indefinite" restart="never" nodeType="tmRoot"/>
+      </p:par>
+    </p:tnLst>
+  </p:timing>
+</p:sld>
+</file>
+
+<file path=ppt/slides/slide20.xml><?xml version="1.0" encoding="utf-8"?>
 <p:sld xmlns:a="http://schemas.openxmlformats.org/drawingml/2006/main" xmlns:r="http://schemas.openxmlformats.org/officeDocument/2006/relationships" xmlns:p="http://schemas.openxmlformats.org/presentationml/2006/main">
   <p:cSld>
     <p:spTree>
@@ -7280,7 +7790,7 @@
 </p:sld>
 </file>
 
-<file path=ppt/slides/slide19.xml><?xml version="1.0" encoding="utf-8"?>
+<file path=ppt/slides/slide21.xml><?xml version="1.0" encoding="utf-8"?>
 <p:sld xmlns:a="http://schemas.openxmlformats.org/drawingml/2006/main" xmlns:r="http://schemas.openxmlformats.org/officeDocument/2006/relationships" xmlns:p="http://schemas.openxmlformats.org/presentationml/2006/main">
   <p:cSld>
     <p:spTree>
@@ -8365,209 +8875,7 @@
 </p:sld>
 </file>
 
-<file path=ppt/slides/slide2.xml><?xml version="1.0" encoding="utf-8"?>
-<p:sld xmlns:a="http://schemas.openxmlformats.org/drawingml/2006/main" xmlns:r="http://schemas.openxmlformats.org/officeDocument/2006/relationships" xmlns:p="http://schemas.openxmlformats.org/presentationml/2006/main">
-  <p:cSld>
-    <p:spTree>
-      <p:nvGrpSpPr>
-        <p:cNvPr id="1" name=""/>
-        <p:cNvGrpSpPr/>
-        <p:nvPr/>
-      </p:nvGrpSpPr>
-      <p:grpSpPr>
-        <a:xfrm>
-          <a:off x="0" y="0"/>
-          <a:ext cx="0" cy="0"/>
-          <a:chOff x="0" y="0"/>
-          <a:chExt cx="0" cy="0"/>
-        </a:xfrm>
-      </p:grpSpPr>
-      <p:sp>
-        <p:nvSpPr>
-          <p:cNvPr id="2" name="Titel 1"/>
-          <p:cNvSpPr>
-            <a:spLocks noGrp="1"/>
-          </p:cNvSpPr>
-          <p:nvPr>
-            <p:ph type="title"/>
-          </p:nvPr>
-        </p:nvSpPr>
-        <p:spPr/>
-        <p:txBody>
-          <a:bodyPr/>
-          <a:lstStyle/>
-          <a:p>
-            <a:r>
-              <a:rPr lang="nl-NL" dirty="0" smtClean="0"/>
-              <a:t>Contents</a:t>
-            </a:r>
-            <a:endParaRPr lang="nl-NL" dirty="0"/>
-          </a:p>
-        </p:txBody>
-      </p:sp>
-      <p:sp>
-        <p:nvSpPr>
-          <p:cNvPr id="3" name="Tijdelijke aanduiding voor inhoud 2"/>
-          <p:cNvSpPr>
-            <a:spLocks noGrp="1"/>
-          </p:cNvSpPr>
-          <p:nvPr>
-            <p:ph idx="1"/>
-          </p:nvPr>
-        </p:nvSpPr>
-        <p:spPr/>
-        <p:txBody>
-          <a:bodyPr>
-            <a:normAutofit fontScale="85000" lnSpcReduction="20000"/>
-          </a:bodyPr>
-          <a:lstStyle/>
-          <a:p>
-            <a:r>
-              <a:rPr lang="nl-NL" dirty="0" err="1" smtClean="0"/>
-              <a:t>OpenCV</a:t>
-            </a:r>
-            <a:endParaRPr lang="nl-NL" dirty="0" smtClean="0"/>
-          </a:p>
-          <a:p>
-            <a:endParaRPr lang="nl-NL" dirty="0"/>
-          </a:p>
-          <a:p>
-            <a:r>
-              <a:rPr lang="nl-NL" dirty="0" err="1" smtClean="0"/>
-              <a:t>OpenCV</a:t>
-            </a:r>
-            <a:r>
-              <a:rPr lang="nl-NL" dirty="0" smtClean="0"/>
-              <a:t> &amp; ROS</a:t>
-            </a:r>
-          </a:p>
-          <a:p>
-            <a:pPr lvl="1"/>
-            <a:endParaRPr lang="nl-NL" dirty="0" smtClean="0"/>
-          </a:p>
-          <a:p>
-            <a:r>
-              <a:rPr lang="nl-NL" dirty="0" smtClean="0"/>
-              <a:t>Object </a:t>
-            </a:r>
-            <a:r>
-              <a:rPr lang="nl-NL" dirty="0" err="1" smtClean="0"/>
-              <a:t>detection</a:t>
-            </a:r>
-            <a:endParaRPr lang="nl-NL" dirty="0" smtClean="0"/>
-          </a:p>
-          <a:p>
-            <a:pPr lvl="1"/>
-            <a:endParaRPr lang="nl-NL" dirty="0" smtClean="0"/>
-          </a:p>
-          <a:p>
-            <a:r>
-              <a:rPr lang="nl-NL" dirty="0"/>
-              <a:t>Camera </a:t>
-            </a:r>
-            <a:r>
-              <a:rPr lang="nl-NL" dirty="0" err="1" smtClean="0"/>
-              <a:t>calibration</a:t>
-            </a:r>
-            <a:endParaRPr lang="nl-NL" dirty="0" smtClean="0"/>
-          </a:p>
-          <a:p>
-            <a:endParaRPr lang="nl-NL" dirty="0" smtClean="0"/>
-          </a:p>
-          <a:p>
-            <a:r>
-              <a:rPr lang="nl-NL" dirty="0" smtClean="0"/>
-              <a:t>Camera </a:t>
-            </a:r>
-            <a:r>
-              <a:rPr lang="nl-NL" dirty="0" err="1" smtClean="0"/>
-              <a:t>perspective</a:t>
-            </a:r>
-            <a:r>
-              <a:rPr lang="nl-NL" dirty="0" smtClean="0"/>
-              <a:t> </a:t>
-            </a:r>
-            <a:r>
-              <a:rPr lang="nl-NL" dirty="0" err="1" smtClean="0"/>
-              <a:t>correction</a:t>
-            </a:r>
-            <a:endParaRPr lang="nl-NL" dirty="0" smtClean="0"/>
-          </a:p>
-          <a:p>
-            <a:pPr lvl="1"/>
-            <a:endParaRPr lang="nl-NL" dirty="0" smtClean="0"/>
-          </a:p>
-          <a:p>
-            <a:r>
-              <a:rPr lang="nl-NL" dirty="0" smtClean="0"/>
-              <a:t>Pose &amp; </a:t>
-            </a:r>
-            <a:r>
-              <a:rPr lang="nl-NL" dirty="0" err="1"/>
-              <a:t>s</a:t>
-            </a:r>
-            <a:r>
-              <a:rPr lang="nl-NL" dirty="0" err="1" smtClean="0"/>
-              <a:t>ize</a:t>
-            </a:r>
-            <a:r>
-              <a:rPr lang="nl-NL" dirty="0" smtClean="0"/>
-              <a:t> </a:t>
-            </a:r>
-            <a:r>
-              <a:rPr lang="nl-NL" dirty="0" err="1" smtClean="0"/>
-              <a:t>estimation</a:t>
-            </a:r>
-            <a:endParaRPr lang="nl-NL" dirty="0" smtClean="0"/>
-          </a:p>
-        </p:txBody>
-      </p:sp>
-      <p:sp>
-        <p:nvSpPr>
-          <p:cNvPr id="5" name="Tijdelijke aanduiding voor voettekst 4"/>
-          <p:cNvSpPr>
-            <a:spLocks noGrp="1"/>
-          </p:cNvSpPr>
-          <p:nvPr>
-            <p:ph type="ftr" sz="quarter" idx="11"/>
-          </p:nvPr>
-        </p:nvSpPr>
-        <p:spPr/>
-        <p:txBody>
-          <a:bodyPr/>
-          <a:lstStyle/>
-          <a:p>
-            <a:r>
-              <a:rPr lang="nl-NL" smtClean="0"/>
-              <a:t>OpenCV in ROS / Eric Dortmans / FHICT</a:t>
-            </a:r>
-          </a:p>
-          <a:p>
-            <a:endParaRPr lang="nl-NL" dirty="0"/>
-          </a:p>
-        </p:txBody>
-      </p:sp>
-    </p:spTree>
-    <p:extLst>
-      <p:ext uri="{BB962C8B-B14F-4D97-AF65-F5344CB8AC3E}">
-        <p14:creationId xmlns:p14="http://schemas.microsoft.com/office/powerpoint/2010/main" val="913436338"/>
-      </p:ext>
-    </p:extLst>
-  </p:cSld>
-  <p:clrMapOvr>
-    <a:masterClrMapping/>
-  </p:clrMapOvr>
-  <p:timing>
-    <p:tnLst>
-      <p:par>
-        <p:cTn id="1" dur="indefinite" restart="never" nodeType="tmRoot"/>
-      </p:par>
-    </p:tnLst>
-  </p:timing>
-</p:sld>
-</file>
-
-<file path=ppt/slides/slide20.xml><?xml version="1.0" encoding="utf-8"?>
+<file path=ppt/slides/slide22.xml><?xml version="1.0" encoding="utf-8"?>
 <p:sld xmlns:a="http://schemas.openxmlformats.org/drawingml/2006/main" xmlns:r="http://schemas.openxmlformats.org/officeDocument/2006/relationships" xmlns:p="http://schemas.openxmlformats.org/presentationml/2006/main">
   <p:cSld>
     <p:spTree>
@@ -8689,7 +8997,7 @@
 </p:sld>
 </file>
 
-<file path=ppt/slides/slide21.xml><?xml version="1.0" encoding="utf-8"?>
+<file path=ppt/slides/slide23.xml><?xml version="1.0" encoding="utf-8"?>
 <p:sld xmlns:a="http://schemas.openxmlformats.org/drawingml/2006/main" xmlns:r="http://schemas.openxmlformats.org/officeDocument/2006/relationships" xmlns:p="http://schemas.openxmlformats.org/presentationml/2006/main">
   <p:cSld>
     <p:spTree>
@@ -8985,7 +9293,7 @@
 </p:sld>
 </file>
 
-<file path=ppt/slides/slide22.xml><?xml version="1.0" encoding="utf-8"?>
+<file path=ppt/slides/slide24.xml><?xml version="1.0" encoding="utf-8"?>
 <p:sld xmlns:a="http://schemas.openxmlformats.org/drawingml/2006/main" xmlns:r="http://schemas.openxmlformats.org/officeDocument/2006/relationships" xmlns:p="http://schemas.openxmlformats.org/presentationml/2006/main">
   <p:cSld>
     <p:spTree>
@@ -9141,7 +9449,7 @@
 </p:sld>
 </file>
 
-<file path=ppt/slides/slide23.xml><?xml version="1.0" encoding="utf-8"?>
+<file path=ppt/slides/slide25.xml><?xml version="1.0" encoding="utf-8"?>
 <p:sld xmlns:a="http://schemas.openxmlformats.org/drawingml/2006/main" xmlns:r="http://schemas.openxmlformats.org/officeDocument/2006/relationships" xmlns:p="http://schemas.openxmlformats.org/presentationml/2006/main">
   <p:cSld>
     <p:spTree>
@@ -10213,7 +10521,7 @@
 </p:sld>
 </file>
 
-<file path=ppt/slides/slide24.xml><?xml version="1.0" encoding="utf-8"?>
+<file path=ppt/slides/slide26.xml><?xml version="1.0" encoding="utf-8"?>
 <p:sld xmlns:a="http://schemas.openxmlformats.org/drawingml/2006/main" xmlns:r="http://schemas.openxmlformats.org/officeDocument/2006/relationships" xmlns:p="http://schemas.openxmlformats.org/presentationml/2006/main">
   <p:cSld>
     <p:spTree>
@@ -10400,7 +10708,7 @@
 </p:sld>
 </file>
 
-<file path=ppt/slides/slide25.xml><?xml version="1.0" encoding="utf-8"?>
+<file path=ppt/slides/slide27.xml><?xml version="1.0" encoding="utf-8"?>
 <p:sld xmlns:a="http://schemas.openxmlformats.org/drawingml/2006/main" xmlns:r="http://schemas.openxmlformats.org/officeDocument/2006/relationships" xmlns:p="http://schemas.openxmlformats.org/presentationml/2006/main">
   <p:cSld>
     <p:spTree>
@@ -10584,7 +10892,7 @@
 </p:sld>
 </file>
 
-<file path=ppt/slides/slide26.xml><?xml version="1.0" encoding="utf-8"?>
+<file path=ppt/slides/slide28.xml><?xml version="1.0" encoding="utf-8"?>
 <p:sld xmlns:a="http://schemas.openxmlformats.org/drawingml/2006/main" xmlns:r="http://schemas.openxmlformats.org/officeDocument/2006/relationships" xmlns:p="http://schemas.openxmlformats.org/presentationml/2006/main">
   <p:cSld>
     <p:spTree>
@@ -10761,7 +11069,7 @@
 </p:sld>
 </file>
 
-<file path=ppt/slides/slide27.xml><?xml version="1.0" encoding="utf-8"?>
+<file path=ppt/slides/slide29.xml><?xml version="1.0" encoding="utf-8"?>
 <p:sld xmlns:a="http://schemas.openxmlformats.org/drawingml/2006/main" xmlns:r="http://schemas.openxmlformats.org/officeDocument/2006/relationships" xmlns:p="http://schemas.openxmlformats.org/presentationml/2006/main">
   <p:cSld>
     <p:spTree>
@@ -12268,7 +12576,109 @@
 </p:sld>
 </file>
 
-<file path=ppt/slides/slide28.xml><?xml version="1.0" encoding="utf-8"?>
+<file path=ppt/slides/slide3.xml><?xml version="1.0" encoding="utf-8"?>
+<p:sld xmlns:a="http://schemas.openxmlformats.org/drawingml/2006/main" xmlns:r="http://schemas.openxmlformats.org/officeDocument/2006/relationships" xmlns:p="http://schemas.openxmlformats.org/presentationml/2006/main">
+  <p:cSld>
+    <p:spTree>
+      <p:nvGrpSpPr>
+        <p:cNvPr id="1" name=""/>
+        <p:cNvGrpSpPr/>
+        <p:nvPr/>
+      </p:nvGrpSpPr>
+      <p:grpSpPr>
+        <a:xfrm>
+          <a:off x="0" y="0"/>
+          <a:ext cx="0" cy="0"/>
+          <a:chOff x="0" y="0"/>
+          <a:chExt cx="0" cy="0"/>
+        </a:xfrm>
+      </p:grpSpPr>
+      <p:sp>
+        <p:nvSpPr>
+          <p:cNvPr id="5" name="Titel 4"/>
+          <p:cNvSpPr>
+            <a:spLocks noGrp="1"/>
+          </p:cNvSpPr>
+          <p:nvPr>
+            <p:ph type="title"/>
+          </p:nvPr>
+        </p:nvSpPr>
+        <p:spPr/>
+        <p:txBody>
+          <a:bodyPr/>
+          <a:lstStyle/>
+          <a:p>
+            <a:r>
+              <a:rPr lang="nl-NL" dirty="0" err="1" smtClean="0"/>
+              <a:t>OpenCV</a:t>
+            </a:r>
+            <a:endParaRPr lang="nl-NL" dirty="0"/>
+          </a:p>
+        </p:txBody>
+      </p:sp>
+      <p:sp>
+        <p:nvSpPr>
+          <p:cNvPr id="6" name="Tijdelijke aanduiding voor tekst 5"/>
+          <p:cNvSpPr>
+            <a:spLocks noGrp="1"/>
+          </p:cNvSpPr>
+          <p:nvPr>
+            <p:ph type="body" idx="1"/>
+          </p:nvPr>
+        </p:nvSpPr>
+        <p:spPr/>
+        <p:txBody>
+          <a:bodyPr/>
+          <a:lstStyle/>
+          <a:p>
+            <a:endParaRPr lang="nl-NL"/>
+          </a:p>
+        </p:txBody>
+      </p:sp>
+      <p:sp>
+        <p:nvSpPr>
+          <p:cNvPr id="2" name="Tijdelijke aanduiding voor voettekst 1"/>
+          <p:cNvSpPr>
+            <a:spLocks noGrp="1"/>
+          </p:cNvSpPr>
+          <p:nvPr>
+            <p:ph type="ftr" sz="quarter" idx="11"/>
+          </p:nvPr>
+        </p:nvSpPr>
+        <p:spPr/>
+        <p:txBody>
+          <a:bodyPr/>
+          <a:lstStyle/>
+          <a:p>
+            <a:r>
+              <a:rPr lang="nl-NL" smtClean="0"/>
+              <a:t>OpenCV in ROS / Eric Dortmans / FHICT </a:t>
+            </a:r>
+            <a:endParaRPr lang="nl-NL"/>
+          </a:p>
+        </p:txBody>
+      </p:sp>
+    </p:spTree>
+    <p:extLst>
+      <p:ext uri="{BB962C8B-B14F-4D97-AF65-F5344CB8AC3E}">
+        <p14:creationId xmlns:p14="http://schemas.microsoft.com/office/powerpoint/2010/main" val="337236237"/>
+      </p:ext>
+    </p:extLst>
+  </p:cSld>
+  <p:clrMapOvr>
+    <a:masterClrMapping/>
+  </p:clrMapOvr>
+  <p:timing>
+    <p:tnLst>
+      <p:par>
+        <p:cTn id="1" dur="indefinite" restart="never" nodeType="tmRoot"/>
+      </p:par>
+    </p:tnLst>
+  </p:timing>
+</p:sld>
+</file>
+
+<file path=ppt/slides/slide30.xml><?xml version="1.0" encoding="utf-8"?>
 <p:sld xmlns:a="http://schemas.openxmlformats.org/drawingml/2006/main" xmlns:r="http://schemas.openxmlformats.org/officeDocument/2006/relationships" xmlns:p="http://schemas.openxmlformats.org/presentationml/2006/main">
   <p:cSld>
     <p:spTree>
@@ -12888,7 +13298,7 @@
 </p:sld>
 </file>
 
-<file path=ppt/slides/slide29.xml><?xml version="1.0" encoding="utf-8"?>
+<file path=ppt/slides/slide31.xml><?xml version="1.0" encoding="utf-8"?>
 <p:sld xmlns:a="http://schemas.openxmlformats.org/drawingml/2006/main" xmlns:r="http://schemas.openxmlformats.org/officeDocument/2006/relationships" xmlns:p="http://schemas.openxmlformats.org/presentationml/2006/main">
   <p:cSld>
     <p:spTree>
@@ -12996,109 +13406,7 @@
 </p:sld>
 </file>
 
-<file path=ppt/slides/slide3.xml><?xml version="1.0" encoding="utf-8"?>
-<p:sld xmlns:a="http://schemas.openxmlformats.org/drawingml/2006/main" xmlns:r="http://schemas.openxmlformats.org/officeDocument/2006/relationships" xmlns:p="http://schemas.openxmlformats.org/presentationml/2006/main">
-  <p:cSld>
-    <p:spTree>
-      <p:nvGrpSpPr>
-        <p:cNvPr id="1" name=""/>
-        <p:cNvGrpSpPr/>
-        <p:nvPr/>
-      </p:nvGrpSpPr>
-      <p:grpSpPr>
-        <a:xfrm>
-          <a:off x="0" y="0"/>
-          <a:ext cx="0" cy="0"/>
-          <a:chOff x="0" y="0"/>
-          <a:chExt cx="0" cy="0"/>
-        </a:xfrm>
-      </p:grpSpPr>
-      <p:sp>
-        <p:nvSpPr>
-          <p:cNvPr id="5" name="Titel 4"/>
-          <p:cNvSpPr>
-            <a:spLocks noGrp="1"/>
-          </p:cNvSpPr>
-          <p:nvPr>
-            <p:ph type="title"/>
-          </p:nvPr>
-        </p:nvSpPr>
-        <p:spPr/>
-        <p:txBody>
-          <a:bodyPr/>
-          <a:lstStyle/>
-          <a:p>
-            <a:r>
-              <a:rPr lang="nl-NL" dirty="0" err="1" smtClean="0"/>
-              <a:t>OpenCV</a:t>
-            </a:r>
-            <a:endParaRPr lang="nl-NL" dirty="0"/>
-          </a:p>
-        </p:txBody>
-      </p:sp>
-      <p:sp>
-        <p:nvSpPr>
-          <p:cNvPr id="6" name="Tijdelijke aanduiding voor tekst 5"/>
-          <p:cNvSpPr>
-            <a:spLocks noGrp="1"/>
-          </p:cNvSpPr>
-          <p:nvPr>
-            <p:ph type="body" idx="1"/>
-          </p:nvPr>
-        </p:nvSpPr>
-        <p:spPr/>
-        <p:txBody>
-          <a:bodyPr/>
-          <a:lstStyle/>
-          <a:p>
-            <a:endParaRPr lang="nl-NL"/>
-          </a:p>
-        </p:txBody>
-      </p:sp>
-      <p:sp>
-        <p:nvSpPr>
-          <p:cNvPr id="2" name="Tijdelijke aanduiding voor voettekst 1"/>
-          <p:cNvSpPr>
-            <a:spLocks noGrp="1"/>
-          </p:cNvSpPr>
-          <p:nvPr>
-            <p:ph type="ftr" sz="quarter" idx="11"/>
-          </p:nvPr>
-        </p:nvSpPr>
-        <p:spPr/>
-        <p:txBody>
-          <a:bodyPr/>
-          <a:lstStyle/>
-          <a:p>
-            <a:r>
-              <a:rPr lang="nl-NL" smtClean="0"/>
-              <a:t>OpenCV in ROS / Eric Dortmans / FHICT </a:t>
-            </a:r>
-            <a:endParaRPr lang="nl-NL"/>
-          </a:p>
-        </p:txBody>
-      </p:sp>
-    </p:spTree>
-    <p:extLst>
-      <p:ext uri="{BB962C8B-B14F-4D97-AF65-F5344CB8AC3E}">
-        <p14:creationId xmlns:p14="http://schemas.microsoft.com/office/powerpoint/2010/main" val="337236237"/>
-      </p:ext>
-    </p:extLst>
-  </p:cSld>
-  <p:clrMapOvr>
-    <a:masterClrMapping/>
-  </p:clrMapOvr>
-  <p:timing>
-    <p:tnLst>
-      <p:par>
-        <p:cTn id="1" dur="indefinite" restart="never" nodeType="tmRoot"/>
-      </p:par>
-    </p:tnLst>
-  </p:timing>
-</p:sld>
-</file>
-
-<file path=ppt/slides/slide30.xml><?xml version="1.0" encoding="utf-8"?>
+<file path=ppt/slides/slide32.xml><?xml version="1.0" encoding="utf-8"?>
 <p:sld xmlns:a="http://schemas.openxmlformats.org/drawingml/2006/main" xmlns:r="http://schemas.openxmlformats.org/officeDocument/2006/relationships" xmlns:p="http://schemas.openxmlformats.org/presentationml/2006/main">
   <p:cSld>
     <p:spTree>
@@ -13270,7 +13578,7 @@
 </p:sld>
 </file>
 
-<file path=ppt/slides/slide31.xml><?xml version="1.0" encoding="utf-8"?>
+<file path=ppt/slides/slide33.xml><?xml version="1.0" encoding="utf-8"?>
 <p:sld xmlns:a="http://schemas.openxmlformats.org/drawingml/2006/main" xmlns:r="http://schemas.openxmlformats.org/officeDocument/2006/relationships" xmlns:p="http://schemas.openxmlformats.org/presentationml/2006/main">
   <p:cSld>
     <p:spTree>
@@ -13378,7 +13686,7 @@
 </p:sld>
 </file>
 
-<file path=ppt/slides/slide32.xml><?xml version="1.0" encoding="utf-8"?>
+<file path=ppt/slides/slide34.xml><?xml version="1.0" encoding="utf-8"?>
 <p:sld xmlns:a="http://schemas.openxmlformats.org/drawingml/2006/main" xmlns:r="http://schemas.openxmlformats.org/officeDocument/2006/relationships" xmlns:p="http://schemas.openxmlformats.org/presentationml/2006/main">
   <p:cSld>
     <p:spTree>
@@ -13544,7 +13852,7 @@
 </p:sld>
 </file>
 
-<file path=ppt/slides/slide33.xml><?xml version="1.0" encoding="utf-8"?>
+<file path=ppt/slides/slide35.xml><?xml version="1.0" encoding="utf-8"?>
 <p:sld xmlns:a="http://schemas.openxmlformats.org/drawingml/2006/main" xmlns:r="http://schemas.openxmlformats.org/officeDocument/2006/relationships" xmlns:p="http://schemas.openxmlformats.org/presentationml/2006/main">
   <p:cSld>
     <p:spTree>
@@ -13698,7 +14006,7 @@
 </p:sld>
 </file>
 
-<file path=ppt/slides/slide34.xml><?xml version="1.0" encoding="utf-8"?>
+<file path=ppt/slides/slide36.xml><?xml version="1.0" encoding="utf-8"?>
 <p:sld xmlns:a="http://schemas.openxmlformats.org/drawingml/2006/main" xmlns:r="http://schemas.openxmlformats.org/officeDocument/2006/relationships" xmlns:p="http://schemas.openxmlformats.org/presentationml/2006/main">
   <p:cSld>
     <p:spTree>
@@ -13833,354 +14141,6 @@
     <p:extLst>
       <p:ext uri="{BB962C8B-B14F-4D97-AF65-F5344CB8AC3E}">
         <p14:creationId xmlns:p14="http://schemas.microsoft.com/office/powerpoint/2010/main" val="2508627273"/>
-      </p:ext>
-    </p:extLst>
-  </p:cSld>
-  <p:clrMapOvr>
-    <a:masterClrMapping/>
-  </p:clrMapOvr>
-  <p:timing>
-    <p:tnLst>
-      <p:par>
-        <p:cTn id="1" dur="indefinite" restart="never" nodeType="tmRoot"/>
-      </p:par>
-    </p:tnLst>
-  </p:timing>
-</p:sld>
-</file>
-
-<file path=ppt/slides/slide35.xml><?xml version="1.0" encoding="utf-8"?>
-<p:sld xmlns:a="http://schemas.openxmlformats.org/drawingml/2006/main" xmlns:r="http://schemas.openxmlformats.org/officeDocument/2006/relationships" xmlns:p="http://schemas.openxmlformats.org/presentationml/2006/main">
-  <p:cSld>
-    <p:spTree>
-      <p:nvGrpSpPr>
-        <p:cNvPr id="1" name=""/>
-        <p:cNvGrpSpPr/>
-        <p:nvPr/>
-      </p:nvGrpSpPr>
-      <p:grpSpPr>
-        <a:xfrm>
-          <a:off x="0" y="0"/>
-          <a:ext cx="0" cy="0"/>
-          <a:chOff x="0" y="0"/>
-          <a:chExt cx="0" cy="0"/>
-        </a:xfrm>
-      </p:grpSpPr>
-      <p:sp>
-        <p:nvSpPr>
-          <p:cNvPr id="2" name="Titel 1"/>
-          <p:cNvSpPr>
-            <a:spLocks noGrp="1"/>
-          </p:cNvSpPr>
-          <p:nvPr>
-            <p:ph type="title"/>
-          </p:nvPr>
-        </p:nvSpPr>
-        <p:spPr/>
-        <p:txBody>
-          <a:bodyPr>
-            <a:normAutofit/>
-          </a:bodyPr>
-          <a:lstStyle/>
-          <a:p>
-            <a:r>
-              <a:rPr lang="nl-NL" dirty="0" smtClean="0"/>
-              <a:t>Contour features</a:t>
-            </a:r>
-            <a:endParaRPr lang="nl-NL" dirty="0"/>
-          </a:p>
-        </p:txBody>
-      </p:sp>
-      <p:pic>
-        <p:nvPicPr>
-          <p:cNvPr id="5" name="Afbeelding 4"/>
-          <p:cNvPicPr>
-            <a:picLocks noChangeAspect="1"/>
-          </p:cNvPicPr>
-          <p:nvPr/>
-        </p:nvPicPr>
-        <p:blipFill>
-          <a:blip r:embed="rId2">
-            <a:extLst>
-              <a:ext uri="{28A0092B-C50C-407E-A947-70E740481C1C}">
-                <a14:useLocalDpi xmlns:a14="http://schemas.microsoft.com/office/drawing/2010/main" val="0"/>
-              </a:ext>
-            </a:extLst>
-          </a:blip>
-          <a:stretch>
-            <a:fillRect/>
-          </a:stretch>
-        </p:blipFill>
-        <p:spPr>
-          <a:xfrm>
-            <a:off x="1691680" y="2097360"/>
-            <a:ext cx="6096000" cy="4572000"/>
-          </a:xfrm>
-          <a:prstGeom prst="rect">
-            <a:avLst/>
-          </a:prstGeom>
-        </p:spPr>
-      </p:pic>
-      <p:sp>
-        <p:nvSpPr>
-          <p:cNvPr id="3" name="Tijdelijke aanduiding voor voettekst 2"/>
-          <p:cNvSpPr>
-            <a:spLocks noGrp="1"/>
-          </p:cNvSpPr>
-          <p:nvPr>
-            <p:ph type="ftr" sz="quarter" idx="11"/>
-          </p:nvPr>
-        </p:nvSpPr>
-        <p:spPr/>
-        <p:txBody>
-          <a:bodyPr/>
-          <a:lstStyle/>
-          <a:p>
-            <a:r>
-              <a:rPr lang="nl-NL" smtClean="0"/>
-              <a:t>OpenCV in ROS / Eric Dortmans / FHICT</a:t>
-            </a:r>
-          </a:p>
-          <a:p>
-            <a:endParaRPr lang="nl-NL" dirty="0"/>
-          </a:p>
-        </p:txBody>
-      </p:sp>
-    </p:spTree>
-    <p:extLst>
-      <p:ext uri="{BB962C8B-B14F-4D97-AF65-F5344CB8AC3E}">
-        <p14:creationId xmlns:p14="http://schemas.microsoft.com/office/powerpoint/2010/main" val="1409795525"/>
-      </p:ext>
-    </p:extLst>
-  </p:cSld>
-  <p:clrMapOvr>
-    <a:masterClrMapping/>
-  </p:clrMapOvr>
-</p:sld>
-</file>
-
-<file path=ppt/slides/slide36.xml><?xml version="1.0" encoding="utf-8"?>
-<p:sld xmlns:a="http://schemas.openxmlformats.org/drawingml/2006/main" xmlns:r="http://schemas.openxmlformats.org/officeDocument/2006/relationships" xmlns:p="http://schemas.openxmlformats.org/presentationml/2006/main">
-  <p:cSld>
-    <p:spTree>
-      <p:nvGrpSpPr>
-        <p:cNvPr id="1" name=""/>
-        <p:cNvGrpSpPr/>
-        <p:nvPr/>
-      </p:nvGrpSpPr>
-      <p:grpSpPr>
-        <a:xfrm>
-          <a:off x="0" y="0"/>
-          <a:ext cx="0" cy="0"/>
-          <a:chOff x="0" y="0"/>
-          <a:chExt cx="0" cy="0"/>
-        </a:xfrm>
-      </p:grpSpPr>
-      <p:sp>
-        <p:nvSpPr>
-          <p:cNvPr id="2" name="Titel 1"/>
-          <p:cNvSpPr>
-            <a:spLocks noGrp="1"/>
-          </p:cNvSpPr>
-          <p:nvPr>
-            <p:ph type="title"/>
-          </p:nvPr>
-        </p:nvSpPr>
-        <p:spPr/>
-        <p:txBody>
-          <a:bodyPr/>
-          <a:lstStyle/>
-          <a:p>
-            <a:r>
-              <a:rPr lang="nl-NL" dirty="0"/>
-              <a:t>Contour features</a:t>
-            </a:r>
-          </a:p>
-        </p:txBody>
-      </p:sp>
-      <p:sp>
-        <p:nvSpPr>
-          <p:cNvPr id="3" name="Tijdelijke aanduiding voor inhoud 2"/>
-          <p:cNvSpPr>
-            <a:spLocks noGrp="1"/>
-          </p:cNvSpPr>
-          <p:nvPr>
-            <p:ph idx="1"/>
-          </p:nvPr>
-        </p:nvSpPr>
-        <p:spPr/>
-        <p:txBody>
-          <a:bodyPr>
-            <a:normAutofit/>
-          </a:bodyPr>
-          <a:lstStyle/>
-          <a:p>
-            <a:r>
-              <a:rPr lang="en-US" dirty="0" smtClean="0"/>
-              <a:t>Moments of the contour area</a:t>
-            </a:r>
-          </a:p>
-          <a:p>
-            <a:pPr lvl="1"/>
-            <a:r>
-              <a:rPr lang="en-US" dirty="0" smtClean="0"/>
-              <a:t>moments </a:t>
-            </a:r>
-            <a:r>
-              <a:rPr lang="en-US" dirty="0"/>
-              <a:t>= </a:t>
-            </a:r>
-            <a:r>
-              <a:rPr lang="en-US" dirty="0" smtClean="0"/>
-              <a:t>cv2.moments(contour)</a:t>
-            </a:r>
-          </a:p>
-          <a:p>
-            <a:pPr lvl="1"/>
-            <a:endParaRPr lang="en-US" dirty="0"/>
-          </a:p>
-          <a:p>
-            <a:r>
-              <a:rPr lang="en-US" dirty="0" smtClean="0"/>
-              <a:t>Centroid</a:t>
-            </a:r>
-            <a:endParaRPr lang="en-US" dirty="0"/>
-          </a:p>
-          <a:p>
-            <a:pPr lvl="1"/>
-            <a:r>
-              <a:rPr lang="en-US" dirty="0" smtClean="0"/>
-              <a:t>cx </a:t>
-            </a:r>
-            <a:r>
-              <a:rPr lang="en-US" dirty="0"/>
-              <a:t>= </a:t>
-            </a:r>
-            <a:r>
-              <a:rPr lang="en-US" dirty="0" err="1" smtClean="0"/>
-              <a:t>int</a:t>
-            </a:r>
-            <a:r>
-              <a:rPr lang="en-US" dirty="0" smtClean="0"/>
-              <a:t>(moments[</a:t>
-            </a:r>
-            <a:r>
-              <a:rPr lang="en-US" dirty="0"/>
-              <a:t>'m10</a:t>
-            </a:r>
-            <a:r>
-              <a:rPr lang="en-US" dirty="0" smtClean="0"/>
-              <a:t>']/moments[</a:t>
-            </a:r>
-            <a:r>
-              <a:rPr lang="en-US" dirty="0"/>
-              <a:t>'m00'])</a:t>
-            </a:r>
-          </a:p>
-          <a:p>
-            <a:pPr lvl="1"/>
-            <a:r>
-              <a:rPr lang="en-US" dirty="0"/>
-              <a:t>cy = </a:t>
-            </a:r>
-            <a:r>
-              <a:rPr lang="en-US" dirty="0" err="1" smtClean="0"/>
-              <a:t>int</a:t>
-            </a:r>
-            <a:r>
-              <a:rPr lang="en-US" dirty="0" smtClean="0"/>
-              <a:t>(moments[</a:t>
-            </a:r>
-            <a:r>
-              <a:rPr lang="en-US" dirty="0"/>
-              <a:t>'m01</a:t>
-            </a:r>
-            <a:r>
-              <a:rPr lang="en-US" dirty="0" smtClean="0"/>
-              <a:t>']/moments[</a:t>
-            </a:r>
-            <a:r>
-              <a:rPr lang="en-US" dirty="0"/>
-              <a:t>'m00</a:t>
-            </a:r>
-            <a:r>
-              <a:rPr lang="en-US" dirty="0" smtClean="0"/>
-              <a:t>'])</a:t>
-            </a:r>
-            <a:endParaRPr lang="nl-NL" dirty="0" smtClean="0"/>
-          </a:p>
-        </p:txBody>
-      </p:sp>
-      <p:sp>
-        <p:nvSpPr>
-          <p:cNvPr id="5" name="Rechthoek 4"/>
-          <p:cNvSpPr/>
-          <p:nvPr/>
-        </p:nvSpPr>
-        <p:spPr>
-          <a:xfrm>
-            <a:off x="755576" y="5085184"/>
-            <a:ext cx="7632848" cy="1015663"/>
-          </a:xfrm>
-          <a:prstGeom prst="rect">
-            <a:avLst/>
-          </a:prstGeom>
-        </p:spPr>
-        <p:txBody>
-          <a:bodyPr wrap="square">
-            <a:spAutoFit/>
-          </a:bodyPr>
-          <a:lstStyle/>
-          <a:p>
-            <a:r>
-              <a:rPr lang="nl-NL" sz="2000" dirty="0">
-                <a:hlinkClick r:id="rId2"/>
-              </a:rPr>
-              <a:t>https://</a:t>
-            </a:r>
-            <a:r>
-              <a:rPr lang="nl-NL" sz="2000" dirty="0" smtClean="0">
-                <a:hlinkClick r:id="rId2"/>
-              </a:rPr>
-              <a:t>opencv-python-tutroals.readthedocs.io/en/latest/py_tutorials/py_imgproc/py_contours/py_table_of_contents_contours/py_table_of_contents_contours.html</a:t>
-            </a:r>
-            <a:r>
-              <a:rPr lang="nl-NL" sz="2000" dirty="0" smtClean="0"/>
-              <a:t> </a:t>
-            </a:r>
-            <a:endParaRPr lang="nl-NL" sz="2000" dirty="0"/>
-          </a:p>
-        </p:txBody>
-      </p:sp>
-      <p:sp>
-        <p:nvSpPr>
-          <p:cNvPr id="6" name="Tijdelijke aanduiding voor voettekst 5"/>
-          <p:cNvSpPr>
-            <a:spLocks noGrp="1"/>
-          </p:cNvSpPr>
-          <p:nvPr>
-            <p:ph type="ftr" sz="quarter" idx="11"/>
-          </p:nvPr>
-        </p:nvSpPr>
-        <p:spPr/>
-        <p:txBody>
-          <a:bodyPr/>
-          <a:lstStyle/>
-          <a:p>
-            <a:r>
-              <a:rPr lang="nl-NL" smtClean="0"/>
-              <a:t>OpenCV in ROS / Eric Dortmans / FHICT</a:t>
-            </a:r>
-          </a:p>
-          <a:p>
-            <a:endParaRPr lang="nl-NL" dirty="0"/>
-          </a:p>
-        </p:txBody>
-      </p:sp>
-    </p:spTree>
-    <p:extLst>
-      <p:ext uri="{BB962C8B-B14F-4D97-AF65-F5344CB8AC3E}">
-        <p14:creationId xmlns:p14="http://schemas.microsoft.com/office/powerpoint/2010/main" val="2816915845"/>
       </p:ext>
     </p:extLst>
   </p:cSld>
@@ -14226,6 +14186,354 @@
         </p:nvSpPr>
         <p:spPr/>
         <p:txBody>
+          <a:bodyPr>
+            <a:normAutofit/>
+          </a:bodyPr>
+          <a:lstStyle/>
+          <a:p>
+            <a:r>
+              <a:rPr lang="nl-NL" dirty="0" smtClean="0"/>
+              <a:t>Contour features</a:t>
+            </a:r>
+            <a:endParaRPr lang="nl-NL" dirty="0"/>
+          </a:p>
+        </p:txBody>
+      </p:sp>
+      <p:pic>
+        <p:nvPicPr>
+          <p:cNvPr id="5" name="Afbeelding 4"/>
+          <p:cNvPicPr>
+            <a:picLocks noChangeAspect="1"/>
+          </p:cNvPicPr>
+          <p:nvPr/>
+        </p:nvPicPr>
+        <p:blipFill>
+          <a:blip r:embed="rId2">
+            <a:extLst>
+              <a:ext uri="{28A0092B-C50C-407E-A947-70E740481C1C}">
+                <a14:useLocalDpi xmlns:a14="http://schemas.microsoft.com/office/drawing/2010/main" val="0"/>
+              </a:ext>
+            </a:extLst>
+          </a:blip>
+          <a:stretch>
+            <a:fillRect/>
+          </a:stretch>
+        </p:blipFill>
+        <p:spPr>
+          <a:xfrm>
+            <a:off x="1691680" y="2097360"/>
+            <a:ext cx="6096000" cy="4572000"/>
+          </a:xfrm>
+          <a:prstGeom prst="rect">
+            <a:avLst/>
+          </a:prstGeom>
+        </p:spPr>
+      </p:pic>
+      <p:sp>
+        <p:nvSpPr>
+          <p:cNvPr id="3" name="Tijdelijke aanduiding voor voettekst 2"/>
+          <p:cNvSpPr>
+            <a:spLocks noGrp="1"/>
+          </p:cNvSpPr>
+          <p:nvPr>
+            <p:ph type="ftr" sz="quarter" idx="11"/>
+          </p:nvPr>
+        </p:nvSpPr>
+        <p:spPr/>
+        <p:txBody>
+          <a:bodyPr/>
+          <a:lstStyle/>
+          <a:p>
+            <a:r>
+              <a:rPr lang="nl-NL" smtClean="0"/>
+              <a:t>OpenCV in ROS / Eric Dortmans / FHICT</a:t>
+            </a:r>
+          </a:p>
+          <a:p>
+            <a:endParaRPr lang="nl-NL" dirty="0"/>
+          </a:p>
+        </p:txBody>
+      </p:sp>
+    </p:spTree>
+    <p:extLst>
+      <p:ext uri="{BB962C8B-B14F-4D97-AF65-F5344CB8AC3E}">
+        <p14:creationId xmlns:p14="http://schemas.microsoft.com/office/powerpoint/2010/main" val="1409795525"/>
+      </p:ext>
+    </p:extLst>
+  </p:cSld>
+  <p:clrMapOvr>
+    <a:masterClrMapping/>
+  </p:clrMapOvr>
+</p:sld>
+</file>
+
+<file path=ppt/slides/slide38.xml><?xml version="1.0" encoding="utf-8"?>
+<p:sld xmlns:a="http://schemas.openxmlformats.org/drawingml/2006/main" xmlns:r="http://schemas.openxmlformats.org/officeDocument/2006/relationships" xmlns:p="http://schemas.openxmlformats.org/presentationml/2006/main">
+  <p:cSld>
+    <p:spTree>
+      <p:nvGrpSpPr>
+        <p:cNvPr id="1" name=""/>
+        <p:cNvGrpSpPr/>
+        <p:nvPr/>
+      </p:nvGrpSpPr>
+      <p:grpSpPr>
+        <a:xfrm>
+          <a:off x="0" y="0"/>
+          <a:ext cx="0" cy="0"/>
+          <a:chOff x="0" y="0"/>
+          <a:chExt cx="0" cy="0"/>
+        </a:xfrm>
+      </p:grpSpPr>
+      <p:sp>
+        <p:nvSpPr>
+          <p:cNvPr id="2" name="Titel 1"/>
+          <p:cNvSpPr>
+            <a:spLocks noGrp="1"/>
+          </p:cNvSpPr>
+          <p:nvPr>
+            <p:ph type="title"/>
+          </p:nvPr>
+        </p:nvSpPr>
+        <p:spPr/>
+        <p:txBody>
+          <a:bodyPr/>
+          <a:lstStyle/>
+          <a:p>
+            <a:r>
+              <a:rPr lang="nl-NL" dirty="0"/>
+              <a:t>Contour features</a:t>
+            </a:r>
+          </a:p>
+        </p:txBody>
+      </p:sp>
+      <p:sp>
+        <p:nvSpPr>
+          <p:cNvPr id="3" name="Tijdelijke aanduiding voor inhoud 2"/>
+          <p:cNvSpPr>
+            <a:spLocks noGrp="1"/>
+          </p:cNvSpPr>
+          <p:nvPr>
+            <p:ph idx="1"/>
+          </p:nvPr>
+        </p:nvSpPr>
+        <p:spPr/>
+        <p:txBody>
+          <a:bodyPr>
+            <a:normAutofit/>
+          </a:bodyPr>
+          <a:lstStyle/>
+          <a:p>
+            <a:r>
+              <a:rPr lang="en-US" dirty="0" smtClean="0"/>
+              <a:t>Moments of the contour area</a:t>
+            </a:r>
+          </a:p>
+          <a:p>
+            <a:pPr lvl="1"/>
+            <a:r>
+              <a:rPr lang="en-US" dirty="0" smtClean="0"/>
+              <a:t>moments </a:t>
+            </a:r>
+            <a:r>
+              <a:rPr lang="en-US" dirty="0"/>
+              <a:t>= </a:t>
+            </a:r>
+            <a:r>
+              <a:rPr lang="en-US" dirty="0" smtClean="0"/>
+              <a:t>cv2.moments(contour)</a:t>
+            </a:r>
+          </a:p>
+          <a:p>
+            <a:pPr lvl="1"/>
+            <a:endParaRPr lang="en-US" dirty="0"/>
+          </a:p>
+          <a:p>
+            <a:r>
+              <a:rPr lang="en-US" dirty="0" smtClean="0"/>
+              <a:t>Centroid</a:t>
+            </a:r>
+            <a:endParaRPr lang="en-US" dirty="0"/>
+          </a:p>
+          <a:p>
+            <a:pPr lvl="1"/>
+            <a:r>
+              <a:rPr lang="en-US" dirty="0" smtClean="0"/>
+              <a:t>cx </a:t>
+            </a:r>
+            <a:r>
+              <a:rPr lang="en-US" dirty="0"/>
+              <a:t>= </a:t>
+            </a:r>
+            <a:r>
+              <a:rPr lang="en-US" dirty="0" err="1" smtClean="0"/>
+              <a:t>int</a:t>
+            </a:r>
+            <a:r>
+              <a:rPr lang="en-US" dirty="0" smtClean="0"/>
+              <a:t>(moments[</a:t>
+            </a:r>
+            <a:r>
+              <a:rPr lang="en-US" dirty="0"/>
+              <a:t>'m10</a:t>
+            </a:r>
+            <a:r>
+              <a:rPr lang="en-US" dirty="0" smtClean="0"/>
+              <a:t>']/moments[</a:t>
+            </a:r>
+            <a:r>
+              <a:rPr lang="en-US" dirty="0"/>
+              <a:t>'m00'])</a:t>
+            </a:r>
+          </a:p>
+          <a:p>
+            <a:pPr lvl="1"/>
+            <a:r>
+              <a:rPr lang="en-US" dirty="0"/>
+              <a:t>cy = </a:t>
+            </a:r>
+            <a:r>
+              <a:rPr lang="en-US" dirty="0" err="1" smtClean="0"/>
+              <a:t>int</a:t>
+            </a:r>
+            <a:r>
+              <a:rPr lang="en-US" dirty="0" smtClean="0"/>
+              <a:t>(moments[</a:t>
+            </a:r>
+            <a:r>
+              <a:rPr lang="en-US" dirty="0"/>
+              <a:t>'m01</a:t>
+            </a:r>
+            <a:r>
+              <a:rPr lang="en-US" dirty="0" smtClean="0"/>
+              <a:t>']/moments[</a:t>
+            </a:r>
+            <a:r>
+              <a:rPr lang="en-US" dirty="0"/>
+              <a:t>'m00</a:t>
+            </a:r>
+            <a:r>
+              <a:rPr lang="en-US" dirty="0" smtClean="0"/>
+              <a:t>'])</a:t>
+            </a:r>
+            <a:endParaRPr lang="nl-NL" dirty="0" smtClean="0"/>
+          </a:p>
+        </p:txBody>
+      </p:sp>
+      <p:sp>
+        <p:nvSpPr>
+          <p:cNvPr id="5" name="Rechthoek 4"/>
+          <p:cNvSpPr/>
+          <p:nvPr/>
+        </p:nvSpPr>
+        <p:spPr>
+          <a:xfrm>
+            <a:off x="755576" y="5085184"/>
+            <a:ext cx="7632848" cy="1015663"/>
+          </a:xfrm>
+          <a:prstGeom prst="rect">
+            <a:avLst/>
+          </a:prstGeom>
+        </p:spPr>
+        <p:txBody>
+          <a:bodyPr wrap="square">
+            <a:spAutoFit/>
+          </a:bodyPr>
+          <a:lstStyle/>
+          <a:p>
+            <a:r>
+              <a:rPr lang="nl-NL" sz="2000" dirty="0">
+                <a:hlinkClick r:id="rId2"/>
+              </a:rPr>
+              <a:t>https://</a:t>
+            </a:r>
+            <a:r>
+              <a:rPr lang="nl-NL" sz="2000" dirty="0" smtClean="0">
+                <a:hlinkClick r:id="rId2"/>
+              </a:rPr>
+              <a:t>opencv-python-tutroals.readthedocs.io/en/latest/py_tutorials/py_imgproc/py_contours/py_table_of_contents_contours/py_table_of_contents_contours.html</a:t>
+            </a:r>
+            <a:r>
+              <a:rPr lang="nl-NL" sz="2000" dirty="0" smtClean="0"/>
+              <a:t> </a:t>
+            </a:r>
+            <a:endParaRPr lang="nl-NL" sz="2000" dirty="0"/>
+          </a:p>
+        </p:txBody>
+      </p:sp>
+      <p:sp>
+        <p:nvSpPr>
+          <p:cNvPr id="6" name="Tijdelijke aanduiding voor voettekst 5"/>
+          <p:cNvSpPr>
+            <a:spLocks noGrp="1"/>
+          </p:cNvSpPr>
+          <p:nvPr>
+            <p:ph type="ftr" sz="quarter" idx="11"/>
+          </p:nvPr>
+        </p:nvSpPr>
+        <p:spPr/>
+        <p:txBody>
+          <a:bodyPr/>
+          <a:lstStyle/>
+          <a:p>
+            <a:r>
+              <a:rPr lang="nl-NL" smtClean="0"/>
+              <a:t>OpenCV in ROS / Eric Dortmans / FHICT</a:t>
+            </a:r>
+          </a:p>
+          <a:p>
+            <a:endParaRPr lang="nl-NL" dirty="0"/>
+          </a:p>
+        </p:txBody>
+      </p:sp>
+    </p:spTree>
+    <p:extLst>
+      <p:ext uri="{BB962C8B-B14F-4D97-AF65-F5344CB8AC3E}">
+        <p14:creationId xmlns:p14="http://schemas.microsoft.com/office/powerpoint/2010/main" val="2816915845"/>
+      </p:ext>
+    </p:extLst>
+  </p:cSld>
+  <p:clrMapOvr>
+    <a:masterClrMapping/>
+  </p:clrMapOvr>
+  <p:timing>
+    <p:tnLst>
+      <p:par>
+        <p:cTn id="1" dur="indefinite" restart="never" nodeType="tmRoot"/>
+      </p:par>
+    </p:tnLst>
+  </p:timing>
+</p:sld>
+</file>
+
+<file path=ppt/slides/slide39.xml><?xml version="1.0" encoding="utf-8"?>
+<p:sld xmlns:a="http://schemas.openxmlformats.org/drawingml/2006/main" xmlns:r="http://schemas.openxmlformats.org/officeDocument/2006/relationships" xmlns:p="http://schemas.openxmlformats.org/presentationml/2006/main">
+  <p:cSld>
+    <p:spTree>
+      <p:nvGrpSpPr>
+        <p:cNvPr id="1" name=""/>
+        <p:cNvGrpSpPr/>
+        <p:nvPr/>
+      </p:nvGrpSpPr>
+      <p:grpSpPr>
+        <a:xfrm>
+          <a:off x="0" y="0"/>
+          <a:ext cx="0" cy="0"/>
+          <a:chOff x="0" y="0"/>
+          <a:chExt cx="0" cy="0"/>
+        </a:xfrm>
+      </p:grpSpPr>
+      <p:sp>
+        <p:nvSpPr>
+          <p:cNvPr id="2" name="Titel 1"/>
+          <p:cNvSpPr>
+            <a:spLocks noGrp="1"/>
+          </p:cNvSpPr>
+          <p:nvPr>
+            <p:ph type="title"/>
+          </p:nvPr>
+        </p:nvSpPr>
+        <p:spPr/>
+        <p:txBody>
           <a:bodyPr/>
           <a:lstStyle/>
           <a:p>
@@ -14359,7 +14667,239 @@
 </p:sld>
 </file>
 
-<file path=ppt/slides/slide38.xml><?xml version="1.0" encoding="utf-8"?>
+<file path=ppt/slides/slide4.xml><?xml version="1.0" encoding="utf-8"?>
+<p:sld xmlns:a="http://schemas.openxmlformats.org/drawingml/2006/main" xmlns:r="http://schemas.openxmlformats.org/officeDocument/2006/relationships" xmlns:p="http://schemas.openxmlformats.org/presentationml/2006/main">
+  <p:cSld>
+    <p:spTree>
+      <p:nvGrpSpPr>
+        <p:cNvPr id="1" name=""/>
+        <p:cNvGrpSpPr/>
+        <p:nvPr/>
+      </p:nvGrpSpPr>
+      <p:grpSpPr>
+        <a:xfrm>
+          <a:off x="0" y="0"/>
+          <a:ext cx="0" cy="0"/>
+          <a:chOff x="0" y="0"/>
+          <a:chExt cx="0" cy="0"/>
+        </a:xfrm>
+      </p:grpSpPr>
+      <p:sp>
+        <p:nvSpPr>
+          <p:cNvPr id="4" name="Titel 3"/>
+          <p:cNvSpPr>
+            <a:spLocks noGrp="1"/>
+          </p:cNvSpPr>
+          <p:nvPr>
+            <p:ph type="title"/>
+          </p:nvPr>
+        </p:nvSpPr>
+        <p:spPr/>
+        <p:txBody>
+          <a:bodyPr>
+            <a:normAutofit/>
+          </a:bodyPr>
+          <a:lstStyle/>
+          <a:p>
+            <a:r>
+              <a:rPr lang="en-US" dirty="0" err="1" smtClean="0"/>
+              <a:t>OpenCV</a:t>
+            </a:r>
+            <a:endParaRPr lang="nl-NL" dirty="0"/>
+          </a:p>
+        </p:txBody>
+      </p:sp>
+      <p:sp>
+        <p:nvSpPr>
+          <p:cNvPr id="5" name="Tijdelijke aanduiding voor inhoud 4"/>
+          <p:cNvSpPr>
+            <a:spLocks noGrp="1"/>
+          </p:cNvSpPr>
+          <p:nvPr>
+            <p:ph idx="1"/>
+          </p:nvPr>
+        </p:nvSpPr>
+        <p:spPr/>
+        <p:txBody>
+          <a:bodyPr/>
+          <a:lstStyle/>
+          <a:p>
+            <a:r>
+              <a:rPr lang="en-US" dirty="0"/>
+              <a:t>Open Source Computer Vision </a:t>
+            </a:r>
+            <a:r>
+              <a:rPr lang="en-US" dirty="0" smtClean="0"/>
+              <a:t>Library</a:t>
+            </a:r>
+          </a:p>
+          <a:p>
+            <a:pPr lvl="1"/>
+            <a:r>
+              <a:rPr lang="nl-NL" dirty="0">
+                <a:hlinkClick r:id="rId2"/>
+              </a:rPr>
+              <a:t>http://opencv.org</a:t>
+            </a:r>
+            <a:r>
+              <a:rPr lang="nl-NL" dirty="0" smtClean="0">
+                <a:hlinkClick r:id="rId2"/>
+              </a:rPr>
+              <a:t>/</a:t>
+            </a:r>
+            <a:endParaRPr lang="nl-NL" dirty="0" smtClean="0"/>
+          </a:p>
+          <a:p>
+            <a:pPr lvl="1"/>
+            <a:r>
+              <a:rPr lang="nl-NL" dirty="0">
+                <a:hlinkClick r:id="rId3"/>
+              </a:rPr>
+              <a:t>https://</a:t>
+            </a:r>
+            <a:r>
+              <a:rPr lang="nl-NL" dirty="0" smtClean="0">
+                <a:hlinkClick r:id="rId3"/>
+              </a:rPr>
+              <a:t>github.com/opencv</a:t>
+            </a:r>
+            <a:endParaRPr lang="nl-NL" dirty="0"/>
+          </a:p>
+          <a:p>
+            <a:r>
+              <a:rPr lang="nl-NL" dirty="0" err="1"/>
+              <a:t>Written</a:t>
+            </a:r>
+            <a:r>
+              <a:rPr lang="nl-NL" dirty="0"/>
+              <a:t> in </a:t>
+            </a:r>
+            <a:r>
+              <a:rPr lang="nl-NL" dirty="0" smtClean="0"/>
+              <a:t>C++</a:t>
+            </a:r>
+          </a:p>
+          <a:p>
+            <a:r>
+              <a:rPr lang="nl-NL" dirty="0" smtClean="0"/>
+              <a:t>C</a:t>
+            </a:r>
+            <a:r>
+              <a:rPr lang="nl-NL" dirty="0"/>
+              <a:t>++, C, </a:t>
+            </a:r>
+            <a:r>
+              <a:rPr lang="nl-NL" dirty="0" smtClean="0"/>
+              <a:t>Python, Java </a:t>
+            </a:r>
+            <a:r>
+              <a:rPr lang="nl-NL" dirty="0" err="1" smtClean="0"/>
+              <a:t>and</a:t>
+            </a:r>
+            <a:r>
+              <a:rPr lang="nl-NL" dirty="0" smtClean="0"/>
+              <a:t> MATLAB interfaces</a:t>
+            </a:r>
+          </a:p>
+          <a:p>
+            <a:r>
+              <a:rPr lang="en-US" dirty="0"/>
+              <a:t>more than 2500 optimized algorithms</a:t>
+            </a:r>
+            <a:endParaRPr lang="nl-NL" dirty="0" smtClean="0"/>
+          </a:p>
+          <a:p>
+            <a:endParaRPr lang="nl-NL" dirty="0" smtClean="0"/>
+          </a:p>
+        </p:txBody>
+      </p:sp>
+      <p:pic>
+        <p:nvPicPr>
+          <p:cNvPr id="1026" name="Picture 2" descr="http://opencv.org/wp-content/themes/opencv/images/logo.png"/>
+          <p:cNvPicPr>
+            <a:picLocks noChangeAspect="1" noChangeArrowheads="1"/>
+          </p:cNvPicPr>
+          <p:nvPr/>
+        </p:nvPicPr>
+        <p:blipFill>
+          <a:blip r:embed="rId4">
+            <a:extLst>
+              <a:ext uri="{28A0092B-C50C-407E-A947-70E740481C1C}">
+                <a14:useLocalDpi xmlns:a14="http://schemas.microsoft.com/office/drawing/2010/main" val="0"/>
+              </a:ext>
+            </a:extLst>
+          </a:blip>
+          <a:srcRect/>
+          <a:stretch>
+            <a:fillRect/>
+          </a:stretch>
+        </p:blipFill>
+        <p:spPr bwMode="auto">
+          <a:xfrm>
+            <a:off x="7620000" y="374650"/>
+            <a:ext cx="781050" cy="942976"/>
+          </a:xfrm>
+          <a:prstGeom prst="rect">
+            <a:avLst/>
+          </a:prstGeom>
+          <a:noFill/>
+          <a:extLst>
+            <a:ext uri="{909E8E84-426E-40DD-AFC4-6F175D3DCCD1}">
+              <a14:hiddenFill xmlns:a14="http://schemas.microsoft.com/office/drawing/2010/main">
+                <a:solidFill>
+                  <a:srgbClr val="FFFFFF"/>
+                </a:solidFill>
+              </a14:hiddenFill>
+            </a:ext>
+          </a:extLst>
+        </p:spPr>
+      </p:pic>
+      <p:sp>
+        <p:nvSpPr>
+          <p:cNvPr id="2" name="Tijdelijke aanduiding voor voettekst 1"/>
+          <p:cNvSpPr>
+            <a:spLocks noGrp="1"/>
+          </p:cNvSpPr>
+          <p:nvPr>
+            <p:ph type="ftr" sz="quarter" idx="11"/>
+          </p:nvPr>
+        </p:nvSpPr>
+        <p:spPr/>
+        <p:txBody>
+          <a:bodyPr/>
+          <a:lstStyle/>
+          <a:p>
+            <a:r>
+              <a:rPr lang="nl-NL" smtClean="0"/>
+              <a:t>OpenCV in ROS / Eric Dortmans / FHICT</a:t>
+            </a:r>
+          </a:p>
+          <a:p>
+            <a:endParaRPr lang="nl-NL" dirty="0"/>
+          </a:p>
+        </p:txBody>
+      </p:sp>
+    </p:spTree>
+    <p:extLst>
+      <p:ext uri="{BB962C8B-B14F-4D97-AF65-F5344CB8AC3E}">
+        <p14:creationId xmlns:p14="http://schemas.microsoft.com/office/powerpoint/2010/main" val="29792559"/>
+      </p:ext>
+    </p:extLst>
+  </p:cSld>
+  <p:clrMapOvr>
+    <a:masterClrMapping/>
+  </p:clrMapOvr>
+  <p:timing>
+    <p:tnLst>
+      <p:par>
+        <p:cTn id="1" dur="indefinite" restart="never" nodeType="tmRoot"/>
+      </p:par>
+    </p:tnLst>
+  </p:timing>
+</p:sld>
+</file>
+
+<file path=ppt/slides/slide40.xml><?xml version="1.0" encoding="utf-8"?>
 <p:sld xmlns:a="http://schemas.openxmlformats.org/drawingml/2006/main" xmlns:r="http://schemas.openxmlformats.org/officeDocument/2006/relationships" xmlns:p="http://schemas.openxmlformats.org/presentationml/2006/main">
   <p:cSld>
     <p:spTree>
@@ -14566,7 +15106,7 @@
 </p:sld>
 </file>
 
-<file path=ppt/slides/slide39.xml><?xml version="1.0" encoding="utf-8"?>
+<file path=ppt/slides/slide41.xml><?xml version="1.0" encoding="utf-8"?>
 <p:sld xmlns:a="http://schemas.openxmlformats.org/drawingml/2006/main" xmlns:r="http://schemas.openxmlformats.org/officeDocument/2006/relationships" xmlns:p="http://schemas.openxmlformats.org/presentationml/2006/main">
   <p:cSld>
     <p:spTree>
@@ -14854,239 +15394,7 @@
 </p:sld>
 </file>
 
-<file path=ppt/slides/slide4.xml><?xml version="1.0" encoding="utf-8"?>
-<p:sld xmlns:a="http://schemas.openxmlformats.org/drawingml/2006/main" xmlns:r="http://schemas.openxmlformats.org/officeDocument/2006/relationships" xmlns:p="http://schemas.openxmlformats.org/presentationml/2006/main">
-  <p:cSld>
-    <p:spTree>
-      <p:nvGrpSpPr>
-        <p:cNvPr id="1" name=""/>
-        <p:cNvGrpSpPr/>
-        <p:nvPr/>
-      </p:nvGrpSpPr>
-      <p:grpSpPr>
-        <a:xfrm>
-          <a:off x="0" y="0"/>
-          <a:ext cx="0" cy="0"/>
-          <a:chOff x="0" y="0"/>
-          <a:chExt cx="0" cy="0"/>
-        </a:xfrm>
-      </p:grpSpPr>
-      <p:sp>
-        <p:nvSpPr>
-          <p:cNvPr id="4" name="Titel 3"/>
-          <p:cNvSpPr>
-            <a:spLocks noGrp="1"/>
-          </p:cNvSpPr>
-          <p:nvPr>
-            <p:ph type="title"/>
-          </p:nvPr>
-        </p:nvSpPr>
-        <p:spPr/>
-        <p:txBody>
-          <a:bodyPr>
-            <a:normAutofit/>
-          </a:bodyPr>
-          <a:lstStyle/>
-          <a:p>
-            <a:r>
-              <a:rPr lang="en-US" dirty="0" err="1" smtClean="0"/>
-              <a:t>OpenCV</a:t>
-            </a:r>
-            <a:endParaRPr lang="nl-NL" dirty="0"/>
-          </a:p>
-        </p:txBody>
-      </p:sp>
-      <p:sp>
-        <p:nvSpPr>
-          <p:cNvPr id="5" name="Tijdelijke aanduiding voor inhoud 4"/>
-          <p:cNvSpPr>
-            <a:spLocks noGrp="1"/>
-          </p:cNvSpPr>
-          <p:nvPr>
-            <p:ph idx="1"/>
-          </p:nvPr>
-        </p:nvSpPr>
-        <p:spPr/>
-        <p:txBody>
-          <a:bodyPr/>
-          <a:lstStyle/>
-          <a:p>
-            <a:r>
-              <a:rPr lang="en-US" dirty="0"/>
-              <a:t>Open Source Computer Vision </a:t>
-            </a:r>
-            <a:r>
-              <a:rPr lang="en-US" dirty="0" smtClean="0"/>
-              <a:t>Library</a:t>
-            </a:r>
-          </a:p>
-          <a:p>
-            <a:pPr lvl="1"/>
-            <a:r>
-              <a:rPr lang="nl-NL" dirty="0">
-                <a:hlinkClick r:id="rId2"/>
-              </a:rPr>
-              <a:t>http://opencv.org</a:t>
-            </a:r>
-            <a:r>
-              <a:rPr lang="nl-NL" dirty="0" smtClean="0">
-                <a:hlinkClick r:id="rId2"/>
-              </a:rPr>
-              <a:t>/</a:t>
-            </a:r>
-            <a:endParaRPr lang="nl-NL" dirty="0" smtClean="0"/>
-          </a:p>
-          <a:p>
-            <a:pPr lvl="1"/>
-            <a:r>
-              <a:rPr lang="nl-NL" dirty="0">
-                <a:hlinkClick r:id="rId3"/>
-              </a:rPr>
-              <a:t>https://</a:t>
-            </a:r>
-            <a:r>
-              <a:rPr lang="nl-NL" dirty="0" smtClean="0">
-                <a:hlinkClick r:id="rId3"/>
-              </a:rPr>
-              <a:t>github.com/opencv</a:t>
-            </a:r>
-            <a:endParaRPr lang="nl-NL" dirty="0"/>
-          </a:p>
-          <a:p>
-            <a:r>
-              <a:rPr lang="nl-NL" dirty="0" err="1"/>
-              <a:t>Written</a:t>
-            </a:r>
-            <a:r>
-              <a:rPr lang="nl-NL" dirty="0"/>
-              <a:t> in </a:t>
-            </a:r>
-            <a:r>
-              <a:rPr lang="nl-NL" dirty="0" smtClean="0"/>
-              <a:t>C++</a:t>
-            </a:r>
-          </a:p>
-          <a:p>
-            <a:r>
-              <a:rPr lang="nl-NL" dirty="0" smtClean="0"/>
-              <a:t>C</a:t>
-            </a:r>
-            <a:r>
-              <a:rPr lang="nl-NL" dirty="0"/>
-              <a:t>++, C, </a:t>
-            </a:r>
-            <a:r>
-              <a:rPr lang="nl-NL" dirty="0" smtClean="0"/>
-              <a:t>Python, Java </a:t>
-            </a:r>
-            <a:r>
-              <a:rPr lang="nl-NL" dirty="0" err="1" smtClean="0"/>
-              <a:t>and</a:t>
-            </a:r>
-            <a:r>
-              <a:rPr lang="nl-NL" dirty="0" smtClean="0"/>
-              <a:t> MATLAB interfaces</a:t>
-            </a:r>
-          </a:p>
-          <a:p>
-            <a:r>
-              <a:rPr lang="en-US" dirty="0"/>
-              <a:t>more than 2500 optimized algorithms</a:t>
-            </a:r>
-            <a:endParaRPr lang="nl-NL" dirty="0" smtClean="0"/>
-          </a:p>
-          <a:p>
-            <a:endParaRPr lang="nl-NL" dirty="0" smtClean="0"/>
-          </a:p>
-        </p:txBody>
-      </p:sp>
-      <p:pic>
-        <p:nvPicPr>
-          <p:cNvPr id="1026" name="Picture 2" descr="http://opencv.org/wp-content/themes/opencv/images/logo.png"/>
-          <p:cNvPicPr>
-            <a:picLocks noChangeAspect="1" noChangeArrowheads="1"/>
-          </p:cNvPicPr>
-          <p:nvPr/>
-        </p:nvPicPr>
-        <p:blipFill>
-          <a:blip r:embed="rId4">
-            <a:extLst>
-              <a:ext uri="{28A0092B-C50C-407E-A947-70E740481C1C}">
-                <a14:useLocalDpi xmlns:a14="http://schemas.microsoft.com/office/drawing/2010/main" val="0"/>
-              </a:ext>
-            </a:extLst>
-          </a:blip>
-          <a:srcRect/>
-          <a:stretch>
-            <a:fillRect/>
-          </a:stretch>
-        </p:blipFill>
-        <p:spPr bwMode="auto">
-          <a:xfrm>
-            <a:off x="7620000" y="374650"/>
-            <a:ext cx="781050" cy="942976"/>
-          </a:xfrm>
-          <a:prstGeom prst="rect">
-            <a:avLst/>
-          </a:prstGeom>
-          <a:noFill/>
-          <a:extLst>
-            <a:ext uri="{909E8E84-426E-40DD-AFC4-6F175D3DCCD1}">
-              <a14:hiddenFill xmlns:a14="http://schemas.microsoft.com/office/drawing/2010/main">
-                <a:solidFill>
-                  <a:srgbClr val="FFFFFF"/>
-                </a:solidFill>
-              </a14:hiddenFill>
-            </a:ext>
-          </a:extLst>
-        </p:spPr>
-      </p:pic>
-      <p:sp>
-        <p:nvSpPr>
-          <p:cNvPr id="2" name="Tijdelijke aanduiding voor voettekst 1"/>
-          <p:cNvSpPr>
-            <a:spLocks noGrp="1"/>
-          </p:cNvSpPr>
-          <p:nvPr>
-            <p:ph type="ftr" sz="quarter" idx="11"/>
-          </p:nvPr>
-        </p:nvSpPr>
-        <p:spPr/>
-        <p:txBody>
-          <a:bodyPr/>
-          <a:lstStyle/>
-          <a:p>
-            <a:r>
-              <a:rPr lang="nl-NL" smtClean="0"/>
-              <a:t>OpenCV in ROS / Eric Dortmans / FHICT</a:t>
-            </a:r>
-          </a:p>
-          <a:p>
-            <a:endParaRPr lang="nl-NL" dirty="0"/>
-          </a:p>
-        </p:txBody>
-      </p:sp>
-    </p:spTree>
-    <p:extLst>
-      <p:ext uri="{BB962C8B-B14F-4D97-AF65-F5344CB8AC3E}">
-        <p14:creationId xmlns:p14="http://schemas.microsoft.com/office/powerpoint/2010/main" val="29792559"/>
-      </p:ext>
-    </p:extLst>
-  </p:cSld>
-  <p:clrMapOvr>
-    <a:masterClrMapping/>
-  </p:clrMapOvr>
-  <p:timing>
-    <p:tnLst>
-      <p:par>
-        <p:cTn id="1" dur="indefinite" restart="never" nodeType="tmRoot"/>
-      </p:par>
-    </p:tnLst>
-  </p:timing>
-</p:sld>
-</file>
-
-<file path=ppt/slides/slide40.xml><?xml version="1.0" encoding="utf-8"?>
+<file path=ppt/slides/slide42.xml><?xml version="1.0" encoding="utf-8"?>
 <p:sld xmlns:a="http://schemas.openxmlformats.org/drawingml/2006/main" xmlns:r="http://schemas.openxmlformats.org/officeDocument/2006/relationships" xmlns:p="http://schemas.openxmlformats.org/presentationml/2006/main">
   <p:cSld>
     <p:spTree>
@@ -15291,7 +15599,7 @@
 </p:sld>
 </file>
 
-<file path=ppt/slides/slide41.xml><?xml version="1.0" encoding="utf-8"?>
+<file path=ppt/slides/slide43.xml><?xml version="1.0" encoding="utf-8"?>
 <p:sld xmlns:a="http://schemas.openxmlformats.org/drawingml/2006/main" xmlns:r="http://schemas.openxmlformats.org/officeDocument/2006/relationships" xmlns:p="http://schemas.openxmlformats.org/presentationml/2006/main">
   <p:cSld>
     <p:spTree>
@@ -15390,7 +15698,7 @@
 </p:sld>
 </file>
 
-<file path=ppt/slides/slide42.xml><?xml version="1.0" encoding="utf-8"?>
+<file path=ppt/slides/slide44.xml><?xml version="1.0" encoding="utf-8"?>
 <p:sld xmlns:a="http://schemas.openxmlformats.org/drawingml/2006/main" xmlns:r="http://schemas.openxmlformats.org/officeDocument/2006/relationships" xmlns:p="http://schemas.openxmlformats.org/presentationml/2006/main">
   <p:cSld>
     <p:spTree>
@@ -15558,7 +15866,7 @@
 </p:sld>
 </file>
 
-<file path=ppt/slides/slide43.xml><?xml version="1.0" encoding="utf-8"?>
+<file path=ppt/slides/slide45.xml><?xml version="1.0" encoding="utf-8"?>
 <p:sld xmlns:a="http://schemas.openxmlformats.org/drawingml/2006/main" xmlns:r="http://schemas.openxmlformats.org/officeDocument/2006/relationships" xmlns:p="http://schemas.openxmlformats.org/presentationml/2006/main">
   <p:cSld>
     <p:spTree>
@@ -15892,7 +16200,7 @@
 </p:sld>
 </file>
 
-<file path=ppt/slides/slide44.xml><?xml version="1.0" encoding="utf-8"?>
+<file path=ppt/slides/slide46.xml><?xml version="1.0" encoding="utf-8"?>
 <p:sld xmlns:a="http://schemas.openxmlformats.org/drawingml/2006/main" xmlns:r="http://schemas.openxmlformats.org/officeDocument/2006/relationships" xmlns:p="http://schemas.openxmlformats.org/presentationml/2006/main">
   <p:cSld>
     <p:spTree>
@@ -16141,7 +16449,7 @@
 </p:sld>
 </file>
 
-<file path=ppt/slides/slide45.xml><?xml version="1.0" encoding="utf-8"?>
+<file path=ppt/slides/slide47.xml><?xml version="1.0" encoding="utf-8"?>
 <p:sld xmlns:a="http://schemas.openxmlformats.org/drawingml/2006/main" xmlns:r="http://schemas.openxmlformats.org/officeDocument/2006/relationships" xmlns:p="http://schemas.openxmlformats.org/presentationml/2006/main">
   <p:cSld>
     <p:spTree>
@@ -16421,7 +16729,7 @@
 </p:sld>
 </file>
 
-<file path=ppt/slides/slide46.xml><?xml version="1.0" encoding="utf-8"?>
+<file path=ppt/slides/slide48.xml><?xml version="1.0" encoding="utf-8"?>
 <p:sld xmlns:a="http://schemas.openxmlformats.org/drawingml/2006/main" xmlns:r="http://schemas.openxmlformats.org/officeDocument/2006/relationships" xmlns:p="http://schemas.openxmlformats.org/presentationml/2006/main">
   <p:cSld>
     <p:spTree>
@@ -16686,7 +16994,7 @@
 </p:sld>
 </file>
 
-<file path=ppt/slides/slide47.xml><?xml version="1.0" encoding="utf-8"?>
+<file path=ppt/slides/slide49.xml><?xml version="1.0" encoding="utf-8"?>
 <p:sld xmlns:a="http://schemas.openxmlformats.org/drawingml/2006/main" xmlns:r="http://schemas.openxmlformats.org/officeDocument/2006/relationships" xmlns:p="http://schemas.openxmlformats.org/presentationml/2006/main">
   <p:cSld>
     <p:spTree>
@@ -16910,7 +17218,284 @@
 </p:sld>
 </file>
 
-<file path=ppt/slides/slide48.xml><?xml version="1.0" encoding="utf-8"?>
+<file path=ppt/slides/slide5.xml><?xml version="1.0" encoding="utf-8"?>
+<p:sld xmlns:a="http://schemas.openxmlformats.org/drawingml/2006/main" xmlns:r="http://schemas.openxmlformats.org/officeDocument/2006/relationships" xmlns:p="http://schemas.openxmlformats.org/presentationml/2006/main">
+  <p:cSld>
+    <p:spTree>
+      <p:nvGrpSpPr>
+        <p:cNvPr id="1" name=""/>
+        <p:cNvGrpSpPr/>
+        <p:nvPr/>
+      </p:nvGrpSpPr>
+      <p:grpSpPr>
+        <a:xfrm>
+          <a:off x="0" y="0"/>
+          <a:ext cx="0" cy="0"/>
+          <a:chOff x="0" y="0"/>
+          <a:chExt cx="0" cy="0"/>
+        </a:xfrm>
+      </p:grpSpPr>
+      <p:sp>
+        <p:nvSpPr>
+          <p:cNvPr id="2" name="Titel 1"/>
+          <p:cNvSpPr>
+            <a:spLocks noGrp="1"/>
+          </p:cNvSpPr>
+          <p:nvPr>
+            <p:ph type="title"/>
+          </p:nvPr>
+        </p:nvSpPr>
+        <p:spPr/>
+        <p:txBody>
+          <a:bodyPr/>
+          <a:lstStyle/>
+          <a:p>
+            <a:r>
+              <a:rPr lang="nl-NL" dirty="0" smtClean="0"/>
+              <a:t>Python API</a:t>
+            </a:r>
+            <a:endParaRPr lang="nl-NL" dirty="0"/>
+          </a:p>
+        </p:txBody>
+      </p:sp>
+      <p:sp>
+        <p:nvSpPr>
+          <p:cNvPr id="3" name="Tijdelijke aanduiding voor inhoud 2"/>
+          <p:cNvSpPr>
+            <a:spLocks noGrp="1"/>
+          </p:cNvSpPr>
+          <p:nvPr>
+            <p:ph idx="1"/>
+          </p:nvPr>
+        </p:nvSpPr>
+        <p:spPr/>
+        <p:txBody>
+          <a:bodyPr>
+            <a:normAutofit fontScale="92500"/>
+          </a:bodyPr>
+          <a:lstStyle/>
+          <a:p>
+            <a:r>
+              <a:rPr lang="nl-NL" dirty="0" smtClean="0"/>
+              <a:t>Python</a:t>
+            </a:r>
+          </a:p>
+          <a:p>
+            <a:pPr lvl="1"/>
+            <a:r>
+              <a:rPr lang="nl-NL" dirty="0">
+                <a:hlinkClick r:id="rId2"/>
+              </a:rPr>
+              <a:t>https://www.python.org</a:t>
+            </a:r>
+            <a:r>
+              <a:rPr lang="nl-NL" dirty="0" smtClean="0">
+                <a:hlinkClick r:id="rId2"/>
+              </a:rPr>
+              <a:t>/</a:t>
+            </a:r>
+            <a:r>
+              <a:rPr lang="nl-NL" dirty="0" smtClean="0"/>
+              <a:t> </a:t>
+            </a:r>
+          </a:p>
+          <a:p>
+            <a:pPr lvl="1"/>
+            <a:r>
+              <a:rPr lang="en-US" dirty="0">
+                <a:hlinkClick r:id="rId3"/>
+              </a:rPr>
+              <a:t>https://learnxinyminutes.com/docs/python</a:t>
+            </a:r>
+            <a:r>
+              <a:rPr lang="en-US" dirty="0" smtClean="0">
+                <a:hlinkClick r:id="rId3"/>
+              </a:rPr>
+              <a:t>/</a:t>
+            </a:r>
+            <a:endParaRPr lang="en-US" dirty="0" smtClean="0"/>
+          </a:p>
+          <a:p>
+            <a:pPr lvl="1"/>
+            <a:r>
+              <a:rPr lang="nl-NL" dirty="0">
+                <a:hlinkClick r:id="rId4"/>
+              </a:rPr>
+              <a:t>https://learnpythonthehardway.org/book</a:t>
+            </a:r>
+            <a:r>
+              <a:rPr lang="nl-NL" dirty="0" smtClean="0">
+                <a:hlinkClick r:id="rId4"/>
+              </a:rPr>
+              <a:t>/</a:t>
+            </a:r>
+            <a:r>
+              <a:rPr lang="nl-NL" dirty="0" smtClean="0"/>
+              <a:t> </a:t>
+            </a:r>
+          </a:p>
+          <a:p>
+            <a:r>
+              <a:rPr lang="nl-NL" dirty="0" err="1" smtClean="0"/>
+              <a:t>OpenCV</a:t>
+            </a:r>
+            <a:r>
+              <a:rPr lang="nl-NL" dirty="0" smtClean="0"/>
+              <a:t>-Python </a:t>
+            </a:r>
+            <a:r>
+              <a:rPr lang="nl-NL" dirty="0" err="1" smtClean="0"/>
+              <a:t>Tutorials</a:t>
+            </a:r>
+            <a:endParaRPr lang="nl-NL" dirty="0" smtClean="0"/>
+          </a:p>
+          <a:p>
+            <a:pPr lvl="1"/>
+            <a:r>
+              <a:rPr lang="nl-NL" dirty="0" smtClean="0">
+                <a:hlinkClick r:id="rId5"/>
+              </a:rPr>
+              <a:t>https</a:t>
+            </a:r>
+            <a:r>
+              <a:rPr lang="nl-NL" dirty="0">
+                <a:hlinkClick r:id="rId5"/>
+              </a:rPr>
+              <a:t>://opencv-python-tutroals.readthedocs.io</a:t>
+            </a:r>
+            <a:r>
+              <a:rPr lang="nl-NL" dirty="0" smtClean="0">
+                <a:hlinkClick r:id="rId5"/>
+              </a:rPr>
+              <a:t>/</a:t>
+            </a:r>
+            <a:endParaRPr lang="nl-NL" dirty="0" smtClean="0"/>
+          </a:p>
+          <a:p>
+            <a:pPr lvl="1"/>
+            <a:r>
+              <a:rPr lang="nl-NL" dirty="0">
+                <a:hlinkClick r:id="rId6"/>
+              </a:rPr>
+              <a:t>https://pythonprogramming.net/loading-images-python-opencv-tutorial</a:t>
+            </a:r>
+            <a:r>
+              <a:rPr lang="nl-NL" dirty="0" smtClean="0">
+                <a:hlinkClick r:id="rId6"/>
+              </a:rPr>
+              <a:t>/</a:t>
+            </a:r>
+            <a:endParaRPr lang="nl-NL" dirty="0" smtClean="0"/>
+          </a:p>
+          <a:p>
+            <a:pPr lvl="1"/>
+            <a:r>
+              <a:rPr lang="nl-NL" dirty="0">
+                <a:hlinkClick r:id="rId7"/>
+              </a:rPr>
+              <a:t>http://</a:t>
+            </a:r>
+            <a:r>
+              <a:rPr lang="nl-NL" dirty="0" smtClean="0">
+                <a:hlinkClick r:id="rId7"/>
+              </a:rPr>
+              <a:t>www.pyimagesearch.com/category/tutorials</a:t>
+            </a:r>
+            <a:r>
+              <a:rPr lang="nl-NL" dirty="0" smtClean="0"/>
+              <a:t> </a:t>
+            </a:r>
+            <a:endParaRPr lang="nl-NL" dirty="0"/>
+          </a:p>
+        </p:txBody>
+      </p:sp>
+      <p:pic>
+        <p:nvPicPr>
+          <p:cNvPr id="2050" name="Picture 2" descr="python™"/>
+          <p:cNvPicPr>
+            <a:picLocks noChangeAspect="1" noChangeArrowheads="1"/>
+          </p:cNvPicPr>
+          <p:nvPr/>
+        </p:nvPicPr>
+        <p:blipFill>
+          <a:blip r:embed="rId8">
+            <a:extLst>
+              <a:ext uri="{28A0092B-C50C-407E-A947-70E740481C1C}">
+                <a14:useLocalDpi xmlns:a14="http://schemas.microsoft.com/office/drawing/2010/main" val="0"/>
+              </a:ext>
+            </a:extLst>
+          </a:blip>
+          <a:srcRect/>
+          <a:stretch>
+            <a:fillRect/>
+          </a:stretch>
+        </p:blipFill>
+        <p:spPr bwMode="auto">
+          <a:xfrm>
+            <a:off x="6238875" y="455612"/>
+            <a:ext cx="2762250" cy="781051"/>
+          </a:xfrm>
+          <a:prstGeom prst="rect">
+            <a:avLst/>
+          </a:prstGeom>
+          <a:noFill/>
+          <a:extLst>
+            <a:ext uri="{909E8E84-426E-40DD-AFC4-6F175D3DCCD1}">
+              <a14:hiddenFill xmlns:a14="http://schemas.microsoft.com/office/drawing/2010/main">
+                <a:solidFill>
+                  <a:srgbClr val="FFFFFF"/>
+                </a:solidFill>
+              </a14:hiddenFill>
+            </a:ext>
+          </a:extLst>
+        </p:spPr>
+      </p:pic>
+      <p:sp>
+        <p:nvSpPr>
+          <p:cNvPr id="5" name="Tijdelijke aanduiding voor voettekst 4"/>
+          <p:cNvSpPr>
+            <a:spLocks noGrp="1"/>
+          </p:cNvSpPr>
+          <p:nvPr>
+            <p:ph type="ftr" sz="quarter" idx="11"/>
+          </p:nvPr>
+        </p:nvSpPr>
+        <p:spPr/>
+        <p:txBody>
+          <a:bodyPr/>
+          <a:lstStyle/>
+          <a:p>
+            <a:r>
+              <a:rPr lang="nl-NL" smtClean="0"/>
+              <a:t>OpenCV in ROS / Eric Dortmans / FHICT</a:t>
+            </a:r>
+          </a:p>
+          <a:p>
+            <a:endParaRPr lang="nl-NL" dirty="0"/>
+          </a:p>
+        </p:txBody>
+      </p:sp>
+    </p:spTree>
+    <p:extLst>
+      <p:ext uri="{BB962C8B-B14F-4D97-AF65-F5344CB8AC3E}">
+        <p14:creationId xmlns:p14="http://schemas.microsoft.com/office/powerpoint/2010/main" val="2274812774"/>
+      </p:ext>
+    </p:extLst>
+  </p:cSld>
+  <p:clrMapOvr>
+    <a:masterClrMapping/>
+  </p:clrMapOvr>
+  <p:timing>
+    <p:tnLst>
+      <p:par>
+        <p:cTn id="1" dur="indefinite" restart="never" nodeType="tmRoot"/>
+      </p:par>
+    </p:tnLst>
+  </p:timing>
+</p:sld>
+</file>
+
+<file path=ppt/slides/slide50.xml><?xml version="1.0" encoding="utf-8"?>
 <p:sld xmlns:a="http://schemas.openxmlformats.org/drawingml/2006/main" xmlns:r="http://schemas.openxmlformats.org/officeDocument/2006/relationships" xmlns:p="http://schemas.openxmlformats.org/presentationml/2006/main">
   <p:cSld>
     <p:spTree>
@@ -17295,7 +17880,7 @@
 </p:sld>
 </file>
 
-<file path=ppt/slides/slide49.xml><?xml version="1.0" encoding="utf-8"?>
+<file path=ppt/slides/slide51.xml><?xml version="1.0" encoding="utf-8"?>
 <p:sld xmlns:a="http://schemas.openxmlformats.org/drawingml/2006/main" xmlns:r="http://schemas.openxmlformats.org/officeDocument/2006/relationships" xmlns:p="http://schemas.openxmlformats.org/presentationml/2006/main">
   <p:cSld>
     <p:spTree>
@@ -17703,284 +18288,7 @@
 </p:sld>
 </file>
 
-<file path=ppt/slides/slide5.xml><?xml version="1.0" encoding="utf-8"?>
-<p:sld xmlns:a="http://schemas.openxmlformats.org/drawingml/2006/main" xmlns:r="http://schemas.openxmlformats.org/officeDocument/2006/relationships" xmlns:p="http://schemas.openxmlformats.org/presentationml/2006/main">
-  <p:cSld>
-    <p:spTree>
-      <p:nvGrpSpPr>
-        <p:cNvPr id="1" name=""/>
-        <p:cNvGrpSpPr/>
-        <p:nvPr/>
-      </p:nvGrpSpPr>
-      <p:grpSpPr>
-        <a:xfrm>
-          <a:off x="0" y="0"/>
-          <a:ext cx="0" cy="0"/>
-          <a:chOff x="0" y="0"/>
-          <a:chExt cx="0" cy="0"/>
-        </a:xfrm>
-      </p:grpSpPr>
-      <p:sp>
-        <p:nvSpPr>
-          <p:cNvPr id="2" name="Titel 1"/>
-          <p:cNvSpPr>
-            <a:spLocks noGrp="1"/>
-          </p:cNvSpPr>
-          <p:nvPr>
-            <p:ph type="title"/>
-          </p:nvPr>
-        </p:nvSpPr>
-        <p:spPr/>
-        <p:txBody>
-          <a:bodyPr/>
-          <a:lstStyle/>
-          <a:p>
-            <a:r>
-              <a:rPr lang="nl-NL" dirty="0" smtClean="0"/>
-              <a:t>Python API</a:t>
-            </a:r>
-            <a:endParaRPr lang="nl-NL" dirty="0"/>
-          </a:p>
-        </p:txBody>
-      </p:sp>
-      <p:sp>
-        <p:nvSpPr>
-          <p:cNvPr id="3" name="Tijdelijke aanduiding voor inhoud 2"/>
-          <p:cNvSpPr>
-            <a:spLocks noGrp="1"/>
-          </p:cNvSpPr>
-          <p:nvPr>
-            <p:ph idx="1"/>
-          </p:nvPr>
-        </p:nvSpPr>
-        <p:spPr/>
-        <p:txBody>
-          <a:bodyPr>
-            <a:normAutofit fontScale="92500"/>
-          </a:bodyPr>
-          <a:lstStyle/>
-          <a:p>
-            <a:r>
-              <a:rPr lang="nl-NL" dirty="0" smtClean="0"/>
-              <a:t>Python</a:t>
-            </a:r>
-          </a:p>
-          <a:p>
-            <a:pPr lvl="1"/>
-            <a:r>
-              <a:rPr lang="nl-NL" dirty="0">
-                <a:hlinkClick r:id="rId2"/>
-              </a:rPr>
-              <a:t>https://www.python.org</a:t>
-            </a:r>
-            <a:r>
-              <a:rPr lang="nl-NL" dirty="0" smtClean="0">
-                <a:hlinkClick r:id="rId2"/>
-              </a:rPr>
-              <a:t>/</a:t>
-            </a:r>
-            <a:r>
-              <a:rPr lang="nl-NL" dirty="0" smtClean="0"/>
-              <a:t> </a:t>
-            </a:r>
-          </a:p>
-          <a:p>
-            <a:pPr lvl="1"/>
-            <a:r>
-              <a:rPr lang="en-US" dirty="0">
-                <a:hlinkClick r:id="rId3"/>
-              </a:rPr>
-              <a:t>https://learnxinyminutes.com/docs/python</a:t>
-            </a:r>
-            <a:r>
-              <a:rPr lang="en-US" dirty="0" smtClean="0">
-                <a:hlinkClick r:id="rId3"/>
-              </a:rPr>
-              <a:t>/</a:t>
-            </a:r>
-            <a:endParaRPr lang="en-US" dirty="0" smtClean="0"/>
-          </a:p>
-          <a:p>
-            <a:pPr lvl="1"/>
-            <a:r>
-              <a:rPr lang="nl-NL" dirty="0">
-                <a:hlinkClick r:id="rId4"/>
-              </a:rPr>
-              <a:t>https://learnpythonthehardway.org/book</a:t>
-            </a:r>
-            <a:r>
-              <a:rPr lang="nl-NL" dirty="0" smtClean="0">
-                <a:hlinkClick r:id="rId4"/>
-              </a:rPr>
-              <a:t>/</a:t>
-            </a:r>
-            <a:r>
-              <a:rPr lang="nl-NL" dirty="0" smtClean="0"/>
-              <a:t> </a:t>
-            </a:r>
-          </a:p>
-          <a:p>
-            <a:r>
-              <a:rPr lang="nl-NL" dirty="0" err="1" smtClean="0"/>
-              <a:t>OpenCV</a:t>
-            </a:r>
-            <a:r>
-              <a:rPr lang="nl-NL" dirty="0" smtClean="0"/>
-              <a:t>-Python </a:t>
-            </a:r>
-            <a:r>
-              <a:rPr lang="nl-NL" dirty="0" err="1" smtClean="0"/>
-              <a:t>Tutorials</a:t>
-            </a:r>
-            <a:endParaRPr lang="nl-NL" dirty="0" smtClean="0"/>
-          </a:p>
-          <a:p>
-            <a:pPr lvl="1"/>
-            <a:r>
-              <a:rPr lang="nl-NL" dirty="0" smtClean="0">
-                <a:hlinkClick r:id="rId5"/>
-              </a:rPr>
-              <a:t>https</a:t>
-            </a:r>
-            <a:r>
-              <a:rPr lang="nl-NL" dirty="0">
-                <a:hlinkClick r:id="rId5"/>
-              </a:rPr>
-              <a:t>://opencv-python-tutroals.readthedocs.io</a:t>
-            </a:r>
-            <a:r>
-              <a:rPr lang="nl-NL" dirty="0" smtClean="0">
-                <a:hlinkClick r:id="rId5"/>
-              </a:rPr>
-              <a:t>/</a:t>
-            </a:r>
-            <a:endParaRPr lang="nl-NL" dirty="0" smtClean="0"/>
-          </a:p>
-          <a:p>
-            <a:pPr lvl="1"/>
-            <a:r>
-              <a:rPr lang="nl-NL" dirty="0">
-                <a:hlinkClick r:id="rId6"/>
-              </a:rPr>
-              <a:t>https://pythonprogramming.net/loading-images-python-opencv-tutorial</a:t>
-            </a:r>
-            <a:r>
-              <a:rPr lang="nl-NL" dirty="0" smtClean="0">
-                <a:hlinkClick r:id="rId6"/>
-              </a:rPr>
-              <a:t>/</a:t>
-            </a:r>
-            <a:endParaRPr lang="nl-NL" dirty="0" smtClean="0"/>
-          </a:p>
-          <a:p>
-            <a:pPr lvl="1"/>
-            <a:r>
-              <a:rPr lang="nl-NL" dirty="0">
-                <a:hlinkClick r:id="rId7"/>
-              </a:rPr>
-              <a:t>http://</a:t>
-            </a:r>
-            <a:r>
-              <a:rPr lang="nl-NL" dirty="0" smtClean="0">
-                <a:hlinkClick r:id="rId7"/>
-              </a:rPr>
-              <a:t>www.pyimagesearch.com/category/tutorials</a:t>
-            </a:r>
-            <a:r>
-              <a:rPr lang="nl-NL" dirty="0" smtClean="0"/>
-              <a:t> </a:t>
-            </a:r>
-            <a:endParaRPr lang="nl-NL" dirty="0"/>
-          </a:p>
-        </p:txBody>
-      </p:sp>
-      <p:pic>
-        <p:nvPicPr>
-          <p:cNvPr id="2050" name="Picture 2" descr="python™"/>
-          <p:cNvPicPr>
-            <a:picLocks noChangeAspect="1" noChangeArrowheads="1"/>
-          </p:cNvPicPr>
-          <p:nvPr/>
-        </p:nvPicPr>
-        <p:blipFill>
-          <a:blip r:embed="rId8">
-            <a:extLst>
-              <a:ext uri="{28A0092B-C50C-407E-A947-70E740481C1C}">
-                <a14:useLocalDpi xmlns:a14="http://schemas.microsoft.com/office/drawing/2010/main" val="0"/>
-              </a:ext>
-            </a:extLst>
-          </a:blip>
-          <a:srcRect/>
-          <a:stretch>
-            <a:fillRect/>
-          </a:stretch>
-        </p:blipFill>
-        <p:spPr bwMode="auto">
-          <a:xfrm>
-            <a:off x="6238875" y="455612"/>
-            <a:ext cx="2762250" cy="781051"/>
-          </a:xfrm>
-          <a:prstGeom prst="rect">
-            <a:avLst/>
-          </a:prstGeom>
-          <a:noFill/>
-          <a:extLst>
-            <a:ext uri="{909E8E84-426E-40DD-AFC4-6F175D3DCCD1}">
-              <a14:hiddenFill xmlns:a14="http://schemas.microsoft.com/office/drawing/2010/main">
-                <a:solidFill>
-                  <a:srgbClr val="FFFFFF"/>
-                </a:solidFill>
-              </a14:hiddenFill>
-            </a:ext>
-          </a:extLst>
-        </p:spPr>
-      </p:pic>
-      <p:sp>
-        <p:nvSpPr>
-          <p:cNvPr id="5" name="Tijdelijke aanduiding voor voettekst 4"/>
-          <p:cNvSpPr>
-            <a:spLocks noGrp="1"/>
-          </p:cNvSpPr>
-          <p:nvPr>
-            <p:ph type="ftr" sz="quarter" idx="11"/>
-          </p:nvPr>
-        </p:nvSpPr>
-        <p:spPr/>
-        <p:txBody>
-          <a:bodyPr/>
-          <a:lstStyle/>
-          <a:p>
-            <a:r>
-              <a:rPr lang="nl-NL" smtClean="0"/>
-              <a:t>OpenCV in ROS / Eric Dortmans / FHICT</a:t>
-            </a:r>
-          </a:p>
-          <a:p>
-            <a:endParaRPr lang="nl-NL" dirty="0"/>
-          </a:p>
-        </p:txBody>
-      </p:sp>
-    </p:spTree>
-    <p:extLst>
-      <p:ext uri="{BB962C8B-B14F-4D97-AF65-F5344CB8AC3E}">
-        <p14:creationId xmlns:p14="http://schemas.microsoft.com/office/powerpoint/2010/main" val="2274812774"/>
-      </p:ext>
-    </p:extLst>
-  </p:cSld>
-  <p:clrMapOvr>
-    <a:masterClrMapping/>
-  </p:clrMapOvr>
-  <p:timing>
-    <p:tnLst>
-      <p:par>
-        <p:cTn id="1" dur="indefinite" restart="never" nodeType="tmRoot"/>
-      </p:par>
-    </p:tnLst>
-  </p:timing>
-</p:sld>
-</file>
-
-<file path=ppt/slides/slide50.xml><?xml version="1.0" encoding="utf-8"?>
+<file path=ppt/slides/slide52.xml><?xml version="1.0" encoding="utf-8"?>
 <p:sld xmlns:a="http://schemas.openxmlformats.org/drawingml/2006/main" xmlns:r="http://schemas.openxmlformats.org/officeDocument/2006/relationships" xmlns:p="http://schemas.openxmlformats.org/presentationml/2006/main">
   <p:cSld>
     <p:spTree>
@@ -18364,7 +18672,7 @@
 </p:sld>
 </file>
 
-<file path=ppt/slides/slide51.xml><?xml version="1.0" encoding="utf-8"?>
+<file path=ppt/slides/slide53.xml><?xml version="1.0" encoding="utf-8"?>
 <p:sld xmlns:a="http://schemas.openxmlformats.org/drawingml/2006/main" xmlns:r="http://schemas.openxmlformats.org/officeDocument/2006/relationships" xmlns:p="http://schemas.openxmlformats.org/presentationml/2006/main">
   <p:cSld>
     <p:spTree>
@@ -18478,7 +18786,7 @@
 </p:sld>
 </file>
 
-<file path=ppt/slides/slide52.xml><?xml version="1.0" encoding="utf-8"?>
+<file path=ppt/slides/slide54.xml><?xml version="1.0" encoding="utf-8"?>
 <p:sld xmlns:a="http://schemas.openxmlformats.org/drawingml/2006/main" xmlns:r="http://schemas.openxmlformats.org/officeDocument/2006/relationships" xmlns:p="http://schemas.openxmlformats.org/presentationml/2006/main">
   <p:cSld>
     <p:spTree>
@@ -18766,7 +19074,7 @@
 </p:sld>
 </file>
 
-<file path=ppt/slides/slide53.xml><?xml version="1.0" encoding="utf-8"?>
+<file path=ppt/slides/slide55.xml><?xml version="1.0" encoding="utf-8"?>
 <p:sld xmlns:a="http://schemas.openxmlformats.org/drawingml/2006/main" xmlns:r="http://schemas.openxmlformats.org/officeDocument/2006/relationships" xmlns:p="http://schemas.openxmlformats.org/presentationml/2006/main">
   <p:cSld>
     <p:spTree>
@@ -18888,7 +19196,7 @@
 </p:sld>
 </file>
 
-<file path=ppt/slides/slide54.xml><?xml version="1.0" encoding="utf-8"?>
+<file path=ppt/slides/slide56.xml><?xml version="1.0" encoding="utf-8"?>
 <p:sld xmlns:a="http://schemas.openxmlformats.org/drawingml/2006/main" xmlns:r="http://schemas.openxmlformats.org/officeDocument/2006/relationships" xmlns:p="http://schemas.openxmlformats.org/presentationml/2006/main">
   <p:cSld>
     <p:spTree>
@@ -19397,7 +19705,7 @@
 </p:sld>
 </file>
 
-<file path=ppt/slides/slide55.xml><?xml version="1.0" encoding="utf-8"?>
+<file path=ppt/slides/slide57.xml><?xml version="1.0" encoding="utf-8"?>
 <p:sld xmlns:a="http://schemas.openxmlformats.org/drawingml/2006/main" xmlns:r="http://schemas.openxmlformats.org/officeDocument/2006/relationships" xmlns:p="http://schemas.openxmlformats.org/presentationml/2006/main">
   <p:cSld>
     <p:spTree>
@@ -19709,7 +20017,7 @@
 </p:sld>
 </file>
 
-<file path=ppt/slides/slide56.xml><?xml version="1.0" encoding="utf-8"?>
+<file path=ppt/slides/slide58.xml><?xml version="1.0" encoding="utf-8"?>
 <p:sld xmlns:a="http://schemas.openxmlformats.org/drawingml/2006/main" xmlns:r="http://schemas.openxmlformats.org/officeDocument/2006/relationships" xmlns:p="http://schemas.openxmlformats.org/presentationml/2006/main">
   <p:cSld>
     <p:spTree>
@@ -20062,7 +20370,7 @@
 </p:sld>
 </file>
 
-<file path=ppt/slides/slide57.xml><?xml version="1.0" encoding="utf-8"?>
+<file path=ppt/slides/slide59.xml><?xml version="1.0" encoding="utf-8"?>
 <p:sld xmlns:a="http://schemas.openxmlformats.org/drawingml/2006/main" xmlns:r="http://schemas.openxmlformats.org/officeDocument/2006/relationships" xmlns:p="http://schemas.openxmlformats.org/presentationml/2006/main">
   <p:cSld>
     <p:spTree>
@@ -20110,7 +20418,7 @@
         </p:nvSpPr>
         <p:spPr>
           <a:xfrm>
-            <a:off x="2254149" y="3534847"/>
+            <a:off x="2254149" y="3162606"/>
             <a:ext cx="2448272" cy="584775"/>
           </a:xfrm>
           <a:prstGeom prst="rect">
@@ -20141,7 +20449,7 @@
         </p:nvSpPr>
         <p:spPr>
           <a:xfrm>
-            <a:off x="3478285" y="1785017"/>
+            <a:off x="3478285" y="1412776"/>
             <a:ext cx="2448272" cy="584775"/>
           </a:xfrm>
           <a:prstGeom prst="rect">
@@ -20172,7 +20480,7 @@
         </p:nvSpPr>
         <p:spPr>
           <a:xfrm>
-            <a:off x="3478285" y="5403243"/>
+            <a:off x="3571528" y="5326624"/>
             <a:ext cx="2448272" cy="584775"/>
           </a:xfrm>
           <a:prstGeom prst="rect">
@@ -20203,7 +20511,7 @@
         </p:nvSpPr>
         <p:spPr>
           <a:xfrm>
-            <a:off x="1336047" y="5403243"/>
+            <a:off x="1049045" y="4918513"/>
             <a:ext cx="2448272" cy="584775"/>
           </a:xfrm>
           <a:prstGeom prst="rect">
@@ -20237,7 +20545,7 @@
         </p:nvCxnSpPr>
         <p:spPr>
           <a:xfrm flipH="1">
-            <a:off x="3478285" y="2369792"/>
+            <a:off x="3478285" y="1997551"/>
             <a:ext cx="1224136" cy="1165055"/>
           </a:xfrm>
           <a:prstGeom prst="straightConnector1">
@@ -20270,7 +20578,7 @@
         </p:nvSpPr>
         <p:spPr>
           <a:xfrm>
-            <a:off x="4860032" y="3534847"/>
+            <a:off x="4860032" y="3162606"/>
             <a:ext cx="2448272" cy="584775"/>
           </a:xfrm>
           <a:prstGeom prst="rect">
@@ -20304,7 +20612,7 @@
         </p:nvCxnSpPr>
         <p:spPr>
           <a:xfrm>
-            <a:off x="4702421" y="2369792"/>
+            <a:off x="4702421" y="1997551"/>
             <a:ext cx="1381747" cy="1165055"/>
           </a:xfrm>
           <a:prstGeom prst="straightConnector1">
@@ -20332,15 +20640,12 @@
       <p:cxnSp>
         <p:nvCxnSpPr>
           <p:cNvPr id="19" name="Rechte verbindingslijn met pijl 18"/>
-          <p:cNvCxnSpPr>
-            <a:stCxn id="5" idx="2"/>
-            <a:endCxn id="9" idx="0"/>
-          </p:cNvCxnSpPr>
+          <p:cNvCxnSpPr/>
           <p:nvPr/>
         </p:nvCxnSpPr>
         <p:spPr>
           <a:xfrm flipH="1">
-            <a:off x="2560183" y="4119622"/>
+            <a:off x="2285746" y="3699745"/>
             <a:ext cx="918102" cy="1283621"/>
           </a:xfrm>
           <a:prstGeom prst="straightConnector1">
@@ -20368,16 +20673,13 @@
       <p:cxnSp>
         <p:nvCxnSpPr>
           <p:cNvPr id="25" name="Rechte verbindingslijn met pijl 24"/>
-          <p:cNvCxnSpPr>
-            <a:stCxn id="5" idx="2"/>
-            <a:endCxn id="7" idx="0"/>
-          </p:cNvCxnSpPr>
+          <p:cNvCxnSpPr/>
           <p:nvPr/>
         </p:nvCxnSpPr>
         <p:spPr>
           <a:xfrm>
-            <a:off x="3478285" y="4119622"/>
-            <a:ext cx="1224136" cy="1283621"/>
+            <a:off x="2915816" y="5326624"/>
+            <a:ext cx="1296144" cy="289153"/>
           </a:xfrm>
           <a:prstGeom prst="straightConnector1">
             <a:avLst/>
@@ -20411,8 +20713,8 @@
         </p:nvCxnSpPr>
         <p:spPr>
           <a:xfrm flipH="1">
-            <a:off x="4860032" y="4119622"/>
-            <a:ext cx="1224136" cy="1283621"/>
+            <a:off x="5008455" y="3747381"/>
+            <a:ext cx="1075713" cy="1651954"/>
           </a:xfrm>
           <a:prstGeom prst="straightConnector1">
             <a:avLst/>
@@ -20445,7 +20747,7 @@
         </p:nvSpPr>
         <p:spPr>
           <a:xfrm>
-            <a:off x="5620523" y="4562464"/>
+            <a:off x="5620523" y="4190223"/>
             <a:ext cx="3316560" cy="584775"/>
           </a:xfrm>
           <a:prstGeom prst="rect">
